--- a/org.faktorips.doc/schulung/anwendungsentwicklung2/FaktorIPS-Schulung 2 - UML Refresh.pptx
+++ b/org.faktorips.doc/schulung/anwendungsentwicklung2/FaktorIPS-Schulung 2 - UML Refresh.pptx
@@ -5,17 +5,21 @@
     <p:sldMasterId id="2147483651" r:id="rId1"/>
   </p:sldMasterIdLst>
   <p:notesMasterIdLst>
-    <p:notesMasterId r:id="rId4"/>
+    <p:notesMasterId r:id="rId8"/>
   </p:notesMasterIdLst>
   <p:handoutMasterIdLst>
-    <p:handoutMasterId r:id="rId5"/>
+    <p:handoutMasterId r:id="rId9"/>
   </p:handoutMasterIdLst>
   <p:sldIdLst>
-    <p:sldId id="344" r:id="rId2"/>
-    <p:sldId id="347" r:id="rId3"/>
+    <p:sldId id="353" r:id="rId2"/>
+    <p:sldId id="354" r:id="rId3"/>
+    <p:sldId id="355" r:id="rId4"/>
+    <p:sldId id="356" r:id="rId5"/>
+    <p:sldId id="357" r:id="rId6"/>
+    <p:sldId id="358" r:id="rId7"/>
   </p:sldIdLst>
   <p:sldSz cx="9144000" cy="6858000" type="screen4x3"/>
-  <p:notesSz cx="7099300" cy="10234613"/>
+  <p:notesSz cx="6718300" cy="9855200"/>
   <p:defaultTextStyle>
     <a:defPPr>
       <a:defRPr lang="de-DE"/>
@@ -146,8 +150,12 @@
       <p14:sectionLst xmlns:p14="http://schemas.microsoft.com/office/powerpoint/2010/main">
         <p14:section name="Standardabschnitt" id="{014A13F2-5EFA-49B0-88F3-20EAB2D05807}">
           <p14:sldIdLst>
-            <p14:sldId id="344"/>
-            <p14:sldId id="347"/>
+            <p14:sldId id="353"/>
+            <p14:sldId id="354"/>
+            <p14:sldId id="355"/>
+            <p14:sldId id="356"/>
+            <p14:sldId id="357"/>
+            <p14:sldId id="358"/>
           </p14:sldIdLst>
         </p14:section>
       </p14:sectionLst>
@@ -193,8 +201,8 @@
         </p:nvSpPr>
         <p:spPr bwMode="auto">
           <a:xfrm>
-            <a:off x="0" y="0"/>
-            <a:ext cx="3077137" cy="512304"/>
+            <a:off x="1" y="0"/>
+            <a:ext cx="2911995" cy="493312"/>
           </a:xfrm>
           <a:prstGeom prst="rect">
             <a:avLst/>
@@ -209,14 +217,14 @@
           <a:effectLst/>
         </p:spPr>
         <p:txBody>
-          <a:bodyPr vert="horz" wrap="square" lIns="94761" tIns="47381" rIns="94761" bIns="47381" numCol="1" anchor="t" anchorCtr="0" compatLnSpc="1">
+          <a:bodyPr vert="horz" wrap="square" lIns="90601" tIns="45301" rIns="90601" bIns="45301" numCol="1" anchor="t" anchorCtr="0" compatLnSpc="1">
             <a:prstTxWarp prst="textNoShape">
               <a:avLst/>
             </a:prstTxWarp>
           </a:bodyPr>
           <a:lstStyle>
             <a:lvl1pPr algn="l" eaLnBrk="1" hangingPunct="1">
-              <a:defRPr sz="1200" dirty="0">
+              <a:defRPr sz="1100" dirty="0">
                 <a:cs typeface="+mn-cs"/>
               </a:defRPr>
             </a:lvl1pPr>
@@ -241,8 +249,8 @@
         </p:nvSpPr>
         <p:spPr bwMode="auto">
           <a:xfrm>
-            <a:off x="4020507" y="0"/>
-            <a:ext cx="3077137" cy="512304"/>
+            <a:off x="3804738" y="0"/>
+            <a:ext cx="2911995" cy="493312"/>
           </a:xfrm>
           <a:prstGeom prst="rect">
             <a:avLst/>
@@ -257,14 +265,14 @@
           <a:effectLst/>
         </p:spPr>
         <p:txBody>
-          <a:bodyPr vert="horz" wrap="square" lIns="94761" tIns="47381" rIns="94761" bIns="47381" numCol="1" anchor="t" anchorCtr="0" compatLnSpc="1">
+          <a:bodyPr vert="horz" wrap="square" lIns="90601" tIns="45301" rIns="90601" bIns="45301" numCol="1" anchor="t" anchorCtr="0" compatLnSpc="1">
             <a:prstTxWarp prst="textNoShape">
               <a:avLst/>
             </a:prstTxWarp>
           </a:bodyPr>
           <a:lstStyle>
             <a:lvl1pPr algn="r" eaLnBrk="1" hangingPunct="1">
-              <a:defRPr sz="1200" dirty="0">
+              <a:defRPr sz="1100" dirty="0">
                 <a:cs typeface="+mn-cs"/>
               </a:defRPr>
             </a:lvl1pPr>
@@ -289,8 +297,8 @@
         </p:nvSpPr>
         <p:spPr bwMode="auto">
           <a:xfrm>
-            <a:off x="0" y="9720673"/>
-            <a:ext cx="3077137" cy="512303"/>
+            <a:off x="1" y="9360313"/>
+            <a:ext cx="2911995" cy="493311"/>
           </a:xfrm>
           <a:prstGeom prst="rect">
             <a:avLst/>
@@ -305,14 +313,14 @@
           <a:effectLst/>
         </p:spPr>
         <p:txBody>
-          <a:bodyPr vert="horz" wrap="square" lIns="94761" tIns="47381" rIns="94761" bIns="47381" numCol="1" anchor="b" anchorCtr="0" compatLnSpc="1">
+          <a:bodyPr vert="horz" wrap="square" lIns="90601" tIns="45301" rIns="90601" bIns="45301" numCol="1" anchor="b" anchorCtr="0" compatLnSpc="1">
             <a:prstTxWarp prst="textNoShape">
               <a:avLst/>
             </a:prstTxWarp>
           </a:bodyPr>
           <a:lstStyle>
             <a:lvl1pPr algn="l" eaLnBrk="1" hangingPunct="1">
-              <a:defRPr sz="1200" dirty="0">
+              <a:defRPr sz="1100" dirty="0">
                 <a:cs typeface="+mn-cs"/>
               </a:defRPr>
             </a:lvl1pPr>
@@ -337,8 +345,8 @@
         </p:nvSpPr>
         <p:spPr bwMode="auto">
           <a:xfrm>
-            <a:off x="4020507" y="9720673"/>
-            <a:ext cx="3077137" cy="512303"/>
+            <a:off x="3804738" y="9360313"/>
+            <a:ext cx="2911995" cy="493311"/>
           </a:xfrm>
           <a:prstGeom prst="rect">
             <a:avLst/>
@@ -353,14 +361,14 @@
           <a:effectLst/>
         </p:spPr>
         <p:txBody>
-          <a:bodyPr vert="horz" wrap="square" lIns="94761" tIns="47381" rIns="94761" bIns="47381" numCol="1" anchor="b" anchorCtr="0" compatLnSpc="1">
+          <a:bodyPr vert="horz" wrap="square" lIns="90601" tIns="45301" rIns="90601" bIns="45301" numCol="1" anchor="b" anchorCtr="0" compatLnSpc="1">
             <a:prstTxWarp prst="textNoShape">
               <a:avLst/>
             </a:prstTxWarp>
           </a:bodyPr>
           <a:lstStyle>
             <a:lvl1pPr algn="r" eaLnBrk="1" hangingPunct="1">
-              <a:defRPr sz="1200">
+              <a:defRPr sz="1100">
                 <a:cs typeface="+mn-cs"/>
               </a:defRPr>
             </a:lvl1pPr>
@@ -428,8 +436,8 @@
         </p:nvSpPr>
         <p:spPr bwMode="auto">
           <a:xfrm>
-            <a:off x="0" y="0"/>
-            <a:ext cx="3077137" cy="512304"/>
+            <a:off x="1" y="0"/>
+            <a:ext cx="2911995" cy="493312"/>
           </a:xfrm>
           <a:prstGeom prst="rect">
             <a:avLst/>
@@ -444,14 +452,14 @@
           <a:effectLst/>
         </p:spPr>
         <p:txBody>
-          <a:bodyPr vert="horz" wrap="square" lIns="94761" tIns="47381" rIns="94761" bIns="47381" numCol="1" anchor="t" anchorCtr="0" compatLnSpc="1">
+          <a:bodyPr vert="horz" wrap="square" lIns="90601" tIns="45301" rIns="90601" bIns="45301" numCol="1" anchor="t" anchorCtr="0" compatLnSpc="1">
             <a:prstTxWarp prst="textNoShape">
               <a:avLst/>
             </a:prstTxWarp>
           </a:bodyPr>
           <a:lstStyle>
             <a:lvl1pPr algn="l" eaLnBrk="1" hangingPunct="1">
-              <a:defRPr sz="1200" dirty="0">
+              <a:defRPr sz="1100" dirty="0">
                 <a:cs typeface="+mn-cs"/>
               </a:defRPr>
             </a:lvl1pPr>
@@ -476,8 +484,8 @@
         </p:nvSpPr>
         <p:spPr bwMode="auto">
           <a:xfrm>
-            <a:off x="4020507" y="0"/>
-            <a:ext cx="3077137" cy="512304"/>
+            <a:off x="3804738" y="0"/>
+            <a:ext cx="2911995" cy="493312"/>
           </a:xfrm>
           <a:prstGeom prst="rect">
             <a:avLst/>
@@ -492,14 +500,14 @@
           <a:effectLst/>
         </p:spPr>
         <p:txBody>
-          <a:bodyPr vert="horz" wrap="square" lIns="94761" tIns="47381" rIns="94761" bIns="47381" numCol="1" anchor="t" anchorCtr="0" compatLnSpc="1">
+          <a:bodyPr vert="horz" wrap="square" lIns="90601" tIns="45301" rIns="90601" bIns="45301" numCol="1" anchor="t" anchorCtr="0" compatLnSpc="1">
             <a:prstTxWarp prst="textNoShape">
               <a:avLst/>
             </a:prstTxWarp>
           </a:bodyPr>
           <a:lstStyle>
             <a:lvl1pPr algn="r" eaLnBrk="1" hangingPunct="1">
-              <a:defRPr sz="1200" dirty="0">
+              <a:defRPr sz="1100" dirty="0">
                 <a:cs typeface="+mn-cs"/>
               </a:defRPr>
             </a:lvl1pPr>
@@ -524,8 +532,8 @@
         </p:nvSpPr>
         <p:spPr bwMode="auto">
           <a:xfrm>
-            <a:off x="992188" y="769938"/>
-            <a:ext cx="5114925" cy="3835400"/>
+            <a:off x="898525" y="741363"/>
+            <a:ext cx="4921250" cy="3692525"/>
           </a:xfrm>
           <a:prstGeom prst="rect">
             <a:avLst/>
@@ -553,8 +561,8 @@
         </p:nvSpPr>
         <p:spPr bwMode="auto">
           <a:xfrm>
-            <a:off x="709600" y="4861156"/>
-            <a:ext cx="5680103" cy="4605821"/>
+            <a:off x="671518" y="4680946"/>
+            <a:ext cx="5375267" cy="4435076"/>
           </a:xfrm>
           <a:prstGeom prst="rect">
             <a:avLst/>
@@ -569,7 +577,7 @@
           <a:effectLst/>
         </p:spPr>
         <p:txBody>
-          <a:bodyPr vert="horz" wrap="square" lIns="94761" tIns="47381" rIns="94761" bIns="47381" numCol="1" anchor="t" anchorCtr="0" compatLnSpc="1">
+          <a:bodyPr vert="horz" wrap="square" lIns="90601" tIns="45301" rIns="90601" bIns="45301" numCol="1" anchor="t" anchorCtr="0" compatLnSpc="1">
             <a:prstTxWarp prst="textNoShape">
               <a:avLst/>
             </a:prstTxWarp>
@@ -624,8 +632,8 @@
         </p:nvSpPr>
         <p:spPr bwMode="auto">
           <a:xfrm>
-            <a:off x="0" y="9720673"/>
-            <a:ext cx="3077137" cy="512303"/>
+            <a:off x="1" y="9360313"/>
+            <a:ext cx="2911995" cy="493311"/>
           </a:xfrm>
           <a:prstGeom prst="rect">
             <a:avLst/>
@@ -640,14 +648,14 @@
           <a:effectLst/>
         </p:spPr>
         <p:txBody>
-          <a:bodyPr vert="horz" wrap="square" lIns="94761" tIns="47381" rIns="94761" bIns="47381" numCol="1" anchor="b" anchorCtr="0" compatLnSpc="1">
+          <a:bodyPr vert="horz" wrap="square" lIns="90601" tIns="45301" rIns="90601" bIns="45301" numCol="1" anchor="b" anchorCtr="0" compatLnSpc="1">
             <a:prstTxWarp prst="textNoShape">
               <a:avLst/>
             </a:prstTxWarp>
           </a:bodyPr>
           <a:lstStyle>
             <a:lvl1pPr algn="l" eaLnBrk="1" hangingPunct="1">
-              <a:defRPr sz="1200" dirty="0">
+              <a:defRPr sz="1100" dirty="0">
                 <a:cs typeface="+mn-cs"/>
               </a:defRPr>
             </a:lvl1pPr>
@@ -672,8 +680,8 @@
         </p:nvSpPr>
         <p:spPr bwMode="auto">
           <a:xfrm>
-            <a:off x="4020507" y="9720673"/>
-            <a:ext cx="3077137" cy="512303"/>
+            <a:off x="3804738" y="9360313"/>
+            <a:ext cx="2911995" cy="493311"/>
           </a:xfrm>
           <a:prstGeom prst="rect">
             <a:avLst/>
@@ -688,14 +696,14 @@
           <a:effectLst/>
         </p:spPr>
         <p:txBody>
-          <a:bodyPr vert="horz" wrap="square" lIns="94761" tIns="47381" rIns="94761" bIns="47381" numCol="1" anchor="b" anchorCtr="0" compatLnSpc="1">
+          <a:bodyPr vert="horz" wrap="square" lIns="90601" tIns="45301" rIns="90601" bIns="45301" numCol="1" anchor="b" anchorCtr="0" compatLnSpc="1">
             <a:prstTxWarp prst="textNoShape">
               <a:avLst/>
             </a:prstTxWarp>
           </a:bodyPr>
           <a:lstStyle>
             <a:lvl1pPr algn="r" eaLnBrk="1" hangingPunct="1">
-              <a:defRPr sz="1200">
+              <a:defRPr sz="1100">
                 <a:cs typeface="+mn-cs"/>
               </a:defRPr>
             </a:lvl1pPr>
@@ -938,9 +946,9 @@
             </a:lvl1pPr>
           </a:lstStyle>
           <a:p>
-            <a:fld id="{4C313935-7EA6-4D7F-BA7B-0F4216B5C57C}" type="datetime1">
+            <a:fld id="{5B55EC9F-EAAC-40EF-A1B5-F169B01641AF}" type="datetime1">
               <a:rPr lang="de-DE" smtClean="0"/>
-              <a:t>15.11.2012</a:t>
+              <a:t>17.05.2013</a:t>
             </a:fld>
             <a:endParaRPr lang="de-DE" dirty="0"/>
           </a:p>
@@ -2271,9 +2279,9 @@
             </a:lvl1pPr>
           </a:lstStyle>
           <a:p>
-            <a:fld id="{BE1BF80C-9855-480A-9467-D4DB240FF729}" type="datetime1">
+            <a:fld id="{8AAA7A67-18F5-4609-A246-E110891C3FD7}" type="datetime1">
               <a:rPr lang="de-DE" smtClean="0"/>
-              <a:t>15.11.2012</a:t>
+              <a:t>17.05.2013</a:t>
             </a:fld>
             <a:endParaRPr lang="de-DE" dirty="0"/>
           </a:p>
@@ -2468,9 +2476,9 @@
             </a:lvl1pPr>
           </a:lstStyle>
           <a:p>
-            <a:fld id="{08B32CA3-A7D8-4F2F-A30F-49B3B3203F05}" type="datetime1">
+            <a:fld id="{24B71CED-91B4-4FAD-9333-F86605A3667C}" type="datetime1">
               <a:rPr lang="de-DE" smtClean="0"/>
-              <a:t>15.11.2012</a:t>
+              <a:t>17.05.2013</a:t>
             </a:fld>
             <a:endParaRPr lang="de-DE" dirty="0"/>
           </a:p>
@@ -3410,9 +3418,9 @@
             </a:lvl1pPr>
           </a:lstStyle>
           <a:p>
-            <a:fld id="{6FF10569-AB61-4F51-BDC9-96B89D7C511E}" type="datetime1">
+            <a:fld id="{67AA3C18-C3CC-42A6-AF3E-A19ECD4CAB02}" type="datetime1">
               <a:rPr lang="de-DE" smtClean="0"/>
-              <a:t>15.11.2012</a:t>
+              <a:t>17.05.2013</a:t>
             </a:fld>
             <a:endParaRPr lang="de-DE" dirty="0"/>
           </a:p>
@@ -3481,90 +3489,6 @@
 </p:sldLayout>
 </file>
 
-<file path=ppt/slideLayouts/slideLayout15.xml><?xml version="1.0" encoding="utf-8"?>
-<p:sldLayout xmlns:a="http://schemas.openxmlformats.org/drawingml/2006/main" xmlns:r="http://schemas.openxmlformats.org/officeDocument/2006/relationships" xmlns:p="http://schemas.openxmlformats.org/presentationml/2006/main" type="obj">
-  <p:cSld name="Title, Content">
-    <p:spTree>
-      <p:nvGrpSpPr>
-        <p:cNvPr id="1" name=""/>
-        <p:cNvGrpSpPr/>
-        <p:nvPr/>
-      </p:nvGrpSpPr>
-      <p:grpSpPr>
-        <a:xfrm>
-          <a:off x="0" y="0"/>
-          <a:ext cx="0" cy="0"/>
-          <a:chOff x="0" y="0"/>
-          <a:chExt cx="0" cy="0"/>
-        </a:xfrm>
-      </p:grpSpPr>
-      <p:sp>
-        <p:nvSpPr>
-          <p:cNvPr id="9" name="PlaceHolder 1"/>
-          <p:cNvSpPr>
-            <a:spLocks noGrp="1"/>
-          </p:cNvSpPr>
-          <p:nvPr>
-            <p:ph type="title"/>
-          </p:nvPr>
-        </p:nvSpPr>
-        <p:spPr>
-          <a:xfrm>
-            <a:off x="934038" y="788377"/>
-            <a:ext cx="7281239" cy="844877"/>
-          </a:xfrm>
-          <a:prstGeom prst="rect">
-            <a:avLst/>
-          </a:prstGeom>
-        </p:spPr>
-        <p:txBody>
-          <a:bodyPr wrap="none" lIns="0" tIns="0" rIns="0" bIns="0" anchor="ctr"/>
-          <a:lstStyle/>
-          <a:p>
-            <a:endParaRPr/>
-          </a:p>
-        </p:txBody>
-      </p:sp>
-      <p:sp>
-        <p:nvSpPr>
-          <p:cNvPr id="10" name="PlaceHolder 2"/>
-          <p:cNvSpPr>
-            <a:spLocks noGrp="1"/>
-          </p:cNvSpPr>
-          <p:nvPr>
-            <p:ph type="body"/>
-          </p:nvPr>
-        </p:nvSpPr>
-        <p:spPr>
-          <a:xfrm>
-            <a:off x="934038" y="1714574"/>
-            <a:ext cx="7281239" cy="4244958"/>
-          </a:xfrm>
-          <a:prstGeom prst="rect">
-            <a:avLst/>
-          </a:prstGeom>
-        </p:spPr>
-        <p:txBody>
-          <a:bodyPr wrap="none" lIns="0" tIns="0" rIns="0" bIns="0"/>
-          <a:lstStyle/>
-          <a:p>
-            <a:endParaRPr/>
-          </a:p>
-        </p:txBody>
-      </p:sp>
-    </p:spTree>
-    <p:extLst>
-      <p:ext uri="{BB962C8B-B14F-4D97-AF65-F5344CB8AC3E}">
-        <p14:creationId xmlns:p14="http://schemas.microsoft.com/office/powerpoint/2010/main" val="1031973763"/>
-      </p:ext>
-    </p:extLst>
-  </p:cSld>
-  <p:clrMapOvr>
-    <a:masterClrMapping/>
-  </p:clrMapOvr>
-</p:sldLayout>
-</file>
-
 <file path=ppt/slideLayouts/slideLayout2.xml><?xml version="1.0" encoding="utf-8"?>
 <p:sldLayout xmlns:a="http://schemas.openxmlformats.org/drawingml/2006/main" xmlns:r="http://schemas.openxmlformats.org/officeDocument/2006/relationships" xmlns:p="http://schemas.openxmlformats.org/presentationml/2006/main" preserve="1" userDrawn="1">
   <p:cSld name="Structure + Subheader">
@@ -3671,9 +3595,9 @@
             </a:lvl1pPr>
           </a:lstStyle>
           <a:p>
-            <a:fld id="{EBE54291-12F7-4B1A-A6F7-C1105A4F6AB7}" type="datetime1">
+            <a:fld id="{327D4152-D75E-414A-80AC-A1DE07E3F2BA}" type="datetime1">
               <a:rPr lang="de-DE" smtClean="0"/>
-              <a:t>15.11.2012</a:t>
+              <a:t>17.05.2013</a:t>
             </a:fld>
             <a:endParaRPr lang="de-DE" dirty="0"/>
           </a:p>
@@ -3876,9 +3800,9 @@
             </a:lvl1pPr>
           </a:lstStyle>
           <a:p>
-            <a:fld id="{1F60F9EA-D81B-41A5-A9EE-312B9D1B0CB8}" type="datetime1">
+            <a:fld id="{8788AA5D-F95C-43DE-A7B4-D7857C4A1DAC}" type="datetime1">
               <a:rPr lang="de-DE" smtClean="0"/>
-              <a:t>15.11.2012</a:t>
+              <a:t>17.05.2013</a:t>
             </a:fld>
             <a:endParaRPr lang="de-DE" dirty="0"/>
           </a:p>
@@ -3896,8 +3820,8 @@
         </p:nvSpPr>
         <p:spPr>
           <a:xfrm>
-            <a:off x="4372824" y="6678000"/>
-            <a:ext cx="396000" cy="180000"/>
+            <a:off x="4283968" y="6678000"/>
+            <a:ext cx="576064" cy="180000"/>
           </a:xfrm>
           <a:prstGeom prst="rect">
             <a:avLst/>
@@ -3915,6 +3839,10 @@
             </a:lvl1pPr>
           </a:lstStyle>
           <a:p>
+            <a:r>
+              <a:rPr lang="de-DE" dirty="0" smtClean="0"/>
+              <a:t>II-</a:t>
+            </a:r>
             <a:fld id="{21FBF85A-D7A6-488B-8C2B-F7E0D6843921}" type="slidenum">
               <a:rPr lang="de-DE" smtClean="0"/>
               <a:pPr/>
@@ -4044,9 +3972,9 @@
             </a:lvl1pPr>
           </a:lstStyle>
           <a:p>
-            <a:fld id="{7BE1B16D-B8E7-4FB4-8CE7-EC76270DA46B}" type="datetime1">
+            <a:fld id="{D409D483-5A6C-404E-BF67-0F38A5264A02}" type="datetime1">
               <a:rPr lang="de-DE" smtClean="0"/>
-              <a:t>15.11.2012</a:t>
+              <a:t>17.05.2013</a:t>
             </a:fld>
             <a:endParaRPr lang="de-DE" dirty="0"/>
           </a:p>
@@ -4265,9 +4193,9 @@
             </a:lvl1pPr>
           </a:lstStyle>
           <a:p>
-            <a:fld id="{F4971954-5E5E-4D96-BA4E-DBDD052DD11B}" type="datetime1">
+            <a:fld id="{1278A1B2-4307-43A3-9322-34CDDDE87A27}" type="datetime1">
               <a:rPr lang="de-DE" smtClean="0"/>
-              <a:t>15.11.2012</a:t>
+              <a:t>17.05.2013</a:t>
             </a:fld>
             <a:endParaRPr lang="de-DE" dirty="0"/>
           </a:p>
@@ -4463,9 +4391,9 @@
             </a:lvl1pPr>
           </a:lstStyle>
           <a:p>
-            <a:fld id="{41A4EFD4-A512-4ECF-8F64-754589F4F2F7}" type="datetime1">
+            <a:fld id="{A4528959-9B37-41A0-A4B2-B2CFAF7EF4C3}" type="datetime1">
               <a:rPr lang="de-DE" smtClean="0"/>
-              <a:t>15.11.2012</a:t>
+              <a:t>17.05.2013</a:t>
             </a:fld>
             <a:endParaRPr lang="de-DE" dirty="0"/>
           </a:p>
@@ -5730,9 +5658,9 @@
             </a:lvl1pPr>
           </a:lstStyle>
           <a:p>
-            <a:fld id="{8AF0EC66-E29B-4E0D-AD9B-6164800B21A5}" type="datetime1">
+            <a:fld id="{B86D2B30-5EF5-4C9B-A13F-51DA274F57D3}" type="datetime1">
               <a:rPr lang="de-DE" smtClean="0"/>
-              <a:t>15.11.2012</a:t>
+              <a:t>17.05.2013</a:t>
             </a:fld>
             <a:endParaRPr lang="de-DE" dirty="0"/>
           </a:p>
@@ -6718,9 +6646,9 @@
             </a:lvl1pPr>
           </a:lstStyle>
           <a:p>
-            <a:fld id="{770BEA93-19DB-49E3-A57E-5E1460954E2F}" type="datetime1">
+            <a:fld id="{2D782B4F-F4DE-4E8A-950B-3ECF751A11B0}" type="datetime1">
               <a:rPr lang="de-DE" smtClean="0"/>
-              <a:t>15.11.2012</a:t>
+              <a:t>17.05.2013</a:t>
             </a:fld>
             <a:endParaRPr lang="de-DE" dirty="0"/>
           </a:p>
@@ -7289,9 +7217,9 @@
             </a:lvl1pPr>
           </a:lstStyle>
           <a:p>
-            <a:fld id="{8491355D-8AF9-4EF6-9587-4CD146DEDB38}" type="datetime1">
+            <a:fld id="{E45EA214-B2DB-401D-BE28-1C18E2649E00}" type="datetime1">
               <a:rPr lang="de-DE" smtClean="0"/>
-              <a:t>15.11.2012</a:t>
+              <a:t>17.05.2013</a:t>
             </a:fld>
             <a:endParaRPr lang="de-DE" dirty="0"/>
           </a:p>
@@ -8142,7 +8070,7 @@
           <p:nvPr userDrawn="1"/>
         </p:nvPicPr>
         <p:blipFill rotWithShape="1">
-          <a:blip r:embed="rId17" cstate="email">
+          <a:blip r:embed="rId16" cstate="email">
             <a:extLst>
               <a:ext uri="{28A0092B-C50C-407E-A947-70E740481C1C}">
                 <a14:useLocalDpi xmlns:a14="http://schemas.microsoft.com/office/drawing/2010/main"/>
@@ -8179,7 +8107,7 @@
           <p:nvPr userDrawn="1"/>
         </p:nvPicPr>
         <p:blipFill rotWithShape="1">
-          <a:blip r:embed="rId17" cstate="email">
+          <a:blip r:embed="rId16" cstate="email">
             <a:extLst>
               <a:ext uri="{28A0092B-C50C-407E-A947-70E740481C1C}">
                 <a14:useLocalDpi xmlns:a14="http://schemas.microsoft.com/office/drawing/2010/main"/>
@@ -8780,9 +8708,9 @@
             </a:lvl1pPr>
           </a:lstStyle>
           <a:p>
-            <a:fld id="{26E4F489-5920-4637-8946-8EC67E0C76E5}" type="datetime1">
+            <a:fld id="{91D44F40-6D36-4928-8369-8C0181FC5795}" type="datetime1">
               <a:rPr lang="de-DE" smtClean="0"/>
-              <a:t>15.11.2012</a:t>
+              <a:t>17.05.2013</a:t>
             </a:fld>
             <a:endParaRPr lang="de-DE" dirty="0"/>
           </a:p>
@@ -8877,7 +8805,6 @@
     <p:sldLayoutId id="2147483679" r:id="rId12"/>
     <p:sldLayoutId id="2147483692" r:id="rId13"/>
     <p:sldLayoutId id="2147483701" r:id="rId14"/>
-    <p:sldLayoutId id="2147483706" r:id="rId15"/>
   </p:sldLayoutIdLst>
   <p:transition spd="slow">
     <p:fade/>
@@ -9385,12 +9312,7 @@
             <p:ph type="title"/>
           </p:nvPr>
         </p:nvSpPr>
-        <p:spPr>
-          <a:xfrm>
-            <a:off x="252000" y="180000"/>
-            <a:ext cx="8639520" cy="900000"/>
-          </a:xfrm>
-        </p:spPr>
+        <p:spPr/>
         <p:txBody>
           <a:bodyPr/>
           <a:lstStyle/>
@@ -9413,21 +9335,24 @@
             <p:ph type="dt" sz="half" idx="2"/>
           </p:nvPr>
         </p:nvSpPr>
-        <p:spPr>
-          <a:xfrm>
-            <a:off x="251520" y="6678000"/>
-            <a:ext cx="612000" cy="180000"/>
-          </a:xfrm>
-        </p:spPr>
+        <p:spPr/>
         <p:txBody>
           <a:bodyPr/>
           <a:lstStyle/>
           <a:p>
-            <a:fld id="{BB8488A8-B059-42A1-BF03-EA84BC3CC935}" type="datetime1">
-              <a:rPr lang="de-DE" smtClean="0"/>
-              <a:t>15.11.2012</a:t>
+            <a:fld id="{A1FD351C-B18D-4BA5-86EC-E9F68891C6A7}" type="datetime1">
+              <a:rPr lang="de-DE" smtClean="0">
+                <a:solidFill>
+                  <a:srgbClr val="FFFFFF"/>
+                </a:solidFill>
+              </a:rPr>
+              <a:t>17.05.2013</a:t>
             </a:fld>
-            <a:endParaRPr lang="de-DE" dirty="0"/>
+            <a:endParaRPr lang="de-DE" dirty="0">
+              <a:solidFill>
+                <a:srgbClr val="FFFFFF"/>
+              </a:solidFill>
+            </a:endParaRPr>
           </a:p>
         </p:txBody>
       </p:sp>
@@ -9440,7 +9365,7 @@
           <p:nvPr>
             <p:extLst>
               <p:ext uri="{D42A27DB-BD31-4B8C-83A1-F6EECF244321}">
-                <p14:modId xmlns:p14="http://schemas.microsoft.com/office/powerpoint/2010/main" val="1293765969"/>
+                <p14:modId xmlns:p14="http://schemas.microsoft.com/office/powerpoint/2010/main" val="3295967557"/>
               </p:ext>
             </p:extLst>
           </p:nvPr>
@@ -9493,18 +9418,8 @@
                           <a:effectLst/>
                           <a:latin typeface="Arial" pitchFamily="34" charset="0"/>
                         </a:rPr>
-                        <a:t>1. Motivation</a:t>
+                        <a:t>I. Motivation</a:t>
                       </a:r>
-                      <a:endParaRPr kumimoji="0" lang="de-DE" sz="1600" b="0" i="0" u="none" strike="noStrike" cap="none" normalizeH="0" baseline="0" dirty="0" smtClean="0">
-                        <a:ln>
-                          <a:noFill/>
-                        </a:ln>
-                        <a:solidFill>
-                          <a:schemeClr val="tx1"/>
-                        </a:solidFill>
-                        <a:effectLst/>
-                        <a:latin typeface="Arial" pitchFamily="34" charset="0"/>
-                      </a:endParaRPr>
                     </a:p>
                   </a:txBody>
                   <a:tcPr marL="90000" marR="90000" marT="54000" marB="54000" anchor="ctr" horzOverflow="overflow">
@@ -9631,11 +9546,7 @@
                       </a:pPr>
                       <a:r>
                         <a:rPr lang="de-DE" sz="1600" b="1" dirty="0" smtClean="0"/>
-                        <a:t>2. UML </a:t>
-                      </a:r>
-                      <a:r>
-                        <a:rPr lang="de-DE" sz="1600" b="1" dirty="0" smtClean="0"/>
-                        <a:t>Refresh</a:t>
+                        <a:t>II. UML Refresh</a:t>
                       </a:r>
                       <a:endParaRPr lang="de-DE" sz="1600" b="1" dirty="0"/>
                     </a:p>
@@ -9760,11 +9671,7 @@
                       </a:pPr>
                       <a:r>
                         <a:rPr lang="de-DE" sz="1600" dirty="0" smtClean="0"/>
-                        <a:t>3. Modellierung </a:t>
-                      </a:r>
-                      <a:r>
-                        <a:rPr lang="de-DE" sz="1600" dirty="0" smtClean="0"/>
-                        <a:t>&amp; Produktdefinition mit Faktor-IPS</a:t>
+                        <a:t>III. Modellierung &amp; Produktdefinition mit Faktor-IPS</a:t>
                       </a:r>
                       <a:endParaRPr lang="de-DE" sz="1600" dirty="0"/>
                     </a:p>
@@ -9859,19 +9766,31 @@
                     <a:bodyPr/>
                     <a:lstStyle/>
                     <a:p>
-                      <a:pPr>
+                      <a:pPr marL="0" marR="0" indent="0" algn="l" defTabSz="914400" rtl="0" eaLnBrk="1" fontAlgn="auto" latinLnBrk="0" hangingPunct="1">
+                        <a:lnSpc>
+                          <a:spcPct val="100000"/>
+                        </a:lnSpc>
+                        <a:spcBef>
+                          <a:spcPts val="0"/>
+                        </a:spcBef>
+                        <a:spcAft>
+                          <a:spcPts val="0"/>
+                        </a:spcAft>
+                        <a:buClrTx/>
+                        <a:buSzTx/>
                         <a:buFont typeface="StarSymbol"/>
                         <a:buNone/>
+                        <a:tabLst/>
+                        <a:defRPr/>
                       </a:pPr>
                       <a:r>
                         <a:rPr lang="de-DE" sz="1600" dirty="0" smtClean="0"/>
-                        <a:t>4. Modellgetriebene </a:t>
+                        <a:t>IV. </a:t>
                       </a:r>
                       <a:r>
                         <a:rPr lang="de-DE" sz="1600" dirty="0" smtClean="0"/>
-                        <a:t>Softwareentwicklung</a:t>
+                        <a:t>Customizing &amp; Tools</a:t>
                       </a:r>
-                      <a:endParaRPr lang="de-DE" sz="1600" dirty="0"/>
                     </a:p>
                   </a:txBody>
                   <a:tcPr marL="90000" marR="90000" marT="54000" marB="54000" anchor="ctr" horzOverflow="overflow">
@@ -9962,34 +9881,10 @@
           </a:graphicData>
         </a:graphic>
       </p:graphicFrame>
-      <p:sp>
-        <p:nvSpPr>
-          <p:cNvPr id="4" name="Foliennummernplatzhalter 3"/>
-          <p:cNvSpPr>
-            <a:spLocks noGrp="1"/>
-          </p:cNvSpPr>
-          <p:nvPr>
-            <p:ph type="sldNum" sz="quarter" idx="4"/>
-          </p:nvPr>
-        </p:nvSpPr>
-        <p:spPr/>
-        <p:txBody>
-          <a:bodyPr/>
-          <a:lstStyle/>
-          <a:p>
-            <a:fld id="{21FBF85A-D7A6-488B-8C2B-F7E0D6843921}" type="slidenum">
-              <a:rPr lang="de-DE" smtClean="0"/>
-              <a:pPr/>
-              <a:t>1</a:t>
-            </a:fld>
-            <a:endParaRPr lang="de-DE" dirty="0"/>
-          </a:p>
-        </p:txBody>
-      </p:sp>
     </p:spTree>
     <p:extLst>
       <p:ext uri="{BB962C8B-B14F-4D97-AF65-F5344CB8AC3E}">
-        <p14:creationId xmlns:p14="http://schemas.microsoft.com/office/powerpoint/2010/main" val="2942802526"/>
+        <p14:creationId xmlns:p14="http://schemas.microsoft.com/office/powerpoint/2010/main" val="2297160232"/>
       </p:ext>
     </p:extLst>
   </p:cSld>
@@ -10028,12 +9923,12 @@
       </p:grpSpPr>
       <p:sp>
         <p:nvSpPr>
-          <p:cNvPr id="3" name="Textplatzhalter 2"/>
+          <p:cNvPr id="4" name="Datumsplatzhalter 3"/>
           <p:cNvSpPr>
             <a:spLocks noGrp="1"/>
           </p:cNvSpPr>
           <p:nvPr>
-            <p:ph type="body" sz="quarter" idx="16"/>
+            <p:ph type="dt" sz="half" idx="2"/>
           </p:nvPr>
         </p:nvSpPr>
         <p:spPr/>
@@ -10041,118 +9936,25 @@
           <a:bodyPr/>
           <a:lstStyle/>
           <a:p>
-            <a:pPr lvl="1">
-              <a:buSzPct val="75000"/>
-            </a:pPr>
-            <a:r>
-              <a:rPr lang="en-US" dirty="0" smtClean="0"/>
-              <a:t>Basics</a:t>
-            </a:r>
-          </a:p>
-          <a:p>
-            <a:pPr lvl="3">
-              <a:buSzPct val="75000"/>
-            </a:pPr>
-            <a:r>
-              <a:rPr lang="de-DE" dirty="0" smtClean="0"/>
-              <a:t>Klassen</a:t>
-            </a:r>
-          </a:p>
-          <a:p>
-            <a:pPr lvl="3">
-              <a:buSzPct val="75000"/>
-            </a:pPr>
-            <a:r>
-              <a:rPr lang="de-DE" dirty="0" smtClean="0"/>
-              <a:t>Attribute</a:t>
-            </a:r>
-          </a:p>
-          <a:p>
-            <a:pPr lvl="3">
-              <a:buSzPct val="75000"/>
-            </a:pPr>
-            <a:r>
-              <a:rPr lang="de-DE" dirty="0" smtClean="0"/>
-              <a:t>Beziehungen</a:t>
-            </a:r>
-          </a:p>
-          <a:p>
-            <a:pPr lvl="3">
-              <a:buSzPct val="75000"/>
-            </a:pPr>
-            <a:r>
-              <a:rPr lang="de-DE" dirty="0" smtClean="0"/>
-              <a:t>Instanzen</a:t>
-            </a:r>
-          </a:p>
-          <a:p>
-            <a:pPr lvl="3">
-              <a:buSzPct val="75000"/>
-            </a:pPr>
-            <a:endParaRPr lang="en-US" dirty="0" smtClean="0"/>
-          </a:p>
-          <a:p>
-            <a:pPr lvl="1">
-              <a:buSzPct val="75000"/>
-            </a:pPr>
-            <a:r>
-              <a:rPr lang="de-DE" dirty="0" smtClean="0"/>
-              <a:t>Fortgeschrittene Modellierungskonzepte</a:t>
-            </a:r>
-          </a:p>
-          <a:p>
-            <a:pPr lvl="3">
-              <a:buSzPct val="75000"/>
-            </a:pPr>
-            <a:r>
-              <a:rPr lang="en-US" dirty="0" smtClean="0"/>
-              <a:t>Stereotypes</a:t>
-            </a:r>
-          </a:p>
-          <a:p>
-            <a:pPr lvl="3">
-              <a:buSzPct val="75000"/>
-            </a:pPr>
-            <a:r>
-              <a:rPr lang="en-US" dirty="0" smtClean="0"/>
-              <a:t>derived Attributes</a:t>
-            </a:r>
-          </a:p>
-          <a:p>
-            <a:pPr lvl="3">
-              <a:buSzPct val="75000"/>
-            </a:pPr>
-            <a:r>
-              <a:rPr lang="en-US" dirty="0" smtClean="0"/>
-              <a:t>derived Associations</a:t>
-            </a:r>
-          </a:p>
-          <a:p>
-            <a:pPr lvl="3">
-              <a:buSzPct val="75000"/>
-            </a:pPr>
-            <a:r>
-              <a:rPr lang="en-US" dirty="0" smtClean="0"/>
-              <a:t>Aggregation und Composition, Aggregate Root</a:t>
-            </a:r>
-          </a:p>
-          <a:p>
-            <a:pPr lvl="3">
-              <a:buSzPct val="75000"/>
-            </a:pPr>
-            <a:r>
-              <a:rPr lang="en-US" dirty="0" smtClean="0"/>
-              <a:t>Qualified Associations</a:t>
-            </a:r>
-          </a:p>
-          <a:p>
-            <a:endParaRPr lang="pt-BR" dirty="0"/>
-          </a:p>
-        </p:txBody>
-      </p:sp>
-      <p:sp>
-        <p:nvSpPr>
-          <p:cNvPr id="2" name="Titel 1"/>
+            <a:fld id="{A77347A0-E68A-40AE-A1D3-3680BC437836}" type="datetime1">
+              <a:rPr lang="de-DE" smtClean="0">
+                <a:solidFill>
+                  <a:srgbClr val="FFFFFF"/>
+                </a:solidFill>
+              </a:rPr>
+              <a:t>17.05.2013</a:t>
+            </a:fld>
+            <a:endParaRPr lang="de-DE" dirty="0">
+              <a:solidFill>
+                <a:srgbClr val="FFFFFF"/>
+              </a:solidFill>
+            </a:endParaRPr>
+          </a:p>
+        </p:txBody>
+      </p:sp>
+      <p:sp>
+        <p:nvSpPr>
+          <p:cNvPr id="5" name="Titel 4"/>
           <p:cNvSpPr>
             <a:spLocks noGrp="1"/>
           </p:cNvSpPr>
@@ -10166,20 +9968,1119 @@
           <a:lstStyle/>
           <a:p>
             <a:r>
-              <a:rPr lang="de-DE" dirty="0"/>
-              <a:t>UML </a:t>
-            </a:r>
-            <a:r>
               <a:rPr lang="de-DE" dirty="0" smtClean="0"/>
-              <a:t>Refresh</a:t>
-            </a:r>
-            <a:endParaRPr lang="pt-BR" dirty="0"/>
-          </a:p>
-        </p:txBody>
-      </p:sp>
-      <p:sp>
-        <p:nvSpPr>
-          <p:cNvPr id="6" name="Datumsplatzhalter 2"/>
+              <a:t>Klassen, Attribute und Instanzen</a:t>
+            </a:r>
+            <a:endParaRPr lang="de-DE" dirty="0"/>
+          </a:p>
+        </p:txBody>
+      </p:sp>
+      <p:grpSp>
+        <p:nvGrpSpPr>
+          <p:cNvPr id="21" name="Gruppieren 20"/>
+          <p:cNvGrpSpPr/>
+          <p:nvPr/>
+        </p:nvGrpSpPr>
+        <p:grpSpPr>
+          <a:xfrm>
+            <a:off x="5148064" y="2348920"/>
+            <a:ext cx="2016000" cy="720000"/>
+            <a:chOff x="4932040" y="4509405"/>
+            <a:chExt cx="2052000" cy="863811"/>
+          </a:xfrm>
+        </p:grpSpPr>
+        <p:sp>
+          <p:nvSpPr>
+            <p:cNvPr id="22" name="Rectangle 5"/>
+            <p:cNvSpPr>
+              <a:spLocks noChangeArrowheads="1"/>
+            </p:cNvSpPr>
+            <p:nvPr>
+              <p:custDataLst>
+                <p:tags r:id="rId5"/>
+              </p:custDataLst>
+            </p:nvPr>
+          </p:nvSpPr>
+          <p:spPr bwMode="auto">
+            <a:xfrm>
+              <a:off x="4932040" y="4879003"/>
+              <a:ext cx="2052000" cy="494213"/>
+            </a:xfrm>
+            <a:prstGeom prst="rect">
+              <a:avLst/>
+            </a:prstGeom>
+            <a:solidFill>
+              <a:schemeClr val="bg1"/>
+            </a:solidFill>
+            <a:ln w="12700">
+              <a:solidFill>
+                <a:schemeClr val="tx1"/>
+              </a:solidFill>
+              <a:miter lim="800000"/>
+              <a:headEnd/>
+              <a:tailEnd/>
+            </a:ln>
+            <a:effectLst/>
+          </p:spPr>
+          <p:txBody>
+            <a:bodyPr wrap="square" lIns="182880" tIns="182880" rIns="182880" bIns="182880" anchor="t" anchorCtr="0"/>
+            <a:lstStyle/>
+            <a:p>
+              <a:pPr defTabSz="971550">
+                <a:spcBef>
+                  <a:spcPts val="0"/>
+                </a:spcBef>
+                <a:spcAft>
+                  <a:spcPts val="0"/>
+                </a:spcAft>
+                <a:buClr>
+                  <a:srgbClr val="005596"/>
+                </a:buClr>
+              </a:pPr>
+              <a:r>
+                <a:rPr lang="de-DE" sz="900" smtClean="0">
+                  <a:solidFill>
+                    <a:srgbClr val="005596"/>
+                  </a:solidFill>
+                </a:rPr>
+                <a:t>Produktname = “HR-Kompakt”</a:t>
+              </a:r>
+              <a:endParaRPr lang="de-DE" sz="900">
+                <a:solidFill>
+                  <a:srgbClr val="005596"/>
+                </a:solidFill>
+              </a:endParaRPr>
+            </a:p>
+          </p:txBody>
+        </p:sp>
+        <p:sp>
+          <p:nvSpPr>
+            <p:cNvPr id="23" name="Rectangle 6"/>
+            <p:cNvSpPr>
+              <a:spLocks noChangeArrowheads="1"/>
+            </p:cNvSpPr>
+            <p:nvPr>
+              <p:custDataLst>
+                <p:tags r:id="rId6"/>
+              </p:custDataLst>
+            </p:nvPr>
+          </p:nvSpPr>
+          <p:spPr bwMode="auto">
+            <a:xfrm>
+              <a:off x="4932040" y="4509405"/>
+              <a:ext cx="2052000" cy="369881"/>
+            </a:xfrm>
+            <a:prstGeom prst="rect">
+              <a:avLst/>
+            </a:prstGeom>
+            <a:solidFill>
+              <a:srgbClr val="00B050"/>
+            </a:solidFill>
+            <a:ln w="9525">
+              <a:solidFill>
+                <a:schemeClr val="tx1"/>
+              </a:solidFill>
+              <a:miter lim="800000"/>
+              <a:headEnd/>
+              <a:tailEnd/>
+            </a:ln>
+            <a:effectLst/>
+          </p:spPr>
+          <p:txBody>
+            <a:bodyPr wrap="square" lIns="91440" tIns="91440" rIns="91440" bIns="91440" anchor="ctr"/>
+            <a:lstStyle/>
+            <a:p>
+              <a:pPr algn="ctr" defTabSz="857250">
+                <a:spcBef>
+                  <a:spcPts val="0"/>
+                </a:spcBef>
+                <a:spcAft>
+                  <a:spcPts val="600"/>
+                </a:spcAft>
+              </a:pPr>
+              <a:r>
+                <a:rPr lang="de-DE" sz="1200" dirty="0" smtClean="0">
+                  <a:solidFill>
+                    <a:srgbClr val="FFFFFF"/>
+                  </a:solidFill>
+                </a:rPr>
+                <a:t>HR-Kompakt</a:t>
+              </a:r>
+            </a:p>
+          </p:txBody>
+        </p:sp>
+      </p:grpSp>
+      <p:grpSp>
+        <p:nvGrpSpPr>
+          <p:cNvPr id="24" name="Gruppieren 23"/>
+          <p:cNvGrpSpPr/>
+          <p:nvPr/>
+        </p:nvGrpSpPr>
+        <p:grpSpPr>
+          <a:xfrm>
+            <a:off x="1722787" y="2303258"/>
+            <a:ext cx="1800000" cy="2025882"/>
+            <a:chOff x="4852416" y="1650283"/>
+            <a:chExt cx="3600000" cy="2025882"/>
+          </a:xfrm>
+        </p:grpSpPr>
+        <p:sp>
+          <p:nvSpPr>
+            <p:cNvPr id="25" name="Rectangle 5"/>
+            <p:cNvSpPr>
+              <a:spLocks noChangeArrowheads="1"/>
+            </p:cNvSpPr>
+            <p:nvPr>
+              <p:custDataLst>
+                <p:tags r:id="rId3"/>
+              </p:custDataLst>
+            </p:nvPr>
+          </p:nvSpPr>
+          <p:spPr bwMode="auto">
+            <a:xfrm>
+              <a:off x="4852416" y="2020165"/>
+              <a:ext cx="3600000" cy="1656000"/>
+            </a:xfrm>
+            <a:prstGeom prst="rect">
+              <a:avLst/>
+            </a:prstGeom>
+            <a:solidFill>
+              <a:schemeClr val="bg1"/>
+            </a:solidFill>
+            <a:ln w="12700">
+              <a:solidFill>
+                <a:schemeClr val="tx1"/>
+              </a:solidFill>
+              <a:miter lim="800000"/>
+              <a:headEnd/>
+              <a:tailEnd/>
+            </a:ln>
+            <a:effectLst/>
+          </p:spPr>
+          <p:txBody>
+            <a:bodyPr wrap="square" lIns="90000" tIns="182880" rIns="90000" bIns="182880" anchor="t" anchorCtr="0"/>
+            <a:lstStyle/>
+            <a:p>
+              <a:pPr defTabSz="971550">
+                <a:spcBef>
+                  <a:spcPts val="0"/>
+                </a:spcBef>
+                <a:spcAft>
+                  <a:spcPts val="0"/>
+                </a:spcAft>
+                <a:buClr>
+                  <a:srgbClr val="005596"/>
+                </a:buClr>
+              </a:pPr>
+              <a:r>
+                <a:rPr lang="de-DE" sz="1200" smtClean="0">
+                  <a:solidFill>
+                    <a:srgbClr val="005596"/>
+                  </a:solidFill>
+                </a:rPr>
+                <a:t>Produktname: String</a:t>
+              </a:r>
+              <a:endParaRPr lang="de-DE" sz="1200">
+                <a:solidFill>
+                  <a:srgbClr val="005596"/>
+                </a:solidFill>
+              </a:endParaRPr>
+            </a:p>
+          </p:txBody>
+        </p:sp>
+        <p:sp>
+          <p:nvSpPr>
+            <p:cNvPr id="26" name="Rectangle 6"/>
+            <p:cNvSpPr>
+              <a:spLocks noChangeArrowheads="1"/>
+            </p:cNvSpPr>
+            <p:nvPr>
+              <p:custDataLst>
+                <p:tags r:id="rId4"/>
+              </p:custDataLst>
+            </p:nvPr>
+          </p:nvSpPr>
+          <p:spPr bwMode="auto">
+            <a:xfrm>
+              <a:off x="4852416" y="1650283"/>
+              <a:ext cx="3600000" cy="369881"/>
+            </a:xfrm>
+            <a:prstGeom prst="rect">
+              <a:avLst/>
+            </a:prstGeom>
+            <a:solidFill>
+              <a:srgbClr val="7A51C5"/>
+            </a:solidFill>
+            <a:ln w="9525">
+              <a:solidFill>
+                <a:schemeClr val="tx1"/>
+              </a:solidFill>
+              <a:miter lim="800000"/>
+              <a:headEnd/>
+              <a:tailEnd/>
+            </a:ln>
+            <a:effectLst/>
+          </p:spPr>
+          <p:txBody>
+            <a:bodyPr wrap="square" lIns="91440" tIns="91440" rIns="91440" bIns="91440" anchor="ctr"/>
+            <a:lstStyle/>
+            <a:p>
+              <a:pPr algn="ctr" defTabSz="857250">
+                <a:spcBef>
+                  <a:spcPts val="0"/>
+                </a:spcBef>
+                <a:spcAft>
+                  <a:spcPts val="600"/>
+                </a:spcAft>
+              </a:pPr>
+              <a:r>
+                <a:rPr lang="de-DE" sz="1200" smtClean="0">
+                  <a:solidFill>
+                    <a:srgbClr val="FFFFFF"/>
+                  </a:solidFill>
+                </a:rPr>
+                <a:t>HausratProdukt</a:t>
+              </a:r>
+            </a:p>
+          </p:txBody>
+        </p:sp>
+      </p:grpSp>
+      <p:grpSp>
+        <p:nvGrpSpPr>
+          <p:cNvPr id="27" name="Gruppieren 26"/>
+          <p:cNvGrpSpPr/>
+          <p:nvPr/>
+        </p:nvGrpSpPr>
+        <p:grpSpPr>
+          <a:xfrm>
+            <a:off x="5142967" y="3500468"/>
+            <a:ext cx="2016000" cy="720000"/>
+            <a:chOff x="7092508" y="4661520"/>
+            <a:chExt cx="2052000" cy="864096"/>
+          </a:xfrm>
+        </p:grpSpPr>
+        <p:sp>
+          <p:nvSpPr>
+            <p:cNvPr id="28" name="Rectangle 5"/>
+            <p:cNvSpPr>
+              <a:spLocks noChangeArrowheads="1"/>
+            </p:cNvSpPr>
+            <p:nvPr>
+              <p:custDataLst>
+                <p:tags r:id="rId1"/>
+              </p:custDataLst>
+            </p:nvPr>
+          </p:nvSpPr>
+          <p:spPr bwMode="auto">
+            <a:xfrm>
+              <a:off x="7092508" y="5031403"/>
+              <a:ext cx="2052000" cy="494213"/>
+            </a:xfrm>
+            <a:prstGeom prst="rect">
+              <a:avLst/>
+            </a:prstGeom>
+            <a:solidFill>
+              <a:schemeClr val="bg1"/>
+            </a:solidFill>
+            <a:ln w="12700">
+              <a:solidFill>
+                <a:schemeClr val="tx1"/>
+              </a:solidFill>
+              <a:miter lim="800000"/>
+              <a:headEnd/>
+              <a:tailEnd/>
+            </a:ln>
+            <a:effectLst/>
+          </p:spPr>
+          <p:txBody>
+            <a:bodyPr wrap="square" lIns="182880" tIns="182880" rIns="182880" bIns="182880" anchor="t" anchorCtr="0"/>
+            <a:lstStyle/>
+            <a:p>
+              <a:pPr defTabSz="971550">
+                <a:spcBef>
+                  <a:spcPts val="0"/>
+                </a:spcBef>
+                <a:spcAft>
+                  <a:spcPts val="0"/>
+                </a:spcAft>
+                <a:buClr>
+                  <a:srgbClr val="005596"/>
+                </a:buClr>
+              </a:pPr>
+              <a:r>
+                <a:rPr lang="de-DE" sz="900" smtClean="0">
+                  <a:solidFill>
+                    <a:srgbClr val="005596"/>
+                  </a:solidFill>
+                </a:rPr>
+                <a:t>Produktname = “HR-Optimal”</a:t>
+              </a:r>
+              <a:endParaRPr lang="de-DE" sz="900">
+                <a:solidFill>
+                  <a:srgbClr val="005596"/>
+                </a:solidFill>
+              </a:endParaRPr>
+            </a:p>
+          </p:txBody>
+        </p:sp>
+        <p:sp>
+          <p:nvSpPr>
+            <p:cNvPr id="29" name="Rectangle 6"/>
+            <p:cNvSpPr>
+              <a:spLocks noChangeArrowheads="1"/>
+            </p:cNvSpPr>
+            <p:nvPr>
+              <p:custDataLst>
+                <p:tags r:id="rId2"/>
+              </p:custDataLst>
+            </p:nvPr>
+          </p:nvSpPr>
+          <p:spPr bwMode="auto">
+            <a:xfrm>
+              <a:off x="7092508" y="4661520"/>
+              <a:ext cx="2052000" cy="369881"/>
+            </a:xfrm>
+            <a:prstGeom prst="rect">
+              <a:avLst/>
+            </a:prstGeom>
+            <a:solidFill>
+              <a:srgbClr val="00B050"/>
+            </a:solidFill>
+            <a:ln w="9525">
+              <a:solidFill>
+                <a:schemeClr val="tx1"/>
+              </a:solidFill>
+              <a:miter lim="800000"/>
+              <a:headEnd/>
+              <a:tailEnd/>
+            </a:ln>
+            <a:effectLst/>
+          </p:spPr>
+          <p:txBody>
+            <a:bodyPr wrap="square" lIns="91440" tIns="91440" rIns="91440" bIns="91440" anchor="ctr"/>
+            <a:lstStyle/>
+            <a:p>
+              <a:pPr algn="ctr" defTabSz="857250">
+                <a:spcBef>
+                  <a:spcPts val="0"/>
+                </a:spcBef>
+                <a:spcAft>
+                  <a:spcPts val="600"/>
+                </a:spcAft>
+              </a:pPr>
+              <a:r>
+                <a:rPr lang="de-DE" sz="1200" dirty="0" smtClean="0">
+                  <a:solidFill>
+                    <a:srgbClr val="FFFFFF"/>
+                  </a:solidFill>
+                </a:rPr>
+                <a:t>HR-Optimal</a:t>
+              </a:r>
+            </a:p>
+          </p:txBody>
+        </p:sp>
+      </p:grpSp>
+      <p:cxnSp>
+        <p:nvCxnSpPr>
+          <p:cNvPr id="30" name="Gerade Verbindung mit Pfeil 29"/>
+          <p:cNvCxnSpPr/>
+          <p:nvPr/>
+        </p:nvCxnSpPr>
+        <p:spPr bwMode="auto">
+          <a:xfrm flipH="1">
+            <a:off x="3522788" y="2744384"/>
+            <a:ext cx="1625276" cy="0"/>
+          </a:xfrm>
+          <a:prstGeom prst="straightConnector1">
+            <a:avLst/>
+          </a:prstGeom>
+          <a:solidFill>
+            <a:schemeClr val="accent1"/>
+          </a:solidFill>
+          <a:ln w="19050" cap="flat" cmpd="sng" algn="ctr">
+            <a:solidFill>
+              <a:schemeClr val="tx1"/>
+            </a:solidFill>
+            <a:prstDash val="dash"/>
+            <a:round/>
+            <a:headEnd type="none" w="med" len="med"/>
+            <a:tailEnd type="arrow"/>
+          </a:ln>
+          <a:effectLst/>
+        </p:spPr>
+      </p:cxnSp>
+      <p:cxnSp>
+        <p:nvCxnSpPr>
+          <p:cNvPr id="31" name="Gerade Verbindung mit Pfeil 30"/>
+          <p:cNvCxnSpPr>
+            <a:stCxn id="29" idx="1"/>
+          </p:cNvCxnSpPr>
+          <p:nvPr/>
+        </p:nvCxnSpPr>
+        <p:spPr bwMode="auto">
+          <a:xfrm flipH="1">
+            <a:off x="3522788" y="3654568"/>
+            <a:ext cx="1620179" cy="0"/>
+          </a:xfrm>
+          <a:prstGeom prst="straightConnector1">
+            <a:avLst/>
+          </a:prstGeom>
+          <a:solidFill>
+            <a:schemeClr val="accent1"/>
+          </a:solidFill>
+          <a:ln w="19050" cap="flat" cmpd="sng" algn="ctr">
+            <a:solidFill>
+              <a:schemeClr val="tx1"/>
+            </a:solidFill>
+            <a:prstDash val="dash"/>
+            <a:round/>
+            <a:headEnd type="none" w="med" len="med"/>
+            <a:tailEnd type="arrow"/>
+          </a:ln>
+          <a:effectLst/>
+        </p:spPr>
+      </p:cxnSp>
+      <p:sp>
+        <p:nvSpPr>
+          <p:cNvPr id="32" name="Textfeld 31"/>
+          <p:cNvSpPr txBox="1"/>
+          <p:nvPr/>
+        </p:nvSpPr>
+        <p:spPr>
+          <a:xfrm>
+            <a:off x="3882827" y="3392456"/>
+            <a:ext cx="900100" cy="211203"/>
+          </a:xfrm>
+          <a:prstGeom prst="rect">
+            <a:avLst/>
+          </a:prstGeom>
+          <a:solidFill>
+            <a:schemeClr val="bg1"/>
+          </a:solidFill>
+        </p:spPr>
+        <p:txBody>
+          <a:bodyPr wrap="square" lIns="36000" tIns="36000" rIns="36000" bIns="36000" rtlCol="0">
+            <a:spAutoFit/>
+          </a:bodyPr>
+          <a:lstStyle/>
+          <a:p>
+            <a:pPr>
+              <a:spcAft>
+                <a:spcPts val="600"/>
+              </a:spcAft>
+            </a:pPr>
+            <a:r>
+              <a:rPr lang="de-DE" sz="900" dirty="0" smtClean="0">
+                <a:solidFill>
+                  <a:srgbClr val="005596"/>
+                </a:solidFill>
+              </a:rPr>
+              <a:t>&lt;&lt;</a:t>
+            </a:r>
+            <a:r>
+              <a:rPr lang="de-DE" sz="900" dirty="0" err="1" smtClean="0">
+                <a:solidFill>
+                  <a:srgbClr val="005596"/>
+                </a:solidFill>
+              </a:rPr>
+              <a:t>instanceOf</a:t>
+            </a:r>
+            <a:r>
+              <a:rPr lang="de-DE" sz="900" dirty="0" smtClean="0">
+                <a:solidFill>
+                  <a:srgbClr val="005596"/>
+                </a:solidFill>
+              </a:rPr>
+              <a:t>&gt;&gt;</a:t>
+            </a:r>
+          </a:p>
+        </p:txBody>
+      </p:sp>
+      <p:sp>
+        <p:nvSpPr>
+          <p:cNvPr id="33" name="Textfeld 32"/>
+          <p:cNvSpPr txBox="1"/>
+          <p:nvPr/>
+        </p:nvSpPr>
+        <p:spPr>
+          <a:xfrm>
+            <a:off x="3885376" y="2460625"/>
+            <a:ext cx="900100" cy="211203"/>
+          </a:xfrm>
+          <a:prstGeom prst="rect">
+            <a:avLst/>
+          </a:prstGeom>
+          <a:solidFill>
+            <a:schemeClr val="bg1"/>
+          </a:solidFill>
+        </p:spPr>
+        <p:txBody>
+          <a:bodyPr wrap="square" lIns="36000" tIns="36000" rIns="36000" bIns="36000" rtlCol="0">
+            <a:spAutoFit/>
+          </a:bodyPr>
+          <a:lstStyle/>
+          <a:p>
+            <a:pPr>
+              <a:spcAft>
+                <a:spcPts val="600"/>
+              </a:spcAft>
+            </a:pPr>
+            <a:r>
+              <a:rPr lang="de-DE" sz="900" dirty="0" smtClean="0">
+                <a:solidFill>
+                  <a:srgbClr val="005596"/>
+                </a:solidFill>
+              </a:rPr>
+              <a:t>&lt;&lt;</a:t>
+            </a:r>
+            <a:r>
+              <a:rPr lang="de-DE" sz="900" dirty="0" err="1" smtClean="0">
+                <a:solidFill>
+                  <a:srgbClr val="005596"/>
+                </a:solidFill>
+              </a:rPr>
+              <a:t>instanceOf</a:t>
+            </a:r>
+            <a:r>
+              <a:rPr lang="de-DE" sz="900" dirty="0" smtClean="0">
+                <a:solidFill>
+                  <a:srgbClr val="005596"/>
+                </a:solidFill>
+              </a:rPr>
+              <a:t>&gt;&gt;</a:t>
+            </a:r>
+          </a:p>
+        </p:txBody>
+      </p:sp>
+      <p:sp>
+        <p:nvSpPr>
+          <p:cNvPr id="35" name="Ellipse 34"/>
+          <p:cNvSpPr>
+            <a:spLocks noChangeAspect="1"/>
+          </p:cNvSpPr>
+          <p:nvPr/>
+        </p:nvSpPr>
+        <p:spPr bwMode="auto">
+          <a:xfrm>
+            <a:off x="1760937" y="2370377"/>
+            <a:ext cx="216000" cy="216000"/>
+          </a:xfrm>
+          <a:prstGeom prst="ellipse">
+            <a:avLst/>
+          </a:prstGeom>
+          <a:solidFill>
+            <a:srgbClr val="7A51C5"/>
+          </a:solidFill>
+          <a:ln w="12700" cap="flat">
+            <a:solidFill>
+              <a:schemeClr val="bg1"/>
+            </a:solidFill>
+            <a:prstDash val="solid"/>
+            <a:miter lim="800000"/>
+            <a:headEnd type="none" w="med" len="med"/>
+            <a:tailEnd type="none" w="med" len="med"/>
+          </a:ln>
+          <a:effectLst/>
+        </p:spPr>
+        <p:txBody>
+          <a:bodyPr wrap="none" lIns="18000" tIns="18000" rIns="0" bIns="0" rtlCol="0" anchor="ctr" anchorCtr="1">
+            <a:noAutofit/>
+          </a:bodyPr>
+          <a:lstStyle/>
+          <a:p>
+            <a:pPr algn="ctr">
+              <a:lnSpc>
+                <a:spcPct val="90000"/>
+              </a:lnSpc>
+              <a:spcBef>
+                <a:spcPts val="500"/>
+              </a:spcBef>
+              <a:buClr>
+                <a:srgbClr val="585858"/>
+              </a:buClr>
+              <a:buSzPct val="100000"/>
+              <a:tabLst>
+                <a:tab pos="180975" algn="l"/>
+              </a:tabLst>
+            </a:pPr>
+            <a:r>
+              <a:rPr lang="de-DE" sz="1200" b="1" dirty="0" smtClean="0">
+                <a:solidFill>
+                  <a:srgbClr val="FFFFFF"/>
+                </a:solidFill>
+                <a:sym typeface="Arial" charset="0"/>
+              </a:rPr>
+              <a:t>P</a:t>
+            </a:r>
+          </a:p>
+        </p:txBody>
+      </p:sp>
+      <p:sp>
+        <p:nvSpPr>
+          <p:cNvPr id="36" name="Ellipse 35"/>
+          <p:cNvSpPr>
+            <a:spLocks noChangeAspect="1"/>
+          </p:cNvSpPr>
+          <p:nvPr/>
+        </p:nvSpPr>
+        <p:spPr bwMode="auto">
+          <a:xfrm>
+            <a:off x="5181117" y="2389856"/>
+            <a:ext cx="216000" cy="216000"/>
+          </a:xfrm>
+          <a:prstGeom prst="ellipse">
+            <a:avLst/>
+          </a:prstGeom>
+          <a:solidFill>
+            <a:srgbClr val="00B050"/>
+          </a:solidFill>
+          <a:ln w="12700" cap="flat">
+            <a:solidFill>
+              <a:schemeClr val="bg1"/>
+            </a:solidFill>
+            <a:prstDash val="solid"/>
+            <a:miter lim="800000"/>
+            <a:headEnd type="none" w="med" len="med"/>
+            <a:tailEnd type="none" w="med" len="med"/>
+          </a:ln>
+          <a:effectLst/>
+        </p:spPr>
+        <p:txBody>
+          <a:bodyPr wrap="none" lIns="18000" tIns="18000" rIns="0" bIns="0" rtlCol="0" anchor="ctr" anchorCtr="1">
+            <a:noAutofit/>
+          </a:bodyPr>
+          <a:lstStyle/>
+          <a:p>
+            <a:pPr algn="ctr">
+              <a:lnSpc>
+                <a:spcPct val="90000"/>
+              </a:lnSpc>
+              <a:spcBef>
+                <a:spcPts val="500"/>
+              </a:spcBef>
+              <a:buClr>
+                <a:srgbClr val="585858"/>
+              </a:buClr>
+              <a:buSzPct val="100000"/>
+              <a:tabLst>
+                <a:tab pos="180975" algn="l"/>
+              </a:tabLst>
+            </a:pPr>
+            <a:r>
+              <a:rPr lang="de-DE" sz="1200" b="1" dirty="0" smtClean="0">
+                <a:solidFill>
+                  <a:srgbClr val="FFFFFF"/>
+                </a:solidFill>
+                <a:sym typeface="Arial" charset="0"/>
+              </a:rPr>
+              <a:t>P</a:t>
+            </a:r>
+          </a:p>
+        </p:txBody>
+      </p:sp>
+      <p:sp>
+        <p:nvSpPr>
+          <p:cNvPr id="37" name="Ellipse 36"/>
+          <p:cNvSpPr>
+            <a:spLocks noChangeAspect="1"/>
+          </p:cNvSpPr>
+          <p:nvPr/>
+        </p:nvSpPr>
+        <p:spPr bwMode="auto">
+          <a:xfrm>
+            <a:off x="5178878" y="3545297"/>
+            <a:ext cx="216000" cy="216000"/>
+          </a:xfrm>
+          <a:prstGeom prst="ellipse">
+            <a:avLst/>
+          </a:prstGeom>
+          <a:solidFill>
+            <a:srgbClr val="00B050"/>
+          </a:solidFill>
+          <a:ln w="12700" cap="flat">
+            <a:solidFill>
+              <a:schemeClr val="bg1"/>
+            </a:solidFill>
+            <a:prstDash val="solid"/>
+            <a:miter lim="800000"/>
+            <a:headEnd type="none" w="med" len="med"/>
+            <a:tailEnd type="none" w="med" len="med"/>
+          </a:ln>
+          <a:effectLst/>
+        </p:spPr>
+        <p:txBody>
+          <a:bodyPr wrap="none" lIns="18000" tIns="18000" rIns="0" bIns="0" rtlCol="0" anchor="ctr" anchorCtr="1">
+            <a:noAutofit/>
+          </a:bodyPr>
+          <a:lstStyle/>
+          <a:p>
+            <a:pPr algn="ctr">
+              <a:lnSpc>
+                <a:spcPct val="90000"/>
+              </a:lnSpc>
+              <a:spcBef>
+                <a:spcPts val="500"/>
+              </a:spcBef>
+              <a:buClr>
+                <a:srgbClr val="585858"/>
+              </a:buClr>
+              <a:buSzPct val="100000"/>
+              <a:tabLst>
+                <a:tab pos="180975" algn="l"/>
+              </a:tabLst>
+            </a:pPr>
+            <a:r>
+              <a:rPr lang="de-DE" sz="1200" b="1" dirty="0" smtClean="0">
+                <a:solidFill>
+                  <a:srgbClr val="FFFFFF"/>
+                </a:solidFill>
+                <a:sym typeface="Arial" charset="0"/>
+              </a:rPr>
+              <a:t>P</a:t>
+            </a:r>
+          </a:p>
+        </p:txBody>
+      </p:sp>
+      <p:sp>
+        <p:nvSpPr>
+          <p:cNvPr id="39" name="Textfeld 38"/>
+          <p:cNvSpPr txBox="1"/>
+          <p:nvPr/>
+        </p:nvSpPr>
+        <p:spPr>
+          <a:xfrm>
+            <a:off x="377466" y="1719465"/>
+            <a:ext cx="972108" cy="318924"/>
+          </a:xfrm>
+          <a:prstGeom prst="rect">
+            <a:avLst/>
+          </a:prstGeom>
+          <a:noFill/>
+        </p:spPr>
+        <p:txBody>
+          <a:bodyPr wrap="square" lIns="36000" tIns="36000" rIns="36000" bIns="36000" rtlCol="0">
+            <a:spAutoFit/>
+          </a:bodyPr>
+          <a:lstStyle/>
+          <a:p>
+            <a:pPr>
+              <a:spcAft>
+                <a:spcPts val="600"/>
+              </a:spcAft>
+            </a:pPr>
+            <a:r>
+              <a:rPr lang="de-DE" sz="1600" dirty="0" smtClean="0">
+                <a:solidFill>
+                  <a:srgbClr val="005596"/>
+                </a:solidFill>
+              </a:rPr>
+              <a:t>Klasse</a:t>
+            </a:r>
+          </a:p>
+        </p:txBody>
+      </p:sp>
+      <p:cxnSp>
+        <p:nvCxnSpPr>
+          <p:cNvPr id="41" name="Gerade Verbindung 40"/>
+          <p:cNvCxnSpPr/>
+          <p:nvPr/>
+        </p:nvCxnSpPr>
+        <p:spPr bwMode="auto">
+          <a:xfrm>
+            <a:off x="1079612" y="2038389"/>
+            <a:ext cx="643175" cy="264869"/>
+          </a:xfrm>
+          <a:prstGeom prst="line">
+            <a:avLst/>
+          </a:prstGeom>
+          <a:solidFill>
+            <a:schemeClr val="accent1"/>
+          </a:solidFill>
+          <a:ln w="9525" cap="flat" cmpd="sng" algn="ctr">
+            <a:solidFill>
+              <a:schemeClr val="tx1"/>
+            </a:solidFill>
+            <a:prstDash val="solid"/>
+            <a:round/>
+            <a:headEnd type="none" w="med" len="med"/>
+            <a:tailEnd type="none" w="med" len="med"/>
+          </a:ln>
+          <a:effectLst/>
+        </p:spPr>
+      </p:cxnSp>
+      <p:sp>
+        <p:nvSpPr>
+          <p:cNvPr id="42" name="Textfeld 41"/>
+          <p:cNvSpPr txBox="1"/>
+          <p:nvPr/>
+        </p:nvSpPr>
+        <p:spPr>
+          <a:xfrm>
+            <a:off x="429091" y="2767182"/>
+            <a:ext cx="972108" cy="318924"/>
+          </a:xfrm>
+          <a:prstGeom prst="rect">
+            <a:avLst/>
+          </a:prstGeom>
+          <a:noFill/>
+        </p:spPr>
+        <p:txBody>
+          <a:bodyPr wrap="square" lIns="36000" tIns="36000" rIns="36000" bIns="36000" rtlCol="0">
+            <a:spAutoFit/>
+          </a:bodyPr>
+          <a:lstStyle/>
+          <a:p>
+            <a:pPr>
+              <a:spcAft>
+                <a:spcPts val="600"/>
+              </a:spcAft>
+            </a:pPr>
+            <a:r>
+              <a:rPr lang="de-DE" sz="1600" dirty="0" smtClean="0">
+                <a:solidFill>
+                  <a:srgbClr val="005596"/>
+                </a:solidFill>
+              </a:rPr>
+              <a:t>Attribut</a:t>
+            </a:r>
+          </a:p>
+        </p:txBody>
+      </p:sp>
+      <p:cxnSp>
+        <p:nvCxnSpPr>
+          <p:cNvPr id="44" name="Gerade Verbindung 43"/>
+          <p:cNvCxnSpPr>
+            <a:stCxn id="42" idx="3"/>
+          </p:cNvCxnSpPr>
+          <p:nvPr/>
+        </p:nvCxnSpPr>
+        <p:spPr bwMode="auto">
+          <a:xfrm>
+            <a:off x="1401199" y="2926644"/>
+            <a:ext cx="359738" cy="0"/>
+          </a:xfrm>
+          <a:prstGeom prst="line">
+            <a:avLst/>
+          </a:prstGeom>
+          <a:solidFill>
+            <a:schemeClr val="accent1"/>
+          </a:solidFill>
+          <a:ln w="9525" cap="flat" cmpd="sng" algn="ctr">
+            <a:solidFill>
+              <a:schemeClr val="tx1"/>
+            </a:solidFill>
+            <a:prstDash val="solid"/>
+            <a:round/>
+            <a:headEnd type="none" w="med" len="med"/>
+            <a:tailEnd type="none" w="med" len="med"/>
+          </a:ln>
+          <a:effectLst/>
+        </p:spPr>
+      </p:cxnSp>
+      <p:sp>
+        <p:nvSpPr>
+          <p:cNvPr id="45" name="Textfeld 44"/>
+          <p:cNvSpPr txBox="1"/>
+          <p:nvPr/>
+        </p:nvSpPr>
+        <p:spPr>
+          <a:xfrm>
+            <a:off x="6336196" y="1398910"/>
+            <a:ext cx="972108" cy="318924"/>
+          </a:xfrm>
+          <a:prstGeom prst="rect">
+            <a:avLst/>
+          </a:prstGeom>
+          <a:noFill/>
+        </p:spPr>
+        <p:txBody>
+          <a:bodyPr wrap="square" lIns="36000" tIns="36000" rIns="36000" bIns="36000" rtlCol="0">
+            <a:spAutoFit/>
+          </a:bodyPr>
+          <a:lstStyle/>
+          <a:p>
+            <a:pPr>
+              <a:spcAft>
+                <a:spcPts val="600"/>
+              </a:spcAft>
+            </a:pPr>
+            <a:r>
+              <a:rPr lang="de-DE" sz="1600" dirty="0" smtClean="0">
+                <a:solidFill>
+                  <a:srgbClr val="005596"/>
+                </a:solidFill>
+              </a:rPr>
+              <a:t>Instanz</a:t>
+            </a:r>
+          </a:p>
+        </p:txBody>
+      </p:sp>
+      <p:cxnSp>
+        <p:nvCxnSpPr>
+          <p:cNvPr id="47" name="Gerade Verbindung 46"/>
+          <p:cNvCxnSpPr>
+            <a:stCxn id="45" idx="2"/>
+            <a:endCxn id="23" idx="0"/>
+          </p:cNvCxnSpPr>
+          <p:nvPr/>
+        </p:nvCxnSpPr>
+        <p:spPr bwMode="auto">
+          <a:xfrm flipH="1">
+            <a:off x="6156064" y="1717834"/>
+            <a:ext cx="666186" cy="631086"/>
+          </a:xfrm>
+          <a:prstGeom prst="line">
+            <a:avLst/>
+          </a:prstGeom>
+          <a:solidFill>
+            <a:schemeClr val="accent1"/>
+          </a:solidFill>
+          <a:ln w="9525" cap="flat" cmpd="sng" algn="ctr">
+            <a:solidFill>
+              <a:schemeClr val="tx1"/>
+            </a:solidFill>
+            <a:prstDash val="solid"/>
+            <a:round/>
+            <a:headEnd type="none" w="med" len="med"/>
+            <a:tailEnd type="none" w="med" len="med"/>
+          </a:ln>
+          <a:effectLst/>
+        </p:spPr>
+      </p:cxnSp>
+      <p:sp>
+        <p:nvSpPr>
+          <p:cNvPr id="48" name="Textfeld 47"/>
+          <p:cNvSpPr txBox="1"/>
+          <p:nvPr/>
+        </p:nvSpPr>
+        <p:spPr>
+          <a:xfrm>
+            <a:off x="6624228" y="4761148"/>
+            <a:ext cx="972108" cy="318924"/>
+          </a:xfrm>
+          <a:prstGeom prst="rect">
+            <a:avLst/>
+          </a:prstGeom>
+          <a:noFill/>
+        </p:spPr>
+        <p:txBody>
+          <a:bodyPr wrap="square" lIns="36000" tIns="36000" rIns="36000" bIns="36000" rtlCol="0">
+            <a:spAutoFit/>
+          </a:bodyPr>
+          <a:lstStyle/>
+          <a:p>
+            <a:pPr>
+              <a:spcAft>
+                <a:spcPts val="600"/>
+              </a:spcAft>
+            </a:pPr>
+            <a:r>
+              <a:rPr lang="de-DE" sz="1600" dirty="0" smtClean="0">
+                <a:solidFill>
+                  <a:srgbClr val="005596"/>
+                </a:solidFill>
+              </a:rPr>
+              <a:t>Instanz</a:t>
+            </a:r>
+          </a:p>
+        </p:txBody>
+      </p:sp>
+      <p:cxnSp>
+        <p:nvCxnSpPr>
+          <p:cNvPr id="50" name="Gerade Verbindung 49"/>
+          <p:cNvCxnSpPr>
+            <a:stCxn id="48" idx="0"/>
+            <a:endCxn id="28" idx="2"/>
+          </p:cNvCxnSpPr>
+          <p:nvPr/>
+        </p:nvCxnSpPr>
+        <p:spPr bwMode="auto">
+          <a:xfrm flipH="1" flipV="1">
+            <a:off x="6150967" y="4220468"/>
+            <a:ext cx="959315" cy="540680"/>
+          </a:xfrm>
+          <a:prstGeom prst="line">
+            <a:avLst/>
+          </a:prstGeom>
+          <a:solidFill>
+            <a:schemeClr val="accent1"/>
+          </a:solidFill>
+          <a:ln w="9525" cap="flat" cmpd="sng" algn="ctr">
+            <a:solidFill>
+              <a:schemeClr val="tx1"/>
+            </a:solidFill>
+            <a:prstDash val="solid"/>
+            <a:round/>
+            <a:headEnd type="none" w="med" len="med"/>
+            <a:tailEnd type="none" w="med" len="med"/>
+          </a:ln>
+          <a:effectLst/>
+        </p:spPr>
+      </p:cxnSp>
+      <p:sp>
+        <p:nvSpPr>
+          <p:cNvPr id="2" name="Foliennummernplatzhalter 1"/>
+          <p:cNvSpPr>
+            <a:spLocks noGrp="1"/>
+          </p:cNvSpPr>
+          <p:nvPr>
+            <p:ph type="sldNum" sz="quarter" idx="4"/>
+          </p:nvPr>
+        </p:nvSpPr>
+        <p:spPr/>
+        <p:txBody>
+          <a:bodyPr/>
+          <a:lstStyle/>
+          <a:p>
+            <a:r>
+              <a:rPr lang="de-DE" smtClean="0"/>
+              <a:t>II-</a:t>
+            </a:r>
+            <a:fld id="{21FBF85A-D7A6-488B-8C2B-F7E0D6843921}" type="slidenum">
+              <a:rPr lang="de-DE" smtClean="0"/>
+              <a:pPr/>
+              <a:t>2</a:t>
+            </a:fld>
+            <a:endParaRPr lang="de-DE" dirty="0"/>
+          </a:p>
+        </p:txBody>
+      </p:sp>
+    </p:spTree>
+    <p:extLst>
+      <p:ext uri="{BB962C8B-B14F-4D97-AF65-F5344CB8AC3E}">
+        <p14:creationId xmlns:p14="http://schemas.microsoft.com/office/powerpoint/2010/main" val="1401412890"/>
+      </p:ext>
+    </p:extLst>
+  </p:cSld>
+  <p:clrMapOvr>
+    <a:masterClrMapping/>
+  </p:clrMapOvr>
+  <p:transition spd="slow">
+    <p:fade/>
+  </p:transition>
+</p:sld>
+</file>
+
+<file path=ppt/slides/slide3.xml><?xml version="1.0" encoding="utf-8"?>
+<p:sld xmlns:a="http://schemas.openxmlformats.org/drawingml/2006/main" xmlns:r="http://schemas.openxmlformats.org/officeDocument/2006/relationships" xmlns:p="http://schemas.openxmlformats.org/presentationml/2006/main">
+  <p:cSld>
+    <p:spTree>
+      <p:nvGrpSpPr>
+        <p:cNvPr id="1" name=""/>
+        <p:cNvGrpSpPr/>
+        <p:nvPr/>
+      </p:nvGrpSpPr>
+      <p:grpSpPr>
+        <a:xfrm>
+          <a:off x="0" y="0"/>
+          <a:ext cx="0" cy="0"/>
+          <a:chOff x="0" y="0"/>
+          <a:chExt cx="0" cy="0"/>
+        </a:xfrm>
+      </p:grpSpPr>
+      <p:sp>
+        <p:nvSpPr>
+          <p:cNvPr id="2" name="Datumsplatzhalter 1"/>
           <p:cNvSpPr>
             <a:spLocks noGrp="1"/>
           </p:cNvSpPr>
@@ -10187,27 +11088,687 @@
             <p:ph type="dt" sz="half" idx="2"/>
           </p:nvPr>
         </p:nvSpPr>
-        <p:spPr>
-          <a:xfrm>
-            <a:off x="251520" y="6678000"/>
-            <a:ext cx="612000" cy="180000"/>
-          </a:xfrm>
-        </p:spPr>
+        <p:spPr/>
         <p:txBody>
           <a:bodyPr/>
           <a:lstStyle/>
           <a:p>
-            <a:fld id="{3E49CF25-E67E-4E09-80FB-5B18433A8EBF}" type="datetime1">
-              <a:rPr lang="de-DE" smtClean="0"/>
-              <a:t>15.11.2012</a:t>
+            <a:fld id="{2627678B-1922-4626-A64B-1E2EE60B6943}" type="datetime1">
+              <a:rPr lang="de-DE" smtClean="0">
+                <a:solidFill>
+                  <a:srgbClr val="FFFFFF"/>
+                </a:solidFill>
+              </a:rPr>
+              <a:t>17.05.2013</a:t>
             </a:fld>
+            <a:endParaRPr lang="de-DE" dirty="0">
+              <a:solidFill>
+                <a:srgbClr val="FFFFFF"/>
+              </a:solidFill>
+            </a:endParaRPr>
+          </a:p>
+        </p:txBody>
+      </p:sp>
+      <p:sp>
+        <p:nvSpPr>
+          <p:cNvPr id="4" name="Titel 3"/>
+          <p:cNvSpPr>
+            <a:spLocks noGrp="1"/>
+          </p:cNvSpPr>
+          <p:nvPr>
+            <p:ph type="title"/>
+          </p:nvPr>
+        </p:nvSpPr>
+        <p:spPr/>
+        <p:txBody>
+          <a:bodyPr/>
+          <a:lstStyle/>
+          <a:p>
+            <a:r>
+              <a:rPr lang="de-DE" dirty="0" smtClean="0"/>
+              <a:t>Beziehungen</a:t>
+            </a:r>
             <a:endParaRPr lang="de-DE" dirty="0"/>
           </a:p>
         </p:txBody>
       </p:sp>
-      <p:sp>
-        <p:nvSpPr>
-          <p:cNvPr id="4" name="Foliennummernplatzhalter 3"/>
+      <p:grpSp>
+        <p:nvGrpSpPr>
+          <p:cNvPr id="5" name="Gruppieren 4"/>
+          <p:cNvGrpSpPr/>
+          <p:nvPr/>
+        </p:nvGrpSpPr>
+        <p:grpSpPr>
+          <a:xfrm>
+            <a:off x="5113366" y="2041456"/>
+            <a:ext cx="2410962" cy="1367953"/>
+            <a:chOff x="4852416" y="1650282"/>
+            <a:chExt cx="3600001" cy="1522667"/>
+          </a:xfrm>
+        </p:grpSpPr>
+        <p:sp>
+          <p:nvSpPr>
+            <p:cNvPr id="6" name="Rectangle 5"/>
+            <p:cNvSpPr>
+              <a:spLocks noChangeArrowheads="1"/>
+            </p:cNvSpPr>
+            <p:nvPr>
+              <p:custDataLst>
+                <p:tags r:id="rId3"/>
+              </p:custDataLst>
+            </p:nvPr>
+          </p:nvSpPr>
+          <p:spPr bwMode="auto">
+            <a:xfrm>
+              <a:off x="4852416" y="2020164"/>
+              <a:ext cx="3600000" cy="1152785"/>
+            </a:xfrm>
+            <a:prstGeom prst="rect">
+              <a:avLst/>
+            </a:prstGeom>
+            <a:solidFill>
+              <a:schemeClr val="bg1"/>
+            </a:solidFill>
+            <a:ln w="12700">
+              <a:solidFill>
+                <a:schemeClr val="tx1"/>
+              </a:solidFill>
+              <a:miter lim="800000"/>
+              <a:headEnd/>
+              <a:tailEnd/>
+            </a:ln>
+            <a:effectLst/>
+          </p:spPr>
+          <p:txBody>
+            <a:bodyPr wrap="square" lIns="36000" tIns="72000" rIns="36000" bIns="182880" anchor="t" anchorCtr="0"/>
+            <a:lstStyle/>
+            <a:p>
+              <a:pPr defTabSz="971550">
+                <a:lnSpc>
+                  <a:spcPts val="1500"/>
+                </a:lnSpc>
+                <a:spcBef>
+                  <a:spcPts val="0"/>
+                </a:spcBef>
+                <a:spcAft>
+                  <a:spcPts val="0"/>
+                </a:spcAft>
+                <a:buClr>
+                  <a:srgbClr val="005596"/>
+                </a:buClr>
+              </a:pPr>
+              <a:endParaRPr lang="en-US" sz="1100" dirty="0">
+                <a:solidFill>
+                  <a:srgbClr val="005596"/>
+                </a:solidFill>
+              </a:endParaRPr>
+            </a:p>
+          </p:txBody>
+        </p:sp>
+        <p:sp>
+          <p:nvSpPr>
+            <p:cNvPr id="7" name="Rectangle 6"/>
+            <p:cNvSpPr>
+              <a:spLocks noChangeArrowheads="1"/>
+            </p:cNvSpPr>
+            <p:nvPr>
+              <p:custDataLst>
+                <p:tags r:id="rId4"/>
+              </p:custDataLst>
+            </p:nvPr>
+          </p:nvSpPr>
+          <p:spPr bwMode="auto">
+            <a:xfrm>
+              <a:off x="4852417" y="1650282"/>
+              <a:ext cx="3600000" cy="369881"/>
+            </a:xfrm>
+            <a:prstGeom prst="rect">
+              <a:avLst/>
+            </a:prstGeom>
+            <a:solidFill>
+              <a:srgbClr val="7A51C5"/>
+            </a:solidFill>
+            <a:ln w="9525">
+              <a:solidFill>
+                <a:schemeClr val="tx1"/>
+              </a:solidFill>
+              <a:miter lim="800000"/>
+              <a:headEnd/>
+              <a:tailEnd/>
+            </a:ln>
+            <a:effectLst/>
+          </p:spPr>
+          <p:txBody>
+            <a:bodyPr wrap="square" lIns="91440" tIns="91440" rIns="91440" bIns="91440" anchor="ctr"/>
+            <a:lstStyle/>
+            <a:p>
+              <a:pPr algn="ctr" defTabSz="857250">
+                <a:spcBef>
+                  <a:spcPts val="0"/>
+                </a:spcBef>
+                <a:spcAft>
+                  <a:spcPts val="600"/>
+                </a:spcAft>
+              </a:pPr>
+              <a:r>
+                <a:rPr lang="en-US" sz="1200" dirty="0" err="1" smtClean="0">
+                  <a:solidFill>
+                    <a:srgbClr val="FFFFFF"/>
+                  </a:solidFill>
+                </a:rPr>
+                <a:t>HausratProdukt</a:t>
+              </a:r>
+              <a:endParaRPr lang="en-US" sz="1200" dirty="0" smtClean="0">
+                <a:solidFill>
+                  <a:srgbClr val="FFFFFF"/>
+                </a:solidFill>
+              </a:endParaRPr>
+            </a:p>
+          </p:txBody>
+        </p:sp>
+      </p:grpSp>
+      <p:grpSp>
+        <p:nvGrpSpPr>
+          <p:cNvPr id="8" name="Gruppieren 7"/>
+          <p:cNvGrpSpPr/>
+          <p:nvPr/>
+        </p:nvGrpSpPr>
+        <p:grpSpPr>
+          <a:xfrm>
+            <a:off x="1151620" y="2041456"/>
+            <a:ext cx="2289819" cy="1368535"/>
+            <a:chOff x="254719" y="1638296"/>
+            <a:chExt cx="3600000" cy="1084664"/>
+          </a:xfrm>
+        </p:grpSpPr>
+        <p:sp>
+          <p:nvSpPr>
+            <p:cNvPr id="9" name="Rectangle 5"/>
+            <p:cNvSpPr>
+              <a:spLocks noChangeArrowheads="1"/>
+            </p:cNvSpPr>
+            <p:nvPr>
+              <p:custDataLst>
+                <p:tags r:id="rId1"/>
+              </p:custDataLst>
+            </p:nvPr>
+          </p:nvSpPr>
+          <p:spPr bwMode="auto">
+            <a:xfrm>
+              <a:off x="254719" y="1894960"/>
+              <a:ext cx="3600000" cy="828000"/>
+            </a:xfrm>
+            <a:prstGeom prst="rect">
+              <a:avLst/>
+            </a:prstGeom>
+            <a:solidFill>
+              <a:schemeClr val="bg1"/>
+            </a:solidFill>
+            <a:ln w="12700">
+              <a:solidFill>
+                <a:schemeClr val="tx1"/>
+              </a:solidFill>
+              <a:miter lim="800000"/>
+              <a:headEnd/>
+              <a:tailEnd/>
+            </a:ln>
+            <a:effectLst/>
+          </p:spPr>
+          <p:txBody>
+            <a:bodyPr wrap="none" lIns="182880" tIns="72000" rIns="182880" bIns="182880" numCol="1" anchor="t" anchorCtr="0"/>
+            <a:lstStyle/>
+            <a:p>
+              <a:pPr defTabSz="971550">
+                <a:lnSpc>
+                  <a:spcPts val="1500"/>
+                </a:lnSpc>
+                <a:spcBef>
+                  <a:spcPts val="0"/>
+                </a:spcBef>
+                <a:spcAft>
+                  <a:spcPts val="0"/>
+                </a:spcAft>
+                <a:buClr>
+                  <a:srgbClr val="005596"/>
+                </a:buClr>
+              </a:pPr>
+              <a:endParaRPr lang="en-US" sz="1000" dirty="0">
+                <a:solidFill>
+                  <a:srgbClr val="005596"/>
+                </a:solidFill>
+              </a:endParaRPr>
+            </a:p>
+          </p:txBody>
+        </p:sp>
+        <p:sp>
+          <p:nvSpPr>
+            <p:cNvPr id="10" name="Rectangle 6"/>
+            <p:cNvSpPr>
+              <a:spLocks noChangeArrowheads="1"/>
+            </p:cNvSpPr>
+            <p:nvPr>
+              <p:custDataLst>
+                <p:tags r:id="rId2"/>
+              </p:custDataLst>
+            </p:nvPr>
+          </p:nvSpPr>
+          <p:spPr bwMode="auto">
+            <a:xfrm>
+              <a:off x="254719" y="1638296"/>
+              <a:ext cx="3600000" cy="264370"/>
+            </a:xfrm>
+            <a:prstGeom prst="rect">
+              <a:avLst/>
+            </a:prstGeom>
+            <a:solidFill>
+              <a:srgbClr val="7A51C5"/>
+            </a:solidFill>
+            <a:ln w="9525">
+              <a:solidFill>
+                <a:schemeClr val="tx1"/>
+              </a:solidFill>
+              <a:miter lim="800000"/>
+              <a:headEnd/>
+              <a:tailEnd/>
+            </a:ln>
+            <a:effectLst/>
+          </p:spPr>
+          <p:txBody>
+            <a:bodyPr wrap="square" lIns="91440" tIns="91440" rIns="91440" bIns="91440" anchor="ctr"/>
+            <a:lstStyle/>
+            <a:p>
+              <a:pPr algn="ctr" defTabSz="857250">
+                <a:spcBef>
+                  <a:spcPts val="0"/>
+                </a:spcBef>
+                <a:spcAft>
+                  <a:spcPts val="600"/>
+                </a:spcAft>
+              </a:pPr>
+              <a:r>
+                <a:rPr lang="en-US" sz="1200" dirty="0" err="1" smtClean="0">
+                  <a:solidFill>
+                    <a:srgbClr val="FFFFFF"/>
+                  </a:solidFill>
+                </a:rPr>
+                <a:t>HausratVertrag</a:t>
+              </a:r>
+              <a:endParaRPr lang="en-US" sz="1200" dirty="0" smtClean="0">
+                <a:solidFill>
+                  <a:srgbClr val="FFFFFF"/>
+                </a:solidFill>
+              </a:endParaRPr>
+            </a:p>
+          </p:txBody>
+        </p:sp>
+      </p:grpSp>
+      <p:sp>
+        <p:nvSpPr>
+          <p:cNvPr id="11" name="Textfeld 10"/>
+          <p:cNvSpPr txBox="1"/>
+          <p:nvPr/>
+        </p:nvSpPr>
+        <p:spPr>
+          <a:xfrm>
+            <a:off x="3467164" y="2924944"/>
+            <a:ext cx="232872" cy="318924"/>
+          </a:xfrm>
+          <a:prstGeom prst="rect">
+            <a:avLst/>
+          </a:prstGeom>
+          <a:noFill/>
+        </p:spPr>
+        <p:txBody>
+          <a:bodyPr wrap="square" lIns="36000" tIns="36000" rIns="36000" bIns="36000" rtlCol="0">
+            <a:spAutoFit/>
+          </a:bodyPr>
+          <a:lstStyle/>
+          <a:p>
+            <a:pPr>
+              <a:spcAft>
+                <a:spcPts val="600"/>
+              </a:spcAft>
+            </a:pPr>
+            <a:r>
+              <a:rPr lang="de-DE" sz="1600" dirty="0" smtClean="0">
+                <a:solidFill>
+                  <a:srgbClr val="005596"/>
+                </a:solidFill>
+              </a:rPr>
+              <a:t>*</a:t>
+            </a:r>
+            <a:endParaRPr lang="pt-BR" sz="1600" dirty="0" err="1" smtClean="0">
+              <a:solidFill>
+                <a:srgbClr val="005596"/>
+              </a:solidFill>
+            </a:endParaRPr>
+          </a:p>
+        </p:txBody>
+      </p:sp>
+      <p:sp>
+        <p:nvSpPr>
+          <p:cNvPr id="12" name="Textfeld 11"/>
+          <p:cNvSpPr txBox="1"/>
+          <p:nvPr/>
+        </p:nvSpPr>
+        <p:spPr>
+          <a:xfrm>
+            <a:off x="4916498" y="2924944"/>
+            <a:ext cx="232872" cy="257369"/>
+          </a:xfrm>
+          <a:prstGeom prst="rect">
+            <a:avLst/>
+          </a:prstGeom>
+          <a:noFill/>
+        </p:spPr>
+        <p:txBody>
+          <a:bodyPr wrap="square" lIns="36000" tIns="36000" rIns="36000" bIns="36000" rtlCol="0">
+            <a:spAutoFit/>
+          </a:bodyPr>
+          <a:lstStyle/>
+          <a:p>
+            <a:pPr>
+              <a:spcAft>
+                <a:spcPts val="600"/>
+              </a:spcAft>
+            </a:pPr>
+            <a:r>
+              <a:rPr lang="de-DE" sz="1200" dirty="0" smtClean="0">
+                <a:solidFill>
+                  <a:srgbClr val="005596"/>
+                </a:solidFill>
+              </a:rPr>
+              <a:t>1</a:t>
+            </a:r>
+            <a:endParaRPr lang="pt-BR" sz="1200" dirty="0" err="1" smtClean="0">
+              <a:solidFill>
+                <a:srgbClr val="005596"/>
+              </a:solidFill>
+            </a:endParaRPr>
+          </a:p>
+        </p:txBody>
+      </p:sp>
+      <p:sp>
+        <p:nvSpPr>
+          <p:cNvPr id="13" name="Ellipse 12"/>
+          <p:cNvSpPr>
+            <a:spLocks noChangeAspect="1"/>
+          </p:cNvSpPr>
+          <p:nvPr/>
+        </p:nvSpPr>
+        <p:spPr bwMode="auto">
+          <a:xfrm>
+            <a:off x="1218827" y="2061641"/>
+            <a:ext cx="216000" cy="216000"/>
+          </a:xfrm>
+          <a:prstGeom prst="ellipse">
+            <a:avLst/>
+          </a:prstGeom>
+          <a:solidFill>
+            <a:srgbClr val="7A51C5"/>
+          </a:solidFill>
+          <a:ln w="12700" cap="flat">
+            <a:solidFill>
+              <a:schemeClr val="bg1"/>
+            </a:solidFill>
+            <a:prstDash val="solid"/>
+            <a:miter lim="800000"/>
+            <a:headEnd type="none" w="med" len="med"/>
+            <a:tailEnd type="none" w="med" len="med"/>
+          </a:ln>
+          <a:effectLst/>
+        </p:spPr>
+        <p:txBody>
+          <a:bodyPr wrap="none" lIns="36000" tIns="36000" rIns="36000" bIns="36000" rtlCol="0" anchor="ctr" anchorCtr="1">
+            <a:noAutofit/>
+          </a:bodyPr>
+          <a:lstStyle/>
+          <a:p>
+            <a:pPr algn="ctr">
+              <a:lnSpc>
+                <a:spcPct val="90000"/>
+              </a:lnSpc>
+              <a:spcBef>
+                <a:spcPts val="500"/>
+              </a:spcBef>
+              <a:buClr>
+                <a:srgbClr val="585858"/>
+              </a:buClr>
+              <a:buSzPct val="100000"/>
+              <a:tabLst>
+                <a:tab pos="180975" algn="l"/>
+              </a:tabLst>
+            </a:pPr>
+            <a:r>
+              <a:rPr lang="de-DE" sz="1200" b="1" dirty="0" smtClean="0">
+                <a:solidFill>
+                  <a:srgbClr val="FFFFFF"/>
+                </a:solidFill>
+                <a:sym typeface="Arial" charset="0"/>
+              </a:rPr>
+              <a:t>V</a:t>
+            </a:r>
+          </a:p>
+        </p:txBody>
+      </p:sp>
+      <p:sp>
+        <p:nvSpPr>
+          <p:cNvPr id="14" name="Ellipse 13"/>
+          <p:cNvSpPr>
+            <a:spLocks noChangeAspect="1"/>
+          </p:cNvSpPr>
+          <p:nvPr/>
+        </p:nvSpPr>
+        <p:spPr bwMode="auto">
+          <a:xfrm>
+            <a:off x="5177658" y="2071564"/>
+            <a:ext cx="216000" cy="216000"/>
+          </a:xfrm>
+          <a:prstGeom prst="ellipse">
+            <a:avLst/>
+          </a:prstGeom>
+          <a:solidFill>
+            <a:srgbClr val="7A51C5"/>
+          </a:solidFill>
+          <a:ln w="12700" cap="flat">
+            <a:solidFill>
+              <a:schemeClr val="bg1"/>
+            </a:solidFill>
+            <a:prstDash val="solid"/>
+            <a:miter lim="800000"/>
+            <a:headEnd type="none" w="med" len="med"/>
+            <a:tailEnd type="none" w="med" len="med"/>
+          </a:ln>
+          <a:effectLst/>
+        </p:spPr>
+        <p:txBody>
+          <a:bodyPr wrap="none" lIns="18000" tIns="18000" rIns="0" bIns="0" rtlCol="0" anchor="ctr" anchorCtr="1">
+            <a:noAutofit/>
+          </a:bodyPr>
+          <a:lstStyle/>
+          <a:p>
+            <a:pPr algn="ctr">
+              <a:lnSpc>
+                <a:spcPct val="90000"/>
+              </a:lnSpc>
+              <a:spcBef>
+                <a:spcPts val="500"/>
+              </a:spcBef>
+              <a:buClr>
+                <a:srgbClr val="585858"/>
+              </a:buClr>
+              <a:buSzPct val="100000"/>
+              <a:tabLst>
+                <a:tab pos="180975" algn="l"/>
+              </a:tabLst>
+            </a:pPr>
+            <a:r>
+              <a:rPr lang="de-DE" sz="1200" b="1" dirty="0" smtClean="0">
+                <a:solidFill>
+                  <a:srgbClr val="FFFFFF"/>
+                </a:solidFill>
+                <a:sym typeface="Arial" charset="0"/>
+              </a:rPr>
+              <a:t>P</a:t>
+            </a:r>
+          </a:p>
+        </p:txBody>
+      </p:sp>
+      <p:cxnSp>
+        <p:nvCxnSpPr>
+          <p:cNvPr id="15" name="Gerade Verbindung 14"/>
+          <p:cNvCxnSpPr>
+            <a:stCxn id="9" idx="3"/>
+            <a:endCxn id="6" idx="1"/>
+          </p:cNvCxnSpPr>
+          <p:nvPr/>
+        </p:nvCxnSpPr>
+        <p:spPr bwMode="auto">
+          <a:xfrm>
+            <a:off x="3441439" y="2887642"/>
+            <a:ext cx="1671927" cy="3940"/>
+          </a:xfrm>
+          <a:prstGeom prst="line">
+            <a:avLst/>
+          </a:prstGeom>
+          <a:solidFill>
+            <a:schemeClr val="accent1"/>
+          </a:solidFill>
+          <a:ln w="9525" cap="flat" cmpd="sng" algn="ctr">
+            <a:solidFill>
+              <a:schemeClr val="tx1"/>
+            </a:solidFill>
+            <a:prstDash val="solid"/>
+            <a:round/>
+            <a:headEnd type="none" w="med" len="med"/>
+            <a:tailEnd type="none" w="med" len="med"/>
+          </a:ln>
+          <a:effectLst/>
+        </p:spPr>
+      </p:cxnSp>
+      <p:sp>
+        <p:nvSpPr>
+          <p:cNvPr id="21" name="Textfeld 20"/>
+          <p:cNvSpPr txBox="1"/>
+          <p:nvPr/>
+        </p:nvSpPr>
+        <p:spPr>
+          <a:xfrm>
+            <a:off x="3778162" y="1420856"/>
+            <a:ext cx="1138336" cy="318924"/>
+          </a:xfrm>
+          <a:prstGeom prst="rect">
+            <a:avLst/>
+          </a:prstGeom>
+          <a:noFill/>
+        </p:spPr>
+        <p:txBody>
+          <a:bodyPr wrap="square" lIns="36000" tIns="36000" rIns="36000" bIns="36000" rtlCol="0">
+            <a:spAutoFit/>
+          </a:bodyPr>
+          <a:lstStyle/>
+          <a:p>
+            <a:pPr>
+              <a:spcAft>
+                <a:spcPts val="600"/>
+              </a:spcAft>
+            </a:pPr>
+            <a:r>
+              <a:rPr lang="de-DE" sz="1600" dirty="0" smtClean="0">
+                <a:solidFill>
+                  <a:srgbClr val="005596"/>
+                </a:solidFill>
+              </a:rPr>
+              <a:t>Beziehung</a:t>
+            </a:r>
+          </a:p>
+        </p:txBody>
+      </p:sp>
+      <p:cxnSp>
+        <p:nvCxnSpPr>
+          <p:cNvPr id="23" name="Gerade Verbindung 22"/>
+          <p:cNvCxnSpPr/>
+          <p:nvPr/>
+        </p:nvCxnSpPr>
+        <p:spPr bwMode="auto">
+          <a:xfrm>
+            <a:off x="4277402" y="1844824"/>
+            <a:ext cx="0" cy="720080"/>
+          </a:xfrm>
+          <a:prstGeom prst="line">
+            <a:avLst/>
+          </a:prstGeom>
+          <a:solidFill>
+            <a:schemeClr val="accent1"/>
+          </a:solidFill>
+          <a:ln w="9525" cap="flat" cmpd="sng" algn="ctr">
+            <a:solidFill>
+              <a:schemeClr val="tx1"/>
+            </a:solidFill>
+            <a:prstDash val="solid"/>
+            <a:round/>
+            <a:headEnd type="none" w="med" len="med"/>
+            <a:tailEnd type="none" w="med" len="med"/>
+          </a:ln>
+          <a:effectLst/>
+        </p:spPr>
+      </p:cxnSp>
+      <p:sp>
+        <p:nvSpPr>
+          <p:cNvPr id="24" name="Textfeld 23"/>
+          <p:cNvSpPr txBox="1"/>
+          <p:nvPr/>
+        </p:nvSpPr>
+        <p:spPr>
+          <a:xfrm>
+            <a:off x="1650874" y="3969060"/>
+            <a:ext cx="5873454" cy="888311"/>
+          </a:xfrm>
+          <a:prstGeom prst="rect">
+            <a:avLst/>
+          </a:prstGeom>
+          <a:noFill/>
+        </p:spPr>
+        <p:txBody>
+          <a:bodyPr wrap="square" lIns="36000" tIns="36000" rIns="36000" bIns="36000" rtlCol="0">
+            <a:spAutoFit/>
+          </a:bodyPr>
+          <a:lstStyle/>
+          <a:p>
+            <a:pPr>
+              <a:spcAft>
+                <a:spcPts val="600"/>
+              </a:spcAft>
+            </a:pPr>
+            <a:r>
+              <a:rPr lang="de-DE" sz="1600" dirty="0" smtClean="0">
+                <a:solidFill>
+                  <a:srgbClr val="005596"/>
+                </a:solidFill>
+              </a:rPr>
+              <a:t>Jeder Hausratvertrag basiert auf genau einem Hausratprodukt.</a:t>
+            </a:r>
+          </a:p>
+          <a:p>
+            <a:pPr>
+              <a:spcAft>
+                <a:spcPts val="600"/>
+              </a:spcAft>
+            </a:pPr>
+            <a:r>
+              <a:rPr lang="de-DE" sz="1600" dirty="0" smtClean="0">
+                <a:solidFill>
+                  <a:srgbClr val="005596"/>
+                </a:solidFill>
+              </a:rPr>
+              <a:t>Auf Basis eines Hausratproduktes können beliebig viele Hausratverträge abgeschlossen werden.</a:t>
+            </a:r>
+          </a:p>
+        </p:txBody>
+      </p:sp>
+      <p:sp>
+        <p:nvSpPr>
+          <p:cNvPr id="3" name="Foliennummernplatzhalter 2"/>
           <p:cNvSpPr>
             <a:spLocks noGrp="1"/>
           </p:cNvSpPr>
@@ -10220,10 +11781,14 @@
           <a:bodyPr/>
           <a:lstStyle/>
           <a:p>
+            <a:r>
+              <a:rPr lang="de-DE" smtClean="0"/>
+              <a:t>II-</a:t>
+            </a:r>
             <a:fld id="{21FBF85A-D7A6-488B-8C2B-F7E0D6843921}" type="slidenum">
               <a:rPr lang="de-DE" smtClean="0"/>
               <a:pPr/>
-              <a:t>2</a:t>
+              <a:t>3</a:t>
             </a:fld>
             <a:endParaRPr lang="de-DE" dirty="0"/>
           </a:p>
@@ -10232,7 +11797,2840 @@
     </p:spTree>
     <p:extLst>
       <p:ext uri="{BB962C8B-B14F-4D97-AF65-F5344CB8AC3E}">
-        <p14:creationId xmlns:p14="http://schemas.microsoft.com/office/powerpoint/2010/main" val="1075260187"/>
+        <p14:creationId xmlns:p14="http://schemas.microsoft.com/office/powerpoint/2010/main" val="3050189346"/>
+      </p:ext>
+    </p:extLst>
+  </p:cSld>
+  <p:clrMapOvr>
+    <a:masterClrMapping/>
+  </p:clrMapOvr>
+  <p:transition spd="slow">
+    <p:fade/>
+  </p:transition>
+</p:sld>
+</file>
+
+<file path=ppt/slides/slide4.xml><?xml version="1.0" encoding="utf-8"?>
+<p:sld xmlns:a="http://schemas.openxmlformats.org/drawingml/2006/main" xmlns:r="http://schemas.openxmlformats.org/officeDocument/2006/relationships" xmlns:p="http://schemas.openxmlformats.org/presentationml/2006/main">
+  <p:cSld>
+    <p:spTree>
+      <p:nvGrpSpPr>
+        <p:cNvPr id="1" name=""/>
+        <p:cNvGrpSpPr/>
+        <p:nvPr/>
+      </p:nvGrpSpPr>
+      <p:grpSpPr>
+        <a:xfrm>
+          <a:off x="0" y="0"/>
+          <a:ext cx="0" cy="0"/>
+          <a:chOff x="0" y="0"/>
+          <a:chExt cx="0" cy="0"/>
+        </a:xfrm>
+      </p:grpSpPr>
+      <p:sp>
+        <p:nvSpPr>
+          <p:cNvPr id="4" name="Datumsplatzhalter 3"/>
+          <p:cNvSpPr>
+            <a:spLocks noGrp="1"/>
+          </p:cNvSpPr>
+          <p:nvPr>
+            <p:ph type="dt" sz="half" idx="2"/>
+          </p:nvPr>
+        </p:nvSpPr>
+        <p:spPr/>
+        <p:txBody>
+          <a:bodyPr/>
+          <a:lstStyle/>
+          <a:p>
+            <a:fld id="{8EF77185-5CA2-4EC0-8C9C-FF54F3F28519}" type="datetime1">
+              <a:rPr lang="de-DE" smtClean="0">
+                <a:solidFill>
+                  <a:srgbClr val="FFFFFF"/>
+                </a:solidFill>
+              </a:rPr>
+              <a:t>17.05.2013</a:t>
+            </a:fld>
+            <a:endParaRPr lang="de-DE" dirty="0">
+              <a:solidFill>
+                <a:srgbClr val="FFFFFF"/>
+              </a:solidFill>
+            </a:endParaRPr>
+          </a:p>
+        </p:txBody>
+      </p:sp>
+      <p:sp>
+        <p:nvSpPr>
+          <p:cNvPr id="5" name="Titel 4"/>
+          <p:cNvSpPr>
+            <a:spLocks noGrp="1"/>
+          </p:cNvSpPr>
+          <p:nvPr>
+            <p:ph type="title"/>
+          </p:nvPr>
+        </p:nvSpPr>
+        <p:spPr/>
+        <p:txBody>
+          <a:bodyPr/>
+          <a:lstStyle/>
+          <a:p>
+            <a:r>
+              <a:rPr lang="de-DE" dirty="0" smtClean="0"/>
+              <a:t>Kompositionen</a:t>
+            </a:r>
+            <a:endParaRPr lang="de-DE" dirty="0"/>
+          </a:p>
+        </p:txBody>
+      </p:sp>
+      <p:sp>
+        <p:nvSpPr>
+          <p:cNvPr id="6" name="Rectangle 5"/>
+          <p:cNvSpPr>
+            <a:spLocks noChangeArrowheads="1"/>
+          </p:cNvSpPr>
+          <p:nvPr>
+            <p:custDataLst>
+              <p:tags r:id="rId1"/>
+            </p:custDataLst>
+          </p:nvPr>
+        </p:nvSpPr>
+        <p:spPr bwMode="auto">
+          <a:xfrm>
+            <a:off x="2550410" y="2008179"/>
+            <a:ext cx="4040064" cy="628734"/>
+          </a:xfrm>
+          <a:prstGeom prst="rect">
+            <a:avLst/>
+          </a:prstGeom>
+          <a:solidFill>
+            <a:schemeClr val="bg1"/>
+          </a:solidFill>
+          <a:ln w="12700">
+            <a:solidFill>
+              <a:schemeClr val="tx1"/>
+            </a:solidFill>
+            <a:miter lim="800000"/>
+            <a:headEnd/>
+            <a:tailEnd/>
+          </a:ln>
+          <a:effectLst/>
+        </p:spPr>
+        <p:txBody>
+          <a:bodyPr wrap="square" lIns="182880" tIns="182880" rIns="182880" bIns="182880" anchor="t" anchorCtr="0"/>
+          <a:lstStyle/>
+          <a:p>
+            <a:pPr defTabSz="971550">
+              <a:spcBef>
+                <a:spcPts val="0"/>
+              </a:spcBef>
+              <a:spcAft>
+                <a:spcPts val="600"/>
+              </a:spcAft>
+              <a:buClr>
+                <a:srgbClr val="005596"/>
+              </a:buClr>
+            </a:pPr>
+            <a:endParaRPr lang="en-US" sz="1200" dirty="0">
+              <a:solidFill>
+                <a:srgbClr val="005596"/>
+              </a:solidFill>
+            </a:endParaRPr>
+          </a:p>
+        </p:txBody>
+      </p:sp>
+      <p:sp>
+        <p:nvSpPr>
+          <p:cNvPr id="7" name="Rectangle 6"/>
+          <p:cNvSpPr>
+            <a:spLocks noChangeArrowheads="1"/>
+          </p:cNvSpPr>
+          <p:nvPr>
+            <p:custDataLst>
+              <p:tags r:id="rId2"/>
+            </p:custDataLst>
+          </p:nvPr>
+        </p:nvSpPr>
+        <p:spPr bwMode="auto">
+          <a:xfrm>
+            <a:off x="2547211" y="1638296"/>
+            <a:ext cx="4043263" cy="369881"/>
+          </a:xfrm>
+          <a:prstGeom prst="rect">
+            <a:avLst/>
+          </a:prstGeom>
+          <a:solidFill>
+            <a:srgbClr val="7A51C5"/>
+          </a:solidFill>
+          <a:ln w="9525">
+            <a:solidFill>
+              <a:schemeClr val="tx1"/>
+            </a:solidFill>
+            <a:miter lim="800000"/>
+            <a:headEnd/>
+            <a:tailEnd/>
+          </a:ln>
+          <a:effectLst/>
+        </p:spPr>
+        <p:txBody>
+          <a:bodyPr wrap="square" lIns="91440" tIns="91440" rIns="91440" bIns="91440" anchor="ctr"/>
+          <a:lstStyle/>
+          <a:p>
+            <a:pPr algn="ctr" defTabSz="857250">
+              <a:spcBef>
+                <a:spcPts val="0"/>
+              </a:spcBef>
+              <a:spcAft>
+                <a:spcPts val="600"/>
+              </a:spcAft>
+            </a:pPr>
+            <a:r>
+              <a:rPr lang="en-US" sz="1200" dirty="0" err="1" smtClean="0">
+                <a:solidFill>
+                  <a:srgbClr val="FFFFFF"/>
+                </a:solidFill>
+              </a:rPr>
+              <a:t>HausratVertrag</a:t>
+            </a:r>
+            <a:endParaRPr lang="en-US" sz="1200" dirty="0" smtClean="0">
+              <a:solidFill>
+                <a:srgbClr val="FFFFFF"/>
+              </a:solidFill>
+            </a:endParaRPr>
+          </a:p>
+        </p:txBody>
+      </p:sp>
+      <p:sp>
+        <p:nvSpPr>
+          <p:cNvPr id="8" name="Raute 7"/>
+          <p:cNvSpPr/>
+          <p:nvPr>
+            <p:custDataLst>
+              <p:tags r:id="rId3"/>
+            </p:custDataLst>
+          </p:nvPr>
+        </p:nvSpPr>
+        <p:spPr bwMode="gray">
+          <a:xfrm>
+            <a:off x="3227411" y="2676514"/>
+            <a:ext cx="259431" cy="410009"/>
+          </a:xfrm>
+          <a:prstGeom prst="diamond">
+            <a:avLst/>
+          </a:prstGeom>
+          <a:solidFill>
+            <a:srgbClr val="7A51C5"/>
+          </a:solidFill>
+          <a:ln w="19050" cap="flat" cmpd="sng" algn="ctr">
+            <a:solidFill>
+              <a:schemeClr val="accent1"/>
+            </a:solidFill>
+            <a:prstDash val="solid"/>
+            <a:round/>
+            <a:headEnd type="none" w="med" len="med"/>
+            <a:tailEnd type="none" w="med" len="med"/>
+          </a:ln>
+          <a:effectLst/>
+        </p:spPr>
+        <p:txBody>
+          <a:bodyPr vert="horz" wrap="square" lIns="72000" tIns="72000" rIns="72000" bIns="72000" numCol="1" rtlCol="0" anchor="ctr" anchorCtr="0" compatLnSpc="1">
+            <a:prstTxWarp prst="textNoShape">
+              <a:avLst/>
+            </a:prstTxWarp>
+          </a:bodyPr>
+          <a:lstStyle/>
+          <a:p>
+            <a:pPr eaLnBrk="0" hangingPunct="0">
+              <a:spcBef>
+                <a:spcPct val="50000"/>
+              </a:spcBef>
+              <a:buClr>
+                <a:srgbClr val="39A9DC"/>
+              </a:buClr>
+              <a:buSzPct val="80000"/>
+              <a:buFont typeface="Wingdings" pitchFamily="2" charset="2"/>
+              <a:buNone/>
+            </a:pPr>
+            <a:endParaRPr lang="en-US" sz="1800" smtClean="0">
+              <a:solidFill>
+                <a:srgbClr val="005596"/>
+              </a:solidFill>
+            </a:endParaRPr>
+          </a:p>
+        </p:txBody>
+      </p:sp>
+      <p:sp>
+        <p:nvSpPr>
+          <p:cNvPr id="9" name="Raute 8"/>
+          <p:cNvSpPr/>
+          <p:nvPr>
+            <p:custDataLst>
+              <p:tags r:id="rId4"/>
+            </p:custDataLst>
+          </p:nvPr>
+        </p:nvSpPr>
+        <p:spPr bwMode="gray">
+          <a:xfrm>
+            <a:off x="5532541" y="2676514"/>
+            <a:ext cx="259431" cy="410009"/>
+          </a:xfrm>
+          <a:prstGeom prst="diamond">
+            <a:avLst/>
+          </a:prstGeom>
+          <a:solidFill>
+            <a:srgbClr val="7A51C5"/>
+          </a:solidFill>
+          <a:ln w="19050" cap="flat" cmpd="sng" algn="ctr">
+            <a:solidFill>
+              <a:schemeClr val="accent1"/>
+            </a:solidFill>
+            <a:prstDash val="solid"/>
+            <a:round/>
+            <a:headEnd type="none" w="med" len="med"/>
+            <a:tailEnd type="none" w="med" len="med"/>
+          </a:ln>
+          <a:effectLst/>
+        </p:spPr>
+        <p:txBody>
+          <a:bodyPr vert="horz" wrap="square" lIns="72000" tIns="72000" rIns="72000" bIns="72000" numCol="1" rtlCol="0" anchor="ctr" anchorCtr="0" compatLnSpc="1">
+            <a:prstTxWarp prst="textNoShape">
+              <a:avLst/>
+            </a:prstTxWarp>
+          </a:bodyPr>
+          <a:lstStyle/>
+          <a:p>
+            <a:pPr eaLnBrk="0" hangingPunct="0">
+              <a:spcBef>
+                <a:spcPct val="50000"/>
+              </a:spcBef>
+              <a:buClr>
+                <a:srgbClr val="39A9DC"/>
+              </a:buClr>
+              <a:buSzPct val="80000"/>
+              <a:buFont typeface="Wingdings" pitchFamily="2" charset="2"/>
+              <a:buNone/>
+            </a:pPr>
+            <a:endParaRPr lang="en-US" sz="1800" smtClean="0">
+              <a:solidFill>
+                <a:srgbClr val="005596"/>
+              </a:solidFill>
+            </a:endParaRPr>
+          </a:p>
+        </p:txBody>
+      </p:sp>
+      <p:cxnSp>
+        <p:nvCxnSpPr>
+          <p:cNvPr id="10" name="Gerade Verbindung 9"/>
+          <p:cNvCxnSpPr/>
+          <p:nvPr/>
+        </p:nvCxnSpPr>
+        <p:spPr bwMode="auto">
+          <a:xfrm flipH="1">
+            <a:off x="3357126" y="3086523"/>
+            <a:ext cx="1" cy="1008000"/>
+          </a:xfrm>
+          <a:prstGeom prst="line">
+            <a:avLst/>
+          </a:prstGeom>
+          <a:solidFill>
+            <a:schemeClr val="accent1"/>
+          </a:solidFill>
+          <a:ln w="9525" cap="flat" cmpd="sng" algn="ctr">
+            <a:solidFill>
+              <a:schemeClr val="tx1"/>
+            </a:solidFill>
+            <a:prstDash val="solid"/>
+            <a:round/>
+            <a:headEnd type="none" w="med" len="med"/>
+            <a:tailEnd type="none" w="med" len="med"/>
+          </a:ln>
+          <a:effectLst/>
+        </p:spPr>
+      </p:cxnSp>
+      <p:cxnSp>
+        <p:nvCxnSpPr>
+          <p:cNvPr id="11" name="Gerade Verbindung 10"/>
+          <p:cNvCxnSpPr/>
+          <p:nvPr/>
+        </p:nvCxnSpPr>
+        <p:spPr bwMode="auto">
+          <a:xfrm flipH="1">
+            <a:off x="5662256" y="3086523"/>
+            <a:ext cx="1" cy="1008000"/>
+          </a:xfrm>
+          <a:prstGeom prst="line">
+            <a:avLst/>
+          </a:prstGeom>
+          <a:solidFill>
+            <a:schemeClr val="accent1"/>
+          </a:solidFill>
+          <a:ln w="9525" cap="flat" cmpd="sng" algn="ctr">
+            <a:solidFill>
+              <a:schemeClr val="tx1"/>
+            </a:solidFill>
+            <a:prstDash val="solid"/>
+            <a:round/>
+            <a:headEnd type="none" w="med" len="med"/>
+            <a:tailEnd type="none" w="med" len="med"/>
+          </a:ln>
+          <a:effectLst/>
+        </p:spPr>
+      </p:cxnSp>
+      <p:sp>
+        <p:nvSpPr>
+          <p:cNvPr id="12" name="Rectangle 5"/>
+          <p:cNvSpPr>
+            <a:spLocks noChangeArrowheads="1"/>
+          </p:cNvSpPr>
+          <p:nvPr>
+            <p:custDataLst>
+              <p:tags r:id="rId5"/>
+            </p:custDataLst>
+          </p:nvPr>
+        </p:nvSpPr>
+        <p:spPr bwMode="auto">
+          <a:xfrm>
+            <a:off x="4636256" y="4485788"/>
+            <a:ext cx="2052000" cy="494213"/>
+          </a:xfrm>
+          <a:prstGeom prst="rect">
+            <a:avLst/>
+          </a:prstGeom>
+          <a:solidFill>
+            <a:schemeClr val="bg1"/>
+          </a:solidFill>
+          <a:ln w="12700">
+            <a:solidFill>
+              <a:schemeClr val="tx1"/>
+            </a:solidFill>
+            <a:miter lim="800000"/>
+            <a:headEnd/>
+            <a:tailEnd/>
+          </a:ln>
+          <a:effectLst/>
+        </p:spPr>
+        <p:txBody>
+          <a:bodyPr wrap="square" lIns="182880" tIns="182880" rIns="182880" bIns="182880" anchor="t" anchorCtr="0"/>
+          <a:lstStyle/>
+          <a:p>
+            <a:pPr defTabSz="971550">
+              <a:spcBef>
+                <a:spcPts val="0"/>
+              </a:spcBef>
+              <a:spcAft>
+                <a:spcPts val="0"/>
+              </a:spcAft>
+              <a:buClr>
+                <a:srgbClr val="005596"/>
+              </a:buClr>
+            </a:pPr>
+            <a:endParaRPr lang="en-US" sz="1200" dirty="0">
+              <a:solidFill>
+                <a:srgbClr val="005596"/>
+              </a:solidFill>
+            </a:endParaRPr>
+          </a:p>
+        </p:txBody>
+      </p:sp>
+      <p:sp>
+        <p:nvSpPr>
+          <p:cNvPr id="13" name="Rectangle 6"/>
+          <p:cNvSpPr>
+            <a:spLocks noChangeArrowheads="1"/>
+          </p:cNvSpPr>
+          <p:nvPr>
+            <p:custDataLst>
+              <p:tags r:id="rId6"/>
+            </p:custDataLst>
+          </p:nvPr>
+        </p:nvSpPr>
+        <p:spPr bwMode="auto">
+          <a:xfrm>
+            <a:off x="4636256" y="4115905"/>
+            <a:ext cx="2052000" cy="369881"/>
+          </a:xfrm>
+          <a:prstGeom prst="rect">
+            <a:avLst/>
+          </a:prstGeom>
+          <a:solidFill>
+            <a:srgbClr val="7A51C5"/>
+          </a:solidFill>
+          <a:ln w="9525">
+            <a:solidFill>
+              <a:schemeClr val="tx1"/>
+            </a:solidFill>
+            <a:miter lim="800000"/>
+            <a:headEnd/>
+            <a:tailEnd/>
+          </a:ln>
+          <a:effectLst/>
+        </p:spPr>
+        <p:txBody>
+          <a:bodyPr wrap="square" lIns="91440" tIns="91440" rIns="91440" bIns="91440" anchor="ctr"/>
+          <a:lstStyle/>
+          <a:p>
+            <a:pPr algn="ctr" defTabSz="857250">
+              <a:spcBef>
+                <a:spcPts val="0"/>
+              </a:spcBef>
+              <a:spcAft>
+                <a:spcPts val="600"/>
+              </a:spcAft>
+            </a:pPr>
+            <a:r>
+              <a:rPr lang="en-US" sz="1200" dirty="0" smtClean="0">
+                <a:solidFill>
+                  <a:srgbClr val="FFFFFF"/>
+                </a:solidFill>
+              </a:rPr>
+              <a:t> </a:t>
+            </a:r>
+            <a:r>
+              <a:rPr lang="en-US" sz="1200" dirty="0" err="1" smtClean="0">
+                <a:solidFill>
+                  <a:srgbClr val="FFFFFF"/>
+                </a:solidFill>
+              </a:rPr>
+              <a:t>HausratZusatzdeckung</a:t>
+            </a:r>
+            <a:endParaRPr lang="en-US" sz="1200" dirty="0" smtClean="0">
+              <a:solidFill>
+                <a:srgbClr val="FFFFFF"/>
+              </a:solidFill>
+            </a:endParaRPr>
+          </a:p>
+        </p:txBody>
+      </p:sp>
+      <p:sp>
+        <p:nvSpPr>
+          <p:cNvPr id="14" name="Rectangle 6"/>
+          <p:cNvSpPr>
+            <a:spLocks noChangeArrowheads="1"/>
+          </p:cNvSpPr>
+          <p:nvPr>
+            <p:custDataLst>
+              <p:tags r:id="rId7"/>
+            </p:custDataLst>
+          </p:nvPr>
+        </p:nvSpPr>
+        <p:spPr bwMode="auto">
+          <a:xfrm>
+            <a:off x="2331126" y="4115905"/>
+            <a:ext cx="2052000" cy="369881"/>
+          </a:xfrm>
+          <a:prstGeom prst="rect">
+            <a:avLst/>
+          </a:prstGeom>
+          <a:solidFill>
+            <a:srgbClr val="7A51C5"/>
+          </a:solidFill>
+          <a:ln w="9525">
+            <a:solidFill>
+              <a:schemeClr val="tx1"/>
+            </a:solidFill>
+            <a:miter lim="800000"/>
+            <a:headEnd/>
+            <a:tailEnd/>
+          </a:ln>
+          <a:effectLst/>
+        </p:spPr>
+        <p:txBody>
+          <a:bodyPr wrap="square" lIns="91440" tIns="91440" rIns="91440" bIns="91440" anchor="ctr"/>
+          <a:lstStyle/>
+          <a:p>
+            <a:pPr algn="ctr" defTabSz="857250">
+              <a:spcBef>
+                <a:spcPts val="0"/>
+              </a:spcBef>
+              <a:spcAft>
+                <a:spcPts val="600"/>
+              </a:spcAft>
+            </a:pPr>
+            <a:r>
+              <a:rPr lang="en-US" sz="1200" dirty="0" err="1" smtClean="0">
+                <a:solidFill>
+                  <a:srgbClr val="FFFFFF"/>
+                </a:solidFill>
+              </a:rPr>
+              <a:t>HausratGrunddeckung</a:t>
+            </a:r>
+            <a:endParaRPr lang="en-US" sz="1200" dirty="0">
+              <a:solidFill>
+                <a:srgbClr val="FFFFFF"/>
+              </a:solidFill>
+            </a:endParaRPr>
+          </a:p>
+        </p:txBody>
+      </p:sp>
+      <p:sp>
+        <p:nvSpPr>
+          <p:cNvPr id="15" name="Textfeld 14"/>
+          <p:cNvSpPr txBox="1"/>
+          <p:nvPr/>
+        </p:nvSpPr>
+        <p:spPr>
+          <a:xfrm>
+            <a:off x="3375993" y="3724428"/>
+            <a:ext cx="223174" cy="318924"/>
+          </a:xfrm>
+          <a:prstGeom prst="rect">
+            <a:avLst/>
+          </a:prstGeom>
+          <a:noFill/>
+        </p:spPr>
+        <p:txBody>
+          <a:bodyPr wrap="square" lIns="36000" tIns="36000" rIns="36000" bIns="36000" rtlCol="0">
+            <a:spAutoFit/>
+          </a:bodyPr>
+          <a:lstStyle/>
+          <a:p>
+            <a:pPr>
+              <a:spcAft>
+                <a:spcPts val="600"/>
+              </a:spcAft>
+            </a:pPr>
+            <a:r>
+              <a:rPr lang="de-DE" sz="1600" dirty="0" smtClean="0">
+                <a:solidFill>
+                  <a:srgbClr val="005596"/>
+                </a:solidFill>
+              </a:rPr>
+              <a:t>1</a:t>
+            </a:r>
+            <a:endParaRPr lang="pt-BR" sz="1600" dirty="0" err="1" smtClean="0">
+              <a:solidFill>
+                <a:srgbClr val="005596"/>
+              </a:solidFill>
+            </a:endParaRPr>
+          </a:p>
+        </p:txBody>
+      </p:sp>
+      <p:sp>
+        <p:nvSpPr>
+          <p:cNvPr id="16" name="Textfeld 15"/>
+          <p:cNvSpPr txBox="1"/>
+          <p:nvPr/>
+        </p:nvSpPr>
+        <p:spPr>
+          <a:xfrm>
+            <a:off x="5680385" y="3658600"/>
+            <a:ext cx="223174" cy="318924"/>
+          </a:xfrm>
+          <a:prstGeom prst="rect">
+            <a:avLst/>
+          </a:prstGeom>
+          <a:noFill/>
+        </p:spPr>
+        <p:txBody>
+          <a:bodyPr wrap="square" lIns="36000" tIns="36000" rIns="36000" bIns="36000" rtlCol="0">
+            <a:spAutoFit/>
+          </a:bodyPr>
+          <a:lstStyle/>
+          <a:p>
+            <a:pPr>
+              <a:spcAft>
+                <a:spcPts val="600"/>
+              </a:spcAft>
+            </a:pPr>
+            <a:r>
+              <a:rPr lang="de-DE" sz="1600" dirty="0">
+                <a:solidFill>
+                  <a:srgbClr val="005596"/>
+                </a:solidFill>
+              </a:rPr>
+              <a:t>*</a:t>
+            </a:r>
+            <a:endParaRPr lang="pt-BR" sz="1600" dirty="0" err="1" smtClean="0">
+              <a:solidFill>
+                <a:srgbClr val="005596"/>
+              </a:solidFill>
+            </a:endParaRPr>
+          </a:p>
+        </p:txBody>
+      </p:sp>
+      <p:sp>
+        <p:nvSpPr>
+          <p:cNvPr id="17" name="Rectangle 5"/>
+          <p:cNvSpPr>
+            <a:spLocks noChangeArrowheads="1"/>
+          </p:cNvSpPr>
+          <p:nvPr>
+            <p:custDataLst>
+              <p:tags r:id="rId8"/>
+            </p:custDataLst>
+          </p:nvPr>
+        </p:nvSpPr>
+        <p:spPr bwMode="auto">
+          <a:xfrm>
+            <a:off x="2331126" y="4485788"/>
+            <a:ext cx="2052000" cy="494213"/>
+          </a:xfrm>
+          <a:prstGeom prst="rect">
+            <a:avLst/>
+          </a:prstGeom>
+          <a:solidFill>
+            <a:schemeClr val="bg1"/>
+          </a:solidFill>
+          <a:ln w="12700">
+            <a:solidFill>
+              <a:schemeClr val="tx1"/>
+            </a:solidFill>
+            <a:miter lim="800000"/>
+            <a:headEnd/>
+            <a:tailEnd/>
+          </a:ln>
+          <a:effectLst/>
+        </p:spPr>
+        <p:txBody>
+          <a:bodyPr wrap="square" lIns="182880" tIns="182880" rIns="182880" bIns="182880" anchor="t" anchorCtr="0"/>
+          <a:lstStyle/>
+          <a:p>
+            <a:pPr defTabSz="971550">
+              <a:spcBef>
+                <a:spcPts val="0"/>
+              </a:spcBef>
+              <a:spcAft>
+                <a:spcPts val="0"/>
+              </a:spcAft>
+              <a:buClr>
+                <a:srgbClr val="005596"/>
+              </a:buClr>
+            </a:pPr>
+            <a:endParaRPr lang="en-US" sz="1200" dirty="0">
+              <a:solidFill>
+                <a:srgbClr val="005596"/>
+              </a:solidFill>
+            </a:endParaRPr>
+          </a:p>
+        </p:txBody>
+      </p:sp>
+      <p:sp>
+        <p:nvSpPr>
+          <p:cNvPr id="18" name="Ellipse 17"/>
+          <p:cNvSpPr>
+            <a:spLocks noChangeAspect="1"/>
+          </p:cNvSpPr>
+          <p:nvPr/>
+        </p:nvSpPr>
+        <p:spPr bwMode="auto">
+          <a:xfrm>
+            <a:off x="2627784" y="1715236"/>
+            <a:ext cx="216000" cy="216000"/>
+          </a:xfrm>
+          <a:prstGeom prst="ellipse">
+            <a:avLst/>
+          </a:prstGeom>
+          <a:solidFill>
+            <a:srgbClr val="7A51C5"/>
+          </a:solidFill>
+          <a:ln w="12700" cap="flat">
+            <a:solidFill>
+              <a:schemeClr val="bg1"/>
+            </a:solidFill>
+            <a:prstDash val="solid"/>
+            <a:miter lim="800000"/>
+            <a:headEnd type="none" w="med" len="med"/>
+            <a:tailEnd type="none" w="med" len="med"/>
+          </a:ln>
+          <a:effectLst/>
+        </p:spPr>
+        <p:txBody>
+          <a:bodyPr wrap="none" lIns="36000" tIns="36000" rIns="36000" bIns="36000" rtlCol="0" anchor="ctr" anchorCtr="1">
+            <a:noAutofit/>
+          </a:bodyPr>
+          <a:lstStyle/>
+          <a:p>
+            <a:pPr algn="ctr">
+              <a:lnSpc>
+                <a:spcPct val="90000"/>
+              </a:lnSpc>
+              <a:spcBef>
+                <a:spcPts val="500"/>
+              </a:spcBef>
+              <a:buClr>
+                <a:srgbClr val="585858"/>
+              </a:buClr>
+              <a:buSzPct val="100000"/>
+              <a:tabLst>
+                <a:tab pos="180975" algn="l"/>
+              </a:tabLst>
+            </a:pPr>
+            <a:r>
+              <a:rPr lang="de-DE" sz="1200" b="1" dirty="0" smtClean="0">
+                <a:solidFill>
+                  <a:srgbClr val="FFFFFF"/>
+                </a:solidFill>
+                <a:sym typeface="Arial" charset="0"/>
+              </a:rPr>
+              <a:t>V</a:t>
+            </a:r>
+          </a:p>
+        </p:txBody>
+      </p:sp>
+      <p:sp>
+        <p:nvSpPr>
+          <p:cNvPr id="19" name="Ellipse 18"/>
+          <p:cNvSpPr>
+            <a:spLocks noChangeAspect="1"/>
+          </p:cNvSpPr>
+          <p:nvPr/>
+        </p:nvSpPr>
+        <p:spPr bwMode="auto">
+          <a:xfrm>
+            <a:off x="2375780" y="4192845"/>
+            <a:ext cx="216000" cy="216000"/>
+          </a:xfrm>
+          <a:prstGeom prst="ellipse">
+            <a:avLst/>
+          </a:prstGeom>
+          <a:solidFill>
+            <a:srgbClr val="7A51C5"/>
+          </a:solidFill>
+          <a:ln w="12700" cap="flat">
+            <a:solidFill>
+              <a:schemeClr val="bg1"/>
+            </a:solidFill>
+            <a:prstDash val="solid"/>
+            <a:miter lim="800000"/>
+            <a:headEnd type="none" w="med" len="med"/>
+            <a:tailEnd type="none" w="med" len="med"/>
+          </a:ln>
+          <a:effectLst/>
+        </p:spPr>
+        <p:txBody>
+          <a:bodyPr wrap="none" lIns="36000" tIns="36000" rIns="36000" bIns="36000" rtlCol="0" anchor="ctr" anchorCtr="1">
+            <a:noAutofit/>
+          </a:bodyPr>
+          <a:lstStyle/>
+          <a:p>
+            <a:pPr algn="ctr">
+              <a:lnSpc>
+                <a:spcPct val="90000"/>
+              </a:lnSpc>
+              <a:spcBef>
+                <a:spcPts val="500"/>
+              </a:spcBef>
+              <a:buClr>
+                <a:srgbClr val="585858"/>
+              </a:buClr>
+              <a:buSzPct val="100000"/>
+              <a:tabLst>
+                <a:tab pos="180975" algn="l"/>
+              </a:tabLst>
+            </a:pPr>
+            <a:r>
+              <a:rPr lang="de-DE" sz="1200" b="1" dirty="0" smtClean="0">
+                <a:solidFill>
+                  <a:srgbClr val="FFFFFF"/>
+                </a:solidFill>
+                <a:sym typeface="Arial" charset="0"/>
+              </a:rPr>
+              <a:t>V</a:t>
+            </a:r>
+          </a:p>
+        </p:txBody>
+      </p:sp>
+      <p:sp>
+        <p:nvSpPr>
+          <p:cNvPr id="20" name="Ellipse 19"/>
+          <p:cNvSpPr>
+            <a:spLocks noChangeAspect="1"/>
+          </p:cNvSpPr>
+          <p:nvPr/>
+        </p:nvSpPr>
+        <p:spPr bwMode="auto">
+          <a:xfrm>
+            <a:off x="4680036" y="4192845"/>
+            <a:ext cx="216000" cy="216000"/>
+          </a:xfrm>
+          <a:prstGeom prst="ellipse">
+            <a:avLst/>
+          </a:prstGeom>
+          <a:solidFill>
+            <a:srgbClr val="7A51C5"/>
+          </a:solidFill>
+          <a:ln w="12700" cap="flat">
+            <a:solidFill>
+              <a:schemeClr val="bg1"/>
+            </a:solidFill>
+            <a:prstDash val="solid"/>
+            <a:miter lim="800000"/>
+            <a:headEnd type="none" w="med" len="med"/>
+            <a:tailEnd type="none" w="med" len="med"/>
+          </a:ln>
+          <a:effectLst/>
+        </p:spPr>
+        <p:txBody>
+          <a:bodyPr wrap="none" lIns="36000" tIns="36000" rIns="36000" bIns="36000" rtlCol="0" anchor="ctr" anchorCtr="1">
+            <a:noAutofit/>
+          </a:bodyPr>
+          <a:lstStyle/>
+          <a:p>
+            <a:pPr algn="ctr">
+              <a:lnSpc>
+                <a:spcPct val="90000"/>
+              </a:lnSpc>
+              <a:spcBef>
+                <a:spcPts val="500"/>
+              </a:spcBef>
+              <a:buClr>
+                <a:srgbClr val="585858"/>
+              </a:buClr>
+              <a:buSzPct val="100000"/>
+              <a:tabLst>
+                <a:tab pos="180975" algn="l"/>
+              </a:tabLst>
+            </a:pPr>
+            <a:r>
+              <a:rPr lang="de-DE" sz="1200" b="1" dirty="0" smtClean="0">
+                <a:solidFill>
+                  <a:srgbClr val="FFFFFF"/>
+                </a:solidFill>
+                <a:sym typeface="Arial" charset="0"/>
+              </a:rPr>
+              <a:t>V</a:t>
+            </a:r>
+          </a:p>
+        </p:txBody>
+      </p:sp>
+      <p:sp>
+        <p:nvSpPr>
+          <p:cNvPr id="21" name="Textfeld 20"/>
+          <p:cNvSpPr txBox="1"/>
+          <p:nvPr/>
+        </p:nvSpPr>
+        <p:spPr>
+          <a:xfrm>
+            <a:off x="1475656" y="3339676"/>
+            <a:ext cx="1260128" cy="318924"/>
+          </a:xfrm>
+          <a:prstGeom prst="rect">
+            <a:avLst/>
+          </a:prstGeom>
+          <a:noFill/>
+        </p:spPr>
+        <p:txBody>
+          <a:bodyPr wrap="square" lIns="36000" tIns="36000" rIns="36000" bIns="36000" rtlCol="0">
+            <a:spAutoFit/>
+          </a:bodyPr>
+          <a:lstStyle/>
+          <a:p>
+            <a:pPr>
+              <a:spcAft>
+                <a:spcPts val="600"/>
+              </a:spcAft>
+            </a:pPr>
+            <a:r>
+              <a:rPr lang="de-DE" sz="1600" dirty="0" smtClean="0">
+                <a:solidFill>
+                  <a:srgbClr val="005596"/>
+                </a:solidFill>
+              </a:rPr>
+              <a:t>Komposition</a:t>
+            </a:r>
+          </a:p>
+        </p:txBody>
+      </p:sp>
+      <p:cxnSp>
+        <p:nvCxnSpPr>
+          <p:cNvPr id="22" name="Gerade Verbindung 21"/>
+          <p:cNvCxnSpPr>
+            <a:stCxn id="21" idx="3"/>
+          </p:cNvCxnSpPr>
+          <p:nvPr/>
+        </p:nvCxnSpPr>
+        <p:spPr bwMode="auto">
+          <a:xfrm>
+            <a:off x="2735784" y="3499138"/>
+            <a:ext cx="491627" cy="0"/>
+          </a:xfrm>
+          <a:prstGeom prst="line">
+            <a:avLst/>
+          </a:prstGeom>
+          <a:solidFill>
+            <a:schemeClr val="accent1"/>
+          </a:solidFill>
+          <a:ln w="9525" cap="flat" cmpd="sng" algn="ctr">
+            <a:solidFill>
+              <a:schemeClr val="tx1"/>
+            </a:solidFill>
+            <a:prstDash val="solid"/>
+            <a:round/>
+            <a:headEnd type="none" w="med" len="med"/>
+            <a:tailEnd type="none" w="med" len="med"/>
+          </a:ln>
+          <a:effectLst/>
+        </p:spPr>
+      </p:cxnSp>
+      <p:sp>
+        <p:nvSpPr>
+          <p:cNvPr id="24" name="Textfeld 23"/>
+          <p:cNvSpPr txBox="1"/>
+          <p:nvPr/>
+        </p:nvSpPr>
+        <p:spPr>
+          <a:xfrm>
+            <a:off x="6590474" y="3361788"/>
+            <a:ext cx="1260128" cy="318924"/>
+          </a:xfrm>
+          <a:prstGeom prst="rect">
+            <a:avLst/>
+          </a:prstGeom>
+          <a:noFill/>
+        </p:spPr>
+        <p:txBody>
+          <a:bodyPr wrap="square" lIns="36000" tIns="36000" rIns="36000" bIns="36000" rtlCol="0">
+            <a:spAutoFit/>
+          </a:bodyPr>
+          <a:lstStyle/>
+          <a:p>
+            <a:pPr>
+              <a:spcAft>
+                <a:spcPts val="600"/>
+              </a:spcAft>
+            </a:pPr>
+            <a:r>
+              <a:rPr lang="de-DE" sz="1600" dirty="0" smtClean="0">
+                <a:solidFill>
+                  <a:srgbClr val="005596"/>
+                </a:solidFill>
+              </a:rPr>
+              <a:t>Komposition</a:t>
+            </a:r>
+          </a:p>
+        </p:txBody>
+      </p:sp>
+      <p:cxnSp>
+        <p:nvCxnSpPr>
+          <p:cNvPr id="25" name="Gerade Verbindung 24"/>
+          <p:cNvCxnSpPr/>
+          <p:nvPr/>
+        </p:nvCxnSpPr>
+        <p:spPr bwMode="auto">
+          <a:xfrm>
+            <a:off x="5903559" y="3508183"/>
+            <a:ext cx="491627" cy="0"/>
+          </a:xfrm>
+          <a:prstGeom prst="line">
+            <a:avLst/>
+          </a:prstGeom>
+          <a:solidFill>
+            <a:schemeClr val="accent1"/>
+          </a:solidFill>
+          <a:ln w="9525" cap="flat" cmpd="sng" algn="ctr">
+            <a:solidFill>
+              <a:schemeClr val="tx1"/>
+            </a:solidFill>
+            <a:prstDash val="solid"/>
+            <a:round/>
+            <a:headEnd type="none" w="med" len="med"/>
+            <a:tailEnd type="none" w="med" len="med"/>
+          </a:ln>
+          <a:effectLst/>
+        </p:spPr>
+      </p:cxnSp>
+      <p:sp>
+        <p:nvSpPr>
+          <p:cNvPr id="27" name="Textfeld 26"/>
+          <p:cNvSpPr txBox="1"/>
+          <p:nvPr/>
+        </p:nvSpPr>
+        <p:spPr>
+          <a:xfrm>
+            <a:off x="1632115" y="5265204"/>
+            <a:ext cx="5873454" cy="565146"/>
+          </a:xfrm>
+          <a:prstGeom prst="rect">
+            <a:avLst/>
+          </a:prstGeom>
+          <a:noFill/>
+        </p:spPr>
+        <p:txBody>
+          <a:bodyPr wrap="square" lIns="36000" tIns="36000" rIns="36000" bIns="36000" rtlCol="0">
+            <a:spAutoFit/>
+          </a:bodyPr>
+          <a:lstStyle/>
+          <a:p>
+            <a:pPr>
+              <a:spcAft>
+                <a:spcPts val="600"/>
+              </a:spcAft>
+            </a:pPr>
+            <a:r>
+              <a:rPr lang="de-DE" sz="1600" dirty="0" smtClean="0">
+                <a:solidFill>
+                  <a:srgbClr val="005596"/>
+                </a:solidFill>
+              </a:rPr>
+              <a:t>Hausratgrunddeckung und Hausratzusatzdeckungen sind Bestandsteile des Hausratvertrags.</a:t>
+            </a:r>
+          </a:p>
+        </p:txBody>
+      </p:sp>
+      <p:sp>
+        <p:nvSpPr>
+          <p:cNvPr id="2" name="Foliennummernplatzhalter 1"/>
+          <p:cNvSpPr>
+            <a:spLocks noGrp="1"/>
+          </p:cNvSpPr>
+          <p:nvPr>
+            <p:ph type="sldNum" sz="quarter" idx="4"/>
+          </p:nvPr>
+        </p:nvSpPr>
+        <p:spPr/>
+        <p:txBody>
+          <a:bodyPr/>
+          <a:lstStyle/>
+          <a:p>
+            <a:r>
+              <a:rPr lang="de-DE" smtClean="0"/>
+              <a:t>II-</a:t>
+            </a:r>
+            <a:fld id="{21FBF85A-D7A6-488B-8C2B-F7E0D6843921}" type="slidenum">
+              <a:rPr lang="de-DE" smtClean="0"/>
+              <a:pPr/>
+              <a:t>4</a:t>
+            </a:fld>
+            <a:endParaRPr lang="de-DE" dirty="0"/>
+          </a:p>
+        </p:txBody>
+      </p:sp>
+    </p:spTree>
+    <p:extLst>
+      <p:ext uri="{BB962C8B-B14F-4D97-AF65-F5344CB8AC3E}">
+        <p14:creationId xmlns:p14="http://schemas.microsoft.com/office/powerpoint/2010/main" val="759125105"/>
+      </p:ext>
+    </p:extLst>
+  </p:cSld>
+  <p:clrMapOvr>
+    <a:masterClrMapping/>
+  </p:clrMapOvr>
+  <p:transition spd="slow">
+    <p:fade/>
+  </p:transition>
+</p:sld>
+</file>
+
+<file path=ppt/slides/slide5.xml><?xml version="1.0" encoding="utf-8"?>
+<p:sld xmlns:a="http://schemas.openxmlformats.org/drawingml/2006/main" xmlns:r="http://schemas.openxmlformats.org/officeDocument/2006/relationships" xmlns:p="http://schemas.openxmlformats.org/presentationml/2006/main">
+  <p:cSld>
+    <p:spTree>
+      <p:nvGrpSpPr>
+        <p:cNvPr id="1" name=""/>
+        <p:cNvGrpSpPr/>
+        <p:nvPr/>
+      </p:nvGrpSpPr>
+      <p:grpSpPr>
+        <a:xfrm>
+          <a:off x="0" y="0"/>
+          <a:ext cx="0" cy="0"/>
+          <a:chOff x="0" y="0"/>
+          <a:chExt cx="0" cy="0"/>
+        </a:xfrm>
+      </p:grpSpPr>
+      <p:sp>
+        <p:nvSpPr>
+          <p:cNvPr id="3" name="Rechteck 2"/>
+          <p:cNvSpPr/>
+          <p:nvPr/>
+        </p:nvSpPr>
+        <p:spPr bwMode="auto">
+          <a:xfrm>
+            <a:off x="359532" y="1376772"/>
+            <a:ext cx="6480720" cy="4140460"/>
+          </a:xfrm>
+          <a:prstGeom prst="rect">
+            <a:avLst/>
+          </a:prstGeom>
+          <a:solidFill>
+            <a:schemeClr val="bg1"/>
+          </a:solidFill>
+          <a:ln w="12700" cap="flat">
+            <a:solidFill>
+              <a:schemeClr val="tx2"/>
+            </a:solidFill>
+            <a:prstDash val="solid"/>
+            <a:miter lim="800000"/>
+            <a:headEnd type="none" w="med" len="med"/>
+            <a:tailEnd type="none" w="med" len="med"/>
+          </a:ln>
+          <a:effectLst/>
+        </p:spPr>
+        <p:txBody>
+          <a:bodyPr lIns="72000" tIns="72000" rIns="72000" bIns="72000" rtlCol="0" anchor="t"/>
+          <a:lstStyle/>
+          <a:p>
+            <a:pPr>
+              <a:lnSpc>
+                <a:spcPct val="90000"/>
+              </a:lnSpc>
+              <a:spcBef>
+                <a:spcPts val="500"/>
+              </a:spcBef>
+              <a:buClr>
+                <a:srgbClr val="585858"/>
+              </a:buClr>
+              <a:buSzPct val="100000"/>
+              <a:tabLst>
+                <a:tab pos="180975" algn="l"/>
+              </a:tabLst>
+            </a:pPr>
+            <a:r>
+              <a:rPr lang="de-DE" sz="1600" dirty="0" smtClean="0">
+                <a:solidFill>
+                  <a:srgbClr val="585858"/>
+                </a:solidFill>
+                <a:sym typeface="Arial" charset="0"/>
+              </a:rPr>
+              <a:t>Aggregat Hausratvertrag</a:t>
+            </a:r>
+          </a:p>
+        </p:txBody>
+      </p:sp>
+      <p:sp>
+        <p:nvSpPr>
+          <p:cNvPr id="4" name="Datumsplatzhalter 3"/>
+          <p:cNvSpPr>
+            <a:spLocks noGrp="1"/>
+          </p:cNvSpPr>
+          <p:nvPr>
+            <p:ph type="dt" sz="half" idx="2"/>
+          </p:nvPr>
+        </p:nvSpPr>
+        <p:spPr/>
+        <p:txBody>
+          <a:bodyPr/>
+          <a:lstStyle/>
+          <a:p>
+            <a:fld id="{2AD733AC-C3E4-4DF9-846A-0B1021A72F27}" type="datetime1">
+              <a:rPr lang="de-DE" smtClean="0">
+                <a:solidFill>
+                  <a:srgbClr val="FFFFFF"/>
+                </a:solidFill>
+              </a:rPr>
+              <a:t>17.05.2013</a:t>
+            </a:fld>
+            <a:endParaRPr lang="de-DE" dirty="0">
+              <a:solidFill>
+                <a:srgbClr val="FFFFFF"/>
+              </a:solidFill>
+            </a:endParaRPr>
+          </a:p>
+        </p:txBody>
+      </p:sp>
+      <p:sp>
+        <p:nvSpPr>
+          <p:cNvPr id="5" name="Titel 4"/>
+          <p:cNvSpPr>
+            <a:spLocks noGrp="1"/>
+          </p:cNvSpPr>
+          <p:nvPr>
+            <p:ph type="title"/>
+          </p:nvPr>
+        </p:nvSpPr>
+        <p:spPr/>
+        <p:txBody>
+          <a:bodyPr/>
+          <a:lstStyle/>
+          <a:p>
+            <a:r>
+              <a:rPr lang="de-DE" dirty="0" smtClean="0"/>
+              <a:t>Aggregat &amp; Wurzel des Aggregates</a:t>
+            </a:r>
+            <a:endParaRPr lang="de-DE" dirty="0"/>
+          </a:p>
+        </p:txBody>
+      </p:sp>
+      <p:sp>
+        <p:nvSpPr>
+          <p:cNvPr id="6" name="Rectangle 5"/>
+          <p:cNvSpPr>
+            <a:spLocks noChangeArrowheads="1"/>
+          </p:cNvSpPr>
+          <p:nvPr>
+            <p:custDataLst>
+              <p:tags r:id="rId1"/>
+            </p:custDataLst>
+          </p:nvPr>
+        </p:nvSpPr>
+        <p:spPr bwMode="auto">
+          <a:xfrm>
+            <a:off x="2550410" y="2329386"/>
+            <a:ext cx="4040064" cy="628734"/>
+          </a:xfrm>
+          <a:prstGeom prst="rect">
+            <a:avLst/>
+          </a:prstGeom>
+          <a:solidFill>
+            <a:schemeClr val="bg1"/>
+          </a:solidFill>
+          <a:ln w="12700">
+            <a:solidFill>
+              <a:schemeClr val="tx1"/>
+            </a:solidFill>
+            <a:miter lim="800000"/>
+            <a:headEnd/>
+            <a:tailEnd/>
+          </a:ln>
+          <a:effectLst/>
+        </p:spPr>
+        <p:txBody>
+          <a:bodyPr wrap="square" lIns="182880" tIns="182880" rIns="182880" bIns="182880" anchor="t" anchorCtr="0"/>
+          <a:lstStyle/>
+          <a:p>
+            <a:pPr defTabSz="971550">
+              <a:spcBef>
+                <a:spcPts val="0"/>
+              </a:spcBef>
+              <a:spcAft>
+                <a:spcPts val="600"/>
+              </a:spcAft>
+              <a:buClr>
+                <a:srgbClr val="005596"/>
+              </a:buClr>
+            </a:pPr>
+            <a:endParaRPr lang="en-US" sz="1200" dirty="0">
+              <a:solidFill>
+                <a:srgbClr val="005596"/>
+              </a:solidFill>
+            </a:endParaRPr>
+          </a:p>
+        </p:txBody>
+      </p:sp>
+      <p:sp>
+        <p:nvSpPr>
+          <p:cNvPr id="7" name="Rectangle 6"/>
+          <p:cNvSpPr>
+            <a:spLocks noChangeArrowheads="1"/>
+          </p:cNvSpPr>
+          <p:nvPr>
+            <p:custDataLst>
+              <p:tags r:id="rId2"/>
+            </p:custDataLst>
+          </p:nvPr>
+        </p:nvSpPr>
+        <p:spPr bwMode="auto">
+          <a:xfrm>
+            <a:off x="2547211" y="1959503"/>
+            <a:ext cx="4043263" cy="369881"/>
+          </a:xfrm>
+          <a:prstGeom prst="rect">
+            <a:avLst/>
+          </a:prstGeom>
+          <a:solidFill>
+            <a:srgbClr val="7A51C5"/>
+          </a:solidFill>
+          <a:ln w="9525">
+            <a:solidFill>
+              <a:schemeClr val="tx1"/>
+            </a:solidFill>
+            <a:miter lim="800000"/>
+            <a:headEnd/>
+            <a:tailEnd/>
+          </a:ln>
+          <a:effectLst/>
+        </p:spPr>
+        <p:txBody>
+          <a:bodyPr wrap="square" lIns="91440" tIns="91440" rIns="91440" bIns="91440" anchor="ctr"/>
+          <a:lstStyle/>
+          <a:p>
+            <a:pPr algn="ctr" defTabSz="857250">
+              <a:spcBef>
+                <a:spcPts val="0"/>
+              </a:spcBef>
+              <a:spcAft>
+                <a:spcPts val="600"/>
+              </a:spcAft>
+            </a:pPr>
+            <a:r>
+              <a:rPr lang="en-US" sz="1200" dirty="0" err="1" smtClean="0">
+                <a:solidFill>
+                  <a:srgbClr val="FFFFFF"/>
+                </a:solidFill>
+              </a:rPr>
+              <a:t>HausratVertrag</a:t>
+            </a:r>
+            <a:endParaRPr lang="en-US" sz="1200" dirty="0" smtClean="0">
+              <a:solidFill>
+                <a:srgbClr val="FFFFFF"/>
+              </a:solidFill>
+            </a:endParaRPr>
+          </a:p>
+        </p:txBody>
+      </p:sp>
+      <p:sp>
+        <p:nvSpPr>
+          <p:cNvPr id="8" name="Raute 7"/>
+          <p:cNvSpPr/>
+          <p:nvPr>
+            <p:custDataLst>
+              <p:tags r:id="rId3"/>
+            </p:custDataLst>
+          </p:nvPr>
+        </p:nvSpPr>
+        <p:spPr bwMode="gray">
+          <a:xfrm>
+            <a:off x="3227411" y="2997721"/>
+            <a:ext cx="259431" cy="410009"/>
+          </a:xfrm>
+          <a:prstGeom prst="diamond">
+            <a:avLst/>
+          </a:prstGeom>
+          <a:solidFill>
+            <a:srgbClr val="7A51C5"/>
+          </a:solidFill>
+          <a:ln w="19050" cap="flat" cmpd="sng" algn="ctr">
+            <a:solidFill>
+              <a:schemeClr val="accent1"/>
+            </a:solidFill>
+            <a:prstDash val="solid"/>
+            <a:round/>
+            <a:headEnd type="none" w="med" len="med"/>
+            <a:tailEnd type="none" w="med" len="med"/>
+          </a:ln>
+          <a:effectLst/>
+        </p:spPr>
+        <p:txBody>
+          <a:bodyPr vert="horz" wrap="square" lIns="72000" tIns="72000" rIns="72000" bIns="72000" numCol="1" rtlCol="0" anchor="ctr" anchorCtr="0" compatLnSpc="1">
+            <a:prstTxWarp prst="textNoShape">
+              <a:avLst/>
+            </a:prstTxWarp>
+          </a:bodyPr>
+          <a:lstStyle/>
+          <a:p>
+            <a:pPr eaLnBrk="0" hangingPunct="0">
+              <a:spcBef>
+                <a:spcPct val="50000"/>
+              </a:spcBef>
+              <a:buClr>
+                <a:srgbClr val="39A9DC"/>
+              </a:buClr>
+              <a:buSzPct val="80000"/>
+              <a:buFont typeface="Wingdings" pitchFamily="2" charset="2"/>
+              <a:buNone/>
+            </a:pPr>
+            <a:endParaRPr lang="en-US" sz="1800" smtClean="0">
+              <a:solidFill>
+                <a:srgbClr val="005596"/>
+              </a:solidFill>
+            </a:endParaRPr>
+          </a:p>
+        </p:txBody>
+      </p:sp>
+      <p:sp>
+        <p:nvSpPr>
+          <p:cNvPr id="9" name="Raute 8"/>
+          <p:cNvSpPr/>
+          <p:nvPr>
+            <p:custDataLst>
+              <p:tags r:id="rId4"/>
+            </p:custDataLst>
+          </p:nvPr>
+        </p:nvSpPr>
+        <p:spPr bwMode="gray">
+          <a:xfrm>
+            <a:off x="5532541" y="2997721"/>
+            <a:ext cx="259431" cy="410009"/>
+          </a:xfrm>
+          <a:prstGeom prst="diamond">
+            <a:avLst/>
+          </a:prstGeom>
+          <a:solidFill>
+            <a:srgbClr val="7A51C5"/>
+          </a:solidFill>
+          <a:ln w="19050" cap="flat" cmpd="sng" algn="ctr">
+            <a:solidFill>
+              <a:schemeClr val="accent1"/>
+            </a:solidFill>
+            <a:prstDash val="solid"/>
+            <a:round/>
+            <a:headEnd type="none" w="med" len="med"/>
+            <a:tailEnd type="none" w="med" len="med"/>
+          </a:ln>
+          <a:effectLst/>
+        </p:spPr>
+        <p:txBody>
+          <a:bodyPr vert="horz" wrap="square" lIns="72000" tIns="72000" rIns="72000" bIns="72000" numCol="1" rtlCol="0" anchor="ctr" anchorCtr="0" compatLnSpc="1">
+            <a:prstTxWarp prst="textNoShape">
+              <a:avLst/>
+            </a:prstTxWarp>
+          </a:bodyPr>
+          <a:lstStyle/>
+          <a:p>
+            <a:pPr eaLnBrk="0" hangingPunct="0">
+              <a:spcBef>
+                <a:spcPct val="50000"/>
+              </a:spcBef>
+              <a:buClr>
+                <a:srgbClr val="39A9DC"/>
+              </a:buClr>
+              <a:buSzPct val="80000"/>
+              <a:buFont typeface="Wingdings" pitchFamily="2" charset="2"/>
+              <a:buNone/>
+            </a:pPr>
+            <a:endParaRPr lang="en-US" sz="1800" smtClean="0">
+              <a:solidFill>
+                <a:srgbClr val="005596"/>
+              </a:solidFill>
+            </a:endParaRPr>
+          </a:p>
+        </p:txBody>
+      </p:sp>
+      <p:cxnSp>
+        <p:nvCxnSpPr>
+          <p:cNvPr id="10" name="Gerade Verbindung 9"/>
+          <p:cNvCxnSpPr/>
+          <p:nvPr/>
+        </p:nvCxnSpPr>
+        <p:spPr bwMode="auto">
+          <a:xfrm flipH="1">
+            <a:off x="3357126" y="3407730"/>
+            <a:ext cx="1" cy="1008000"/>
+          </a:xfrm>
+          <a:prstGeom prst="line">
+            <a:avLst/>
+          </a:prstGeom>
+          <a:solidFill>
+            <a:schemeClr val="accent1"/>
+          </a:solidFill>
+          <a:ln w="9525" cap="flat" cmpd="sng" algn="ctr">
+            <a:solidFill>
+              <a:schemeClr val="tx1"/>
+            </a:solidFill>
+            <a:prstDash val="solid"/>
+            <a:round/>
+            <a:headEnd type="none" w="med" len="med"/>
+            <a:tailEnd type="none" w="med" len="med"/>
+          </a:ln>
+          <a:effectLst/>
+        </p:spPr>
+      </p:cxnSp>
+      <p:cxnSp>
+        <p:nvCxnSpPr>
+          <p:cNvPr id="11" name="Gerade Verbindung 10"/>
+          <p:cNvCxnSpPr/>
+          <p:nvPr/>
+        </p:nvCxnSpPr>
+        <p:spPr bwMode="auto">
+          <a:xfrm flipH="1">
+            <a:off x="5662256" y="3407730"/>
+            <a:ext cx="1" cy="1008000"/>
+          </a:xfrm>
+          <a:prstGeom prst="line">
+            <a:avLst/>
+          </a:prstGeom>
+          <a:solidFill>
+            <a:schemeClr val="accent1"/>
+          </a:solidFill>
+          <a:ln w="9525" cap="flat" cmpd="sng" algn="ctr">
+            <a:solidFill>
+              <a:schemeClr val="tx1"/>
+            </a:solidFill>
+            <a:prstDash val="solid"/>
+            <a:round/>
+            <a:headEnd type="none" w="med" len="med"/>
+            <a:tailEnd type="none" w="med" len="med"/>
+          </a:ln>
+          <a:effectLst/>
+        </p:spPr>
+      </p:cxnSp>
+      <p:sp>
+        <p:nvSpPr>
+          <p:cNvPr id="12" name="Rectangle 5"/>
+          <p:cNvSpPr>
+            <a:spLocks noChangeArrowheads="1"/>
+          </p:cNvSpPr>
+          <p:nvPr>
+            <p:custDataLst>
+              <p:tags r:id="rId5"/>
+            </p:custDataLst>
+          </p:nvPr>
+        </p:nvSpPr>
+        <p:spPr bwMode="auto">
+          <a:xfrm>
+            <a:off x="4636256" y="4806995"/>
+            <a:ext cx="2052000" cy="494213"/>
+          </a:xfrm>
+          <a:prstGeom prst="rect">
+            <a:avLst/>
+          </a:prstGeom>
+          <a:solidFill>
+            <a:schemeClr val="bg1"/>
+          </a:solidFill>
+          <a:ln w="12700">
+            <a:solidFill>
+              <a:schemeClr val="tx1"/>
+            </a:solidFill>
+            <a:miter lim="800000"/>
+            <a:headEnd/>
+            <a:tailEnd/>
+          </a:ln>
+          <a:effectLst/>
+        </p:spPr>
+        <p:txBody>
+          <a:bodyPr wrap="square" lIns="182880" tIns="182880" rIns="182880" bIns="182880" anchor="t" anchorCtr="0"/>
+          <a:lstStyle/>
+          <a:p>
+            <a:pPr defTabSz="971550">
+              <a:spcBef>
+                <a:spcPts val="0"/>
+              </a:spcBef>
+              <a:spcAft>
+                <a:spcPts val="0"/>
+              </a:spcAft>
+              <a:buClr>
+                <a:srgbClr val="005596"/>
+              </a:buClr>
+            </a:pPr>
+            <a:endParaRPr lang="en-US" sz="1200" dirty="0">
+              <a:solidFill>
+                <a:srgbClr val="005596"/>
+              </a:solidFill>
+            </a:endParaRPr>
+          </a:p>
+        </p:txBody>
+      </p:sp>
+      <p:sp>
+        <p:nvSpPr>
+          <p:cNvPr id="13" name="Rectangle 6"/>
+          <p:cNvSpPr>
+            <a:spLocks noChangeArrowheads="1"/>
+          </p:cNvSpPr>
+          <p:nvPr>
+            <p:custDataLst>
+              <p:tags r:id="rId6"/>
+            </p:custDataLst>
+          </p:nvPr>
+        </p:nvSpPr>
+        <p:spPr bwMode="auto">
+          <a:xfrm>
+            <a:off x="4636256" y="4437112"/>
+            <a:ext cx="2052000" cy="369881"/>
+          </a:xfrm>
+          <a:prstGeom prst="rect">
+            <a:avLst/>
+          </a:prstGeom>
+          <a:solidFill>
+            <a:srgbClr val="7A51C5"/>
+          </a:solidFill>
+          <a:ln w="9525">
+            <a:solidFill>
+              <a:schemeClr val="tx1"/>
+            </a:solidFill>
+            <a:miter lim="800000"/>
+            <a:headEnd/>
+            <a:tailEnd/>
+          </a:ln>
+          <a:effectLst/>
+        </p:spPr>
+        <p:txBody>
+          <a:bodyPr wrap="square" lIns="91440" tIns="91440" rIns="91440" bIns="91440" anchor="ctr"/>
+          <a:lstStyle/>
+          <a:p>
+            <a:pPr algn="ctr" defTabSz="857250">
+              <a:spcBef>
+                <a:spcPts val="0"/>
+              </a:spcBef>
+              <a:spcAft>
+                <a:spcPts val="600"/>
+              </a:spcAft>
+            </a:pPr>
+            <a:r>
+              <a:rPr lang="en-US" sz="1200" dirty="0" smtClean="0">
+                <a:solidFill>
+                  <a:srgbClr val="FFFFFF"/>
+                </a:solidFill>
+              </a:rPr>
+              <a:t> </a:t>
+            </a:r>
+            <a:r>
+              <a:rPr lang="en-US" sz="1200" dirty="0" err="1" smtClean="0">
+                <a:solidFill>
+                  <a:srgbClr val="FFFFFF"/>
+                </a:solidFill>
+              </a:rPr>
+              <a:t>HausratZusatzdeckung</a:t>
+            </a:r>
+            <a:endParaRPr lang="en-US" sz="1200" dirty="0" smtClean="0">
+              <a:solidFill>
+                <a:srgbClr val="FFFFFF"/>
+              </a:solidFill>
+            </a:endParaRPr>
+          </a:p>
+        </p:txBody>
+      </p:sp>
+      <p:sp>
+        <p:nvSpPr>
+          <p:cNvPr id="14" name="Rectangle 6"/>
+          <p:cNvSpPr>
+            <a:spLocks noChangeArrowheads="1"/>
+          </p:cNvSpPr>
+          <p:nvPr>
+            <p:custDataLst>
+              <p:tags r:id="rId7"/>
+            </p:custDataLst>
+          </p:nvPr>
+        </p:nvSpPr>
+        <p:spPr bwMode="auto">
+          <a:xfrm>
+            <a:off x="2331126" y="4437112"/>
+            <a:ext cx="2052000" cy="369881"/>
+          </a:xfrm>
+          <a:prstGeom prst="rect">
+            <a:avLst/>
+          </a:prstGeom>
+          <a:solidFill>
+            <a:srgbClr val="7A51C5"/>
+          </a:solidFill>
+          <a:ln w="9525">
+            <a:solidFill>
+              <a:schemeClr val="tx1"/>
+            </a:solidFill>
+            <a:miter lim="800000"/>
+            <a:headEnd/>
+            <a:tailEnd/>
+          </a:ln>
+          <a:effectLst/>
+        </p:spPr>
+        <p:txBody>
+          <a:bodyPr wrap="square" lIns="91440" tIns="91440" rIns="91440" bIns="91440" anchor="ctr"/>
+          <a:lstStyle/>
+          <a:p>
+            <a:pPr algn="ctr" defTabSz="857250">
+              <a:spcBef>
+                <a:spcPts val="0"/>
+              </a:spcBef>
+              <a:spcAft>
+                <a:spcPts val="600"/>
+              </a:spcAft>
+            </a:pPr>
+            <a:r>
+              <a:rPr lang="en-US" sz="1200" dirty="0" err="1" smtClean="0">
+                <a:solidFill>
+                  <a:srgbClr val="FFFFFF"/>
+                </a:solidFill>
+              </a:rPr>
+              <a:t>HausratGrunddeckung</a:t>
+            </a:r>
+            <a:endParaRPr lang="en-US" sz="1200" dirty="0">
+              <a:solidFill>
+                <a:srgbClr val="FFFFFF"/>
+              </a:solidFill>
+            </a:endParaRPr>
+          </a:p>
+        </p:txBody>
+      </p:sp>
+      <p:sp>
+        <p:nvSpPr>
+          <p:cNvPr id="15" name="Textfeld 14"/>
+          <p:cNvSpPr txBox="1"/>
+          <p:nvPr/>
+        </p:nvSpPr>
+        <p:spPr>
+          <a:xfrm>
+            <a:off x="3375993" y="4045635"/>
+            <a:ext cx="223174" cy="318924"/>
+          </a:xfrm>
+          <a:prstGeom prst="rect">
+            <a:avLst/>
+          </a:prstGeom>
+          <a:noFill/>
+        </p:spPr>
+        <p:txBody>
+          <a:bodyPr wrap="square" lIns="36000" tIns="36000" rIns="36000" bIns="36000" rtlCol="0">
+            <a:spAutoFit/>
+          </a:bodyPr>
+          <a:lstStyle/>
+          <a:p>
+            <a:pPr>
+              <a:spcAft>
+                <a:spcPts val="600"/>
+              </a:spcAft>
+            </a:pPr>
+            <a:r>
+              <a:rPr lang="de-DE" sz="1600" dirty="0" smtClean="0">
+                <a:solidFill>
+                  <a:srgbClr val="005596"/>
+                </a:solidFill>
+              </a:rPr>
+              <a:t>1</a:t>
+            </a:r>
+            <a:endParaRPr lang="pt-BR" sz="1600" dirty="0" err="1" smtClean="0">
+              <a:solidFill>
+                <a:srgbClr val="005596"/>
+              </a:solidFill>
+            </a:endParaRPr>
+          </a:p>
+        </p:txBody>
+      </p:sp>
+      <p:sp>
+        <p:nvSpPr>
+          <p:cNvPr id="16" name="Textfeld 15"/>
+          <p:cNvSpPr txBox="1"/>
+          <p:nvPr/>
+        </p:nvSpPr>
+        <p:spPr>
+          <a:xfrm>
+            <a:off x="5680385" y="3979807"/>
+            <a:ext cx="223174" cy="318924"/>
+          </a:xfrm>
+          <a:prstGeom prst="rect">
+            <a:avLst/>
+          </a:prstGeom>
+          <a:noFill/>
+        </p:spPr>
+        <p:txBody>
+          <a:bodyPr wrap="square" lIns="36000" tIns="36000" rIns="36000" bIns="36000" rtlCol="0">
+            <a:spAutoFit/>
+          </a:bodyPr>
+          <a:lstStyle/>
+          <a:p>
+            <a:pPr>
+              <a:spcAft>
+                <a:spcPts val="600"/>
+              </a:spcAft>
+            </a:pPr>
+            <a:r>
+              <a:rPr lang="de-DE" sz="1600" dirty="0">
+                <a:solidFill>
+                  <a:srgbClr val="005596"/>
+                </a:solidFill>
+              </a:rPr>
+              <a:t>*</a:t>
+            </a:r>
+            <a:endParaRPr lang="pt-BR" sz="1600" dirty="0" err="1" smtClean="0">
+              <a:solidFill>
+                <a:srgbClr val="005596"/>
+              </a:solidFill>
+            </a:endParaRPr>
+          </a:p>
+        </p:txBody>
+      </p:sp>
+      <p:sp>
+        <p:nvSpPr>
+          <p:cNvPr id="17" name="Rectangle 5"/>
+          <p:cNvSpPr>
+            <a:spLocks noChangeArrowheads="1"/>
+          </p:cNvSpPr>
+          <p:nvPr>
+            <p:custDataLst>
+              <p:tags r:id="rId8"/>
+            </p:custDataLst>
+          </p:nvPr>
+        </p:nvSpPr>
+        <p:spPr bwMode="auto">
+          <a:xfrm>
+            <a:off x="2331126" y="4806995"/>
+            <a:ext cx="2052000" cy="494213"/>
+          </a:xfrm>
+          <a:prstGeom prst="rect">
+            <a:avLst/>
+          </a:prstGeom>
+          <a:solidFill>
+            <a:schemeClr val="bg1"/>
+          </a:solidFill>
+          <a:ln w="12700">
+            <a:solidFill>
+              <a:schemeClr val="tx1"/>
+            </a:solidFill>
+            <a:miter lim="800000"/>
+            <a:headEnd/>
+            <a:tailEnd/>
+          </a:ln>
+          <a:effectLst/>
+        </p:spPr>
+        <p:txBody>
+          <a:bodyPr wrap="square" lIns="182880" tIns="182880" rIns="182880" bIns="182880" anchor="t" anchorCtr="0"/>
+          <a:lstStyle/>
+          <a:p>
+            <a:pPr defTabSz="971550">
+              <a:spcBef>
+                <a:spcPts val="0"/>
+              </a:spcBef>
+              <a:spcAft>
+                <a:spcPts val="0"/>
+              </a:spcAft>
+              <a:buClr>
+                <a:srgbClr val="005596"/>
+              </a:buClr>
+            </a:pPr>
+            <a:endParaRPr lang="en-US" sz="1200" dirty="0">
+              <a:solidFill>
+                <a:srgbClr val="005596"/>
+              </a:solidFill>
+            </a:endParaRPr>
+          </a:p>
+        </p:txBody>
+      </p:sp>
+      <p:sp>
+        <p:nvSpPr>
+          <p:cNvPr id="18" name="Ellipse 17"/>
+          <p:cNvSpPr>
+            <a:spLocks noChangeAspect="1"/>
+          </p:cNvSpPr>
+          <p:nvPr/>
+        </p:nvSpPr>
+        <p:spPr bwMode="auto">
+          <a:xfrm>
+            <a:off x="2627784" y="2036443"/>
+            <a:ext cx="216000" cy="216000"/>
+          </a:xfrm>
+          <a:prstGeom prst="ellipse">
+            <a:avLst/>
+          </a:prstGeom>
+          <a:solidFill>
+            <a:srgbClr val="7A51C5"/>
+          </a:solidFill>
+          <a:ln w="12700" cap="flat">
+            <a:solidFill>
+              <a:schemeClr val="bg1"/>
+            </a:solidFill>
+            <a:prstDash val="solid"/>
+            <a:miter lim="800000"/>
+            <a:headEnd type="none" w="med" len="med"/>
+            <a:tailEnd type="none" w="med" len="med"/>
+          </a:ln>
+          <a:effectLst/>
+        </p:spPr>
+        <p:txBody>
+          <a:bodyPr wrap="none" lIns="36000" tIns="36000" rIns="36000" bIns="36000" rtlCol="0" anchor="ctr" anchorCtr="1">
+            <a:noAutofit/>
+          </a:bodyPr>
+          <a:lstStyle/>
+          <a:p>
+            <a:pPr algn="ctr">
+              <a:lnSpc>
+                <a:spcPct val="90000"/>
+              </a:lnSpc>
+              <a:spcBef>
+                <a:spcPts val="500"/>
+              </a:spcBef>
+              <a:buClr>
+                <a:srgbClr val="585858"/>
+              </a:buClr>
+              <a:buSzPct val="100000"/>
+              <a:tabLst>
+                <a:tab pos="180975" algn="l"/>
+              </a:tabLst>
+            </a:pPr>
+            <a:r>
+              <a:rPr lang="de-DE" sz="1200" b="1" dirty="0" smtClean="0">
+                <a:solidFill>
+                  <a:srgbClr val="FFFFFF"/>
+                </a:solidFill>
+                <a:sym typeface="Arial" charset="0"/>
+              </a:rPr>
+              <a:t>V</a:t>
+            </a:r>
+          </a:p>
+        </p:txBody>
+      </p:sp>
+      <p:sp>
+        <p:nvSpPr>
+          <p:cNvPr id="19" name="Ellipse 18"/>
+          <p:cNvSpPr>
+            <a:spLocks noChangeAspect="1"/>
+          </p:cNvSpPr>
+          <p:nvPr/>
+        </p:nvSpPr>
+        <p:spPr bwMode="auto">
+          <a:xfrm>
+            <a:off x="2375780" y="4514052"/>
+            <a:ext cx="216000" cy="216000"/>
+          </a:xfrm>
+          <a:prstGeom prst="ellipse">
+            <a:avLst/>
+          </a:prstGeom>
+          <a:solidFill>
+            <a:srgbClr val="7A51C5"/>
+          </a:solidFill>
+          <a:ln w="12700" cap="flat">
+            <a:solidFill>
+              <a:schemeClr val="bg1"/>
+            </a:solidFill>
+            <a:prstDash val="solid"/>
+            <a:miter lim="800000"/>
+            <a:headEnd type="none" w="med" len="med"/>
+            <a:tailEnd type="none" w="med" len="med"/>
+          </a:ln>
+          <a:effectLst/>
+        </p:spPr>
+        <p:txBody>
+          <a:bodyPr wrap="none" lIns="36000" tIns="36000" rIns="36000" bIns="36000" rtlCol="0" anchor="ctr" anchorCtr="1">
+            <a:noAutofit/>
+          </a:bodyPr>
+          <a:lstStyle/>
+          <a:p>
+            <a:pPr algn="ctr">
+              <a:lnSpc>
+                <a:spcPct val="90000"/>
+              </a:lnSpc>
+              <a:spcBef>
+                <a:spcPts val="500"/>
+              </a:spcBef>
+              <a:buClr>
+                <a:srgbClr val="585858"/>
+              </a:buClr>
+              <a:buSzPct val="100000"/>
+              <a:tabLst>
+                <a:tab pos="180975" algn="l"/>
+              </a:tabLst>
+            </a:pPr>
+            <a:r>
+              <a:rPr lang="de-DE" sz="1200" b="1" dirty="0" smtClean="0">
+                <a:solidFill>
+                  <a:srgbClr val="FFFFFF"/>
+                </a:solidFill>
+                <a:sym typeface="Arial" charset="0"/>
+              </a:rPr>
+              <a:t>V</a:t>
+            </a:r>
+          </a:p>
+        </p:txBody>
+      </p:sp>
+      <p:sp>
+        <p:nvSpPr>
+          <p:cNvPr id="20" name="Ellipse 19"/>
+          <p:cNvSpPr>
+            <a:spLocks noChangeAspect="1"/>
+          </p:cNvSpPr>
+          <p:nvPr/>
+        </p:nvSpPr>
+        <p:spPr bwMode="auto">
+          <a:xfrm>
+            <a:off x="4680036" y="4514052"/>
+            <a:ext cx="216000" cy="216000"/>
+          </a:xfrm>
+          <a:prstGeom prst="ellipse">
+            <a:avLst/>
+          </a:prstGeom>
+          <a:solidFill>
+            <a:srgbClr val="7A51C5"/>
+          </a:solidFill>
+          <a:ln w="12700" cap="flat">
+            <a:solidFill>
+              <a:schemeClr val="bg1"/>
+            </a:solidFill>
+            <a:prstDash val="solid"/>
+            <a:miter lim="800000"/>
+            <a:headEnd type="none" w="med" len="med"/>
+            <a:tailEnd type="none" w="med" len="med"/>
+          </a:ln>
+          <a:effectLst/>
+        </p:spPr>
+        <p:txBody>
+          <a:bodyPr wrap="none" lIns="36000" tIns="36000" rIns="36000" bIns="36000" rtlCol="0" anchor="ctr" anchorCtr="1">
+            <a:noAutofit/>
+          </a:bodyPr>
+          <a:lstStyle/>
+          <a:p>
+            <a:pPr algn="ctr">
+              <a:lnSpc>
+                <a:spcPct val="90000"/>
+              </a:lnSpc>
+              <a:spcBef>
+                <a:spcPts val="500"/>
+              </a:spcBef>
+              <a:buClr>
+                <a:srgbClr val="585858"/>
+              </a:buClr>
+              <a:buSzPct val="100000"/>
+              <a:tabLst>
+                <a:tab pos="180975" algn="l"/>
+              </a:tabLst>
+            </a:pPr>
+            <a:r>
+              <a:rPr lang="de-DE" sz="1200" b="1" dirty="0" smtClean="0">
+                <a:solidFill>
+                  <a:srgbClr val="FFFFFF"/>
+                </a:solidFill>
+                <a:sym typeface="Arial" charset="0"/>
+              </a:rPr>
+              <a:t>V</a:t>
+            </a:r>
+          </a:p>
+        </p:txBody>
+      </p:sp>
+      <p:sp>
+        <p:nvSpPr>
+          <p:cNvPr id="26" name="Textfeld 25"/>
+          <p:cNvSpPr txBox="1"/>
+          <p:nvPr/>
+        </p:nvSpPr>
+        <p:spPr>
+          <a:xfrm>
+            <a:off x="7416316" y="2169924"/>
+            <a:ext cx="1260128" cy="642090"/>
+          </a:xfrm>
+          <a:prstGeom prst="rect">
+            <a:avLst/>
+          </a:prstGeom>
+          <a:noFill/>
+        </p:spPr>
+        <p:txBody>
+          <a:bodyPr wrap="square" lIns="36000" tIns="36000" rIns="36000" bIns="36000" rtlCol="0">
+            <a:spAutoFit/>
+          </a:bodyPr>
+          <a:lstStyle/>
+          <a:p>
+            <a:pPr>
+              <a:spcAft>
+                <a:spcPts val="600"/>
+              </a:spcAft>
+            </a:pPr>
+            <a:r>
+              <a:rPr lang="de-DE" sz="1600" dirty="0" smtClean="0">
+                <a:solidFill>
+                  <a:srgbClr val="005596"/>
+                </a:solidFill>
+              </a:rPr>
+              <a:t>Wurzel des </a:t>
+            </a:r>
+          </a:p>
+          <a:p>
+            <a:pPr>
+              <a:spcAft>
+                <a:spcPts val="600"/>
+              </a:spcAft>
+            </a:pPr>
+            <a:r>
+              <a:rPr lang="de-DE" sz="1600" dirty="0" smtClean="0">
+                <a:solidFill>
+                  <a:srgbClr val="005596"/>
+                </a:solidFill>
+              </a:rPr>
+              <a:t>Aggregates</a:t>
+            </a:r>
+          </a:p>
+        </p:txBody>
+      </p:sp>
+      <p:cxnSp>
+        <p:nvCxnSpPr>
+          <p:cNvPr id="28" name="Gerade Verbindung 27"/>
+          <p:cNvCxnSpPr/>
+          <p:nvPr/>
+        </p:nvCxnSpPr>
+        <p:spPr bwMode="auto">
+          <a:xfrm flipV="1">
+            <a:off x="6670815" y="2475608"/>
+            <a:ext cx="601485" cy="1"/>
+          </a:xfrm>
+          <a:prstGeom prst="line">
+            <a:avLst/>
+          </a:prstGeom>
+          <a:solidFill>
+            <a:schemeClr val="accent1"/>
+          </a:solidFill>
+          <a:ln w="9525" cap="flat" cmpd="sng" algn="ctr">
+            <a:solidFill>
+              <a:schemeClr val="tx1"/>
+            </a:solidFill>
+            <a:prstDash val="solid"/>
+            <a:round/>
+            <a:headEnd type="none" w="med" len="med"/>
+            <a:tailEnd type="none" w="med" len="med"/>
+          </a:ln>
+          <a:effectLst/>
+        </p:spPr>
+      </p:cxnSp>
+      <p:sp>
+        <p:nvSpPr>
+          <p:cNvPr id="2" name="Foliennummernplatzhalter 1"/>
+          <p:cNvSpPr>
+            <a:spLocks noGrp="1"/>
+          </p:cNvSpPr>
+          <p:nvPr>
+            <p:ph type="sldNum" sz="quarter" idx="4"/>
+          </p:nvPr>
+        </p:nvSpPr>
+        <p:spPr/>
+        <p:txBody>
+          <a:bodyPr/>
+          <a:lstStyle/>
+          <a:p>
+            <a:r>
+              <a:rPr lang="de-DE" smtClean="0"/>
+              <a:t>II-</a:t>
+            </a:r>
+            <a:fld id="{21FBF85A-D7A6-488B-8C2B-F7E0D6843921}" type="slidenum">
+              <a:rPr lang="de-DE" smtClean="0"/>
+              <a:pPr/>
+              <a:t>5</a:t>
+            </a:fld>
+            <a:endParaRPr lang="de-DE" dirty="0"/>
+          </a:p>
+        </p:txBody>
+      </p:sp>
+    </p:spTree>
+    <p:extLst>
+      <p:ext uri="{BB962C8B-B14F-4D97-AF65-F5344CB8AC3E}">
+        <p14:creationId xmlns:p14="http://schemas.microsoft.com/office/powerpoint/2010/main" val="2526284125"/>
+      </p:ext>
+    </p:extLst>
+  </p:cSld>
+  <p:clrMapOvr>
+    <a:masterClrMapping/>
+  </p:clrMapOvr>
+  <p:transition spd="slow">
+    <p:fade/>
+  </p:transition>
+</p:sld>
+</file>
+
+<file path=ppt/slides/slide6.xml><?xml version="1.0" encoding="utf-8"?>
+<p:sld xmlns:a="http://schemas.openxmlformats.org/drawingml/2006/main" xmlns:r="http://schemas.openxmlformats.org/officeDocument/2006/relationships" xmlns:p="http://schemas.openxmlformats.org/presentationml/2006/main">
+  <p:cSld>
+    <p:spTree>
+      <p:nvGrpSpPr>
+        <p:cNvPr id="1" name=""/>
+        <p:cNvGrpSpPr/>
+        <p:nvPr/>
+      </p:nvGrpSpPr>
+      <p:grpSpPr>
+        <a:xfrm>
+          <a:off x="0" y="0"/>
+          <a:ext cx="0" cy="0"/>
+          <a:chOff x="0" y="0"/>
+          <a:chExt cx="0" cy="0"/>
+        </a:xfrm>
+      </p:grpSpPr>
+      <p:sp>
+        <p:nvSpPr>
+          <p:cNvPr id="2" name="Datumsplatzhalter 1"/>
+          <p:cNvSpPr>
+            <a:spLocks noGrp="1"/>
+          </p:cNvSpPr>
+          <p:nvPr>
+            <p:ph type="dt" sz="half" idx="2"/>
+          </p:nvPr>
+        </p:nvSpPr>
+        <p:spPr/>
+        <p:txBody>
+          <a:bodyPr/>
+          <a:lstStyle/>
+          <a:p>
+            <a:fld id="{C476BB6B-CE12-4F11-AAE2-95F095E9C37F}" type="datetime1">
+              <a:rPr lang="de-DE" smtClean="0">
+                <a:solidFill>
+                  <a:srgbClr val="FFFFFF"/>
+                </a:solidFill>
+              </a:rPr>
+              <a:t>17.05.2013</a:t>
+            </a:fld>
+            <a:endParaRPr lang="de-DE" dirty="0">
+              <a:solidFill>
+                <a:srgbClr val="FFFFFF"/>
+              </a:solidFill>
+            </a:endParaRPr>
+          </a:p>
+        </p:txBody>
+      </p:sp>
+      <p:sp>
+        <p:nvSpPr>
+          <p:cNvPr id="4" name="Titel 3"/>
+          <p:cNvSpPr>
+            <a:spLocks noGrp="1"/>
+          </p:cNvSpPr>
+          <p:nvPr>
+            <p:ph type="title"/>
+          </p:nvPr>
+        </p:nvSpPr>
+        <p:spPr/>
+        <p:txBody>
+          <a:bodyPr/>
+          <a:lstStyle/>
+          <a:p>
+            <a:r>
+              <a:rPr lang="de-DE" dirty="0" smtClean="0"/>
+              <a:t>Abgeleitete Attribute (</a:t>
+            </a:r>
+            <a:r>
+              <a:rPr lang="de-DE" dirty="0" err="1" smtClean="0"/>
+              <a:t>Derived</a:t>
+            </a:r>
+            <a:r>
+              <a:rPr lang="de-DE" dirty="0" smtClean="0"/>
+              <a:t> </a:t>
+            </a:r>
+            <a:r>
+              <a:rPr lang="de-DE" dirty="0" err="1" smtClean="0"/>
+              <a:t>Unions</a:t>
+            </a:r>
+            <a:r>
+              <a:rPr lang="de-DE" dirty="0" smtClean="0"/>
+              <a:t>)</a:t>
+            </a:r>
+            <a:endParaRPr lang="de-DE" dirty="0"/>
+          </a:p>
+        </p:txBody>
+      </p:sp>
+      <p:grpSp>
+        <p:nvGrpSpPr>
+          <p:cNvPr id="5" name="Gruppieren 4"/>
+          <p:cNvGrpSpPr/>
+          <p:nvPr/>
+        </p:nvGrpSpPr>
+        <p:grpSpPr>
+          <a:xfrm>
+            <a:off x="3095836" y="1711224"/>
+            <a:ext cx="2289819" cy="1609764"/>
+            <a:chOff x="254719" y="1638296"/>
+            <a:chExt cx="3600000" cy="1912663"/>
+          </a:xfrm>
+        </p:grpSpPr>
+        <p:sp>
+          <p:nvSpPr>
+            <p:cNvPr id="6" name="Rectangle 5"/>
+            <p:cNvSpPr>
+              <a:spLocks noChangeArrowheads="1"/>
+            </p:cNvSpPr>
+            <p:nvPr>
+              <p:custDataLst>
+                <p:tags r:id="rId1"/>
+              </p:custDataLst>
+            </p:nvPr>
+          </p:nvSpPr>
+          <p:spPr bwMode="auto">
+            <a:xfrm>
+              <a:off x="254719" y="1894960"/>
+              <a:ext cx="3600000" cy="1655999"/>
+            </a:xfrm>
+            <a:prstGeom prst="rect">
+              <a:avLst/>
+            </a:prstGeom>
+            <a:solidFill>
+              <a:schemeClr val="bg1"/>
+            </a:solidFill>
+            <a:ln w="12700">
+              <a:solidFill>
+                <a:schemeClr val="tx1"/>
+              </a:solidFill>
+              <a:miter lim="800000"/>
+              <a:headEnd/>
+              <a:tailEnd/>
+            </a:ln>
+            <a:effectLst/>
+          </p:spPr>
+          <p:txBody>
+            <a:bodyPr wrap="none" lIns="182880" tIns="72000" rIns="182880" bIns="182880" numCol="1" anchor="t" anchorCtr="0"/>
+            <a:lstStyle/>
+            <a:p>
+              <a:pPr defTabSz="971550">
+                <a:lnSpc>
+                  <a:spcPts val="1500"/>
+                </a:lnSpc>
+                <a:spcBef>
+                  <a:spcPts val="0"/>
+                </a:spcBef>
+                <a:spcAft>
+                  <a:spcPts val="0"/>
+                </a:spcAft>
+                <a:buClr>
+                  <a:srgbClr val="005596"/>
+                </a:buClr>
+              </a:pPr>
+              <a:endParaRPr lang="en-US" sz="1100" dirty="0" smtClean="0">
+                <a:solidFill>
+                  <a:srgbClr val="005596"/>
+                </a:solidFill>
+              </a:endParaRPr>
+            </a:p>
+            <a:p>
+              <a:pPr defTabSz="971550">
+                <a:lnSpc>
+                  <a:spcPts val="1500"/>
+                </a:lnSpc>
+                <a:spcBef>
+                  <a:spcPts val="0"/>
+                </a:spcBef>
+                <a:spcAft>
+                  <a:spcPts val="0"/>
+                </a:spcAft>
+                <a:buClr>
+                  <a:srgbClr val="005596"/>
+                </a:buClr>
+              </a:pPr>
+              <a:r>
+                <a:rPr lang="en-US" sz="1100" dirty="0" err="1" smtClean="0">
+                  <a:solidFill>
+                    <a:srgbClr val="005596"/>
+                  </a:solidFill>
+                </a:rPr>
+                <a:t>plz</a:t>
+              </a:r>
+              <a:r>
+                <a:rPr lang="en-US" sz="1100" dirty="0" smtClean="0">
+                  <a:solidFill>
+                    <a:srgbClr val="005596"/>
+                  </a:solidFill>
+                </a:rPr>
+                <a:t> : String </a:t>
+              </a:r>
+            </a:p>
+            <a:p>
+              <a:pPr defTabSz="971550">
+                <a:lnSpc>
+                  <a:spcPts val="1500"/>
+                </a:lnSpc>
+                <a:spcBef>
+                  <a:spcPts val="0"/>
+                </a:spcBef>
+                <a:spcAft>
+                  <a:spcPts val="0"/>
+                </a:spcAft>
+                <a:buClr>
+                  <a:srgbClr val="005596"/>
+                </a:buClr>
+              </a:pPr>
+              <a:r>
+                <a:rPr lang="en-US" sz="1100" dirty="0" smtClean="0">
+                  <a:solidFill>
+                    <a:srgbClr val="005596"/>
+                  </a:solidFill>
+                </a:rPr>
+                <a:t>/</a:t>
+              </a:r>
+              <a:r>
+                <a:rPr lang="en-US" sz="1100" dirty="0" err="1" smtClean="0">
+                  <a:solidFill>
+                    <a:srgbClr val="005596"/>
+                  </a:solidFill>
+                </a:rPr>
+                <a:t>tarifzone</a:t>
+              </a:r>
+              <a:r>
+                <a:rPr lang="en-US" sz="1100" dirty="0" smtClean="0">
+                  <a:solidFill>
+                    <a:srgbClr val="005596"/>
+                  </a:solidFill>
+                </a:rPr>
+                <a:t> : String</a:t>
+              </a:r>
+            </a:p>
+            <a:p>
+              <a:pPr defTabSz="971550">
+                <a:lnSpc>
+                  <a:spcPts val="1500"/>
+                </a:lnSpc>
+                <a:spcBef>
+                  <a:spcPts val="0"/>
+                </a:spcBef>
+                <a:spcAft>
+                  <a:spcPts val="600"/>
+                </a:spcAft>
+                <a:buClr>
+                  <a:srgbClr val="005596"/>
+                </a:buClr>
+              </a:pPr>
+              <a:r>
+                <a:rPr lang="en-US" sz="1100" dirty="0" err="1" smtClean="0">
+                  <a:solidFill>
+                    <a:srgbClr val="005596"/>
+                  </a:solidFill>
+                </a:rPr>
+                <a:t>wohnflaeche</a:t>
+              </a:r>
+              <a:r>
+                <a:rPr lang="en-US" sz="1100" dirty="0" smtClean="0">
+                  <a:solidFill>
+                    <a:srgbClr val="005596"/>
+                  </a:solidFill>
+                </a:rPr>
+                <a:t> : Integer</a:t>
+              </a:r>
+              <a:br>
+                <a:rPr lang="en-US" sz="1100" dirty="0" smtClean="0">
+                  <a:solidFill>
+                    <a:srgbClr val="005596"/>
+                  </a:solidFill>
+                </a:rPr>
+              </a:br>
+              <a:r>
+                <a:rPr lang="en-US" sz="1100" dirty="0" smtClean="0">
+                  <a:solidFill>
+                    <a:srgbClr val="005596"/>
+                  </a:solidFill>
+                </a:rPr>
+                <a:t>/</a:t>
+              </a:r>
+              <a:r>
+                <a:rPr lang="en-US" sz="1100" dirty="0" err="1" smtClean="0">
+                  <a:solidFill>
+                    <a:srgbClr val="005596"/>
+                  </a:solidFill>
+                </a:rPr>
+                <a:t>vorschlagVersSumme</a:t>
+              </a:r>
+              <a:r>
+                <a:rPr lang="en-US" sz="1100" dirty="0" smtClean="0">
+                  <a:solidFill>
+                    <a:srgbClr val="005596"/>
+                  </a:solidFill>
+                </a:rPr>
+                <a:t> : Money</a:t>
+              </a:r>
+              <a:br>
+                <a:rPr lang="en-US" sz="1100" dirty="0" smtClean="0">
+                  <a:solidFill>
+                    <a:srgbClr val="005596"/>
+                  </a:solidFill>
+                </a:rPr>
+              </a:br>
+              <a:endParaRPr lang="en-US" sz="1000" dirty="0">
+                <a:solidFill>
+                  <a:srgbClr val="005596"/>
+                </a:solidFill>
+              </a:endParaRPr>
+            </a:p>
+          </p:txBody>
+        </p:sp>
+        <p:sp>
+          <p:nvSpPr>
+            <p:cNvPr id="7" name="Rectangle 6"/>
+            <p:cNvSpPr>
+              <a:spLocks noChangeArrowheads="1"/>
+            </p:cNvSpPr>
+            <p:nvPr>
+              <p:custDataLst>
+                <p:tags r:id="rId2"/>
+              </p:custDataLst>
+            </p:nvPr>
+          </p:nvSpPr>
+          <p:spPr bwMode="auto">
+            <a:xfrm>
+              <a:off x="254719" y="1638296"/>
+              <a:ext cx="3600000" cy="372632"/>
+            </a:xfrm>
+            <a:prstGeom prst="rect">
+              <a:avLst/>
+            </a:prstGeom>
+            <a:solidFill>
+              <a:srgbClr val="7A51C5"/>
+            </a:solidFill>
+            <a:ln w="9525">
+              <a:solidFill>
+                <a:schemeClr val="tx1"/>
+              </a:solidFill>
+              <a:miter lim="800000"/>
+              <a:headEnd/>
+              <a:tailEnd/>
+            </a:ln>
+            <a:effectLst/>
+          </p:spPr>
+          <p:txBody>
+            <a:bodyPr wrap="square" lIns="91440" tIns="91440" rIns="91440" bIns="91440" anchor="ctr"/>
+            <a:lstStyle/>
+            <a:p>
+              <a:pPr algn="ctr" defTabSz="857250">
+                <a:spcBef>
+                  <a:spcPts val="0"/>
+                </a:spcBef>
+                <a:spcAft>
+                  <a:spcPts val="600"/>
+                </a:spcAft>
+              </a:pPr>
+              <a:r>
+                <a:rPr lang="en-US" sz="1200" dirty="0" err="1" smtClean="0">
+                  <a:solidFill>
+                    <a:srgbClr val="FFFFFF"/>
+                  </a:solidFill>
+                </a:rPr>
+                <a:t>HausratVertrag</a:t>
+              </a:r>
+              <a:endParaRPr lang="en-US" sz="1200" dirty="0" smtClean="0">
+                <a:solidFill>
+                  <a:srgbClr val="FFFFFF"/>
+                </a:solidFill>
+              </a:endParaRPr>
+            </a:p>
+          </p:txBody>
+        </p:sp>
+      </p:grpSp>
+      <p:sp>
+        <p:nvSpPr>
+          <p:cNvPr id="8" name="Textfeld 7"/>
+          <p:cNvSpPr txBox="1"/>
+          <p:nvPr/>
+        </p:nvSpPr>
+        <p:spPr>
+          <a:xfrm>
+            <a:off x="5411380" y="2796256"/>
+            <a:ext cx="232872" cy="318924"/>
+          </a:xfrm>
+          <a:prstGeom prst="rect">
+            <a:avLst/>
+          </a:prstGeom>
+          <a:noFill/>
+        </p:spPr>
+        <p:txBody>
+          <a:bodyPr wrap="square" lIns="36000" tIns="36000" rIns="36000" bIns="36000" rtlCol="0">
+            <a:spAutoFit/>
+          </a:bodyPr>
+          <a:lstStyle/>
+          <a:p>
+            <a:pPr>
+              <a:spcAft>
+                <a:spcPts val="600"/>
+              </a:spcAft>
+            </a:pPr>
+            <a:r>
+              <a:rPr lang="de-DE" sz="1600" dirty="0" smtClean="0">
+                <a:solidFill>
+                  <a:srgbClr val="005596"/>
+                </a:solidFill>
+              </a:rPr>
+              <a:t>*</a:t>
+            </a:r>
+            <a:endParaRPr lang="pt-BR" sz="1600" dirty="0" err="1" smtClean="0">
+              <a:solidFill>
+                <a:srgbClr val="005596"/>
+              </a:solidFill>
+            </a:endParaRPr>
+          </a:p>
+        </p:txBody>
+      </p:sp>
+      <p:sp>
+        <p:nvSpPr>
+          <p:cNvPr id="9" name="Ellipse 8"/>
+          <p:cNvSpPr>
+            <a:spLocks noChangeAspect="1"/>
+          </p:cNvSpPr>
+          <p:nvPr/>
+        </p:nvSpPr>
+        <p:spPr bwMode="auto">
+          <a:xfrm>
+            <a:off x="3163043" y="1731409"/>
+            <a:ext cx="216000" cy="216000"/>
+          </a:xfrm>
+          <a:prstGeom prst="ellipse">
+            <a:avLst/>
+          </a:prstGeom>
+          <a:solidFill>
+            <a:srgbClr val="7A51C5"/>
+          </a:solidFill>
+          <a:ln w="12700" cap="flat">
+            <a:solidFill>
+              <a:schemeClr val="bg1"/>
+            </a:solidFill>
+            <a:prstDash val="solid"/>
+            <a:miter lim="800000"/>
+            <a:headEnd type="none" w="med" len="med"/>
+            <a:tailEnd type="none" w="med" len="med"/>
+          </a:ln>
+          <a:effectLst/>
+        </p:spPr>
+        <p:txBody>
+          <a:bodyPr wrap="none" lIns="36000" tIns="36000" rIns="36000" bIns="36000" rtlCol="0" anchor="ctr" anchorCtr="1">
+            <a:noAutofit/>
+          </a:bodyPr>
+          <a:lstStyle/>
+          <a:p>
+            <a:pPr algn="ctr">
+              <a:lnSpc>
+                <a:spcPct val="90000"/>
+              </a:lnSpc>
+              <a:spcBef>
+                <a:spcPts val="500"/>
+              </a:spcBef>
+              <a:buClr>
+                <a:srgbClr val="585858"/>
+              </a:buClr>
+              <a:buSzPct val="100000"/>
+              <a:tabLst>
+                <a:tab pos="180975" algn="l"/>
+              </a:tabLst>
+            </a:pPr>
+            <a:r>
+              <a:rPr lang="de-DE" sz="1200" b="1" dirty="0" smtClean="0">
+                <a:solidFill>
+                  <a:srgbClr val="FFFFFF"/>
+                </a:solidFill>
+                <a:sym typeface="Arial" charset="0"/>
+              </a:rPr>
+              <a:t>V</a:t>
+            </a:r>
+          </a:p>
+        </p:txBody>
+      </p:sp>
+      <p:sp>
+        <p:nvSpPr>
+          <p:cNvPr id="13" name="Textfeld 12"/>
+          <p:cNvSpPr txBox="1"/>
+          <p:nvPr/>
+        </p:nvSpPr>
+        <p:spPr>
+          <a:xfrm>
+            <a:off x="1650874" y="3969060"/>
+            <a:ext cx="5873454" cy="888311"/>
+          </a:xfrm>
+          <a:prstGeom prst="rect">
+            <a:avLst/>
+          </a:prstGeom>
+          <a:noFill/>
+        </p:spPr>
+        <p:txBody>
+          <a:bodyPr wrap="square" lIns="36000" tIns="36000" rIns="36000" bIns="36000" rtlCol="0">
+            <a:spAutoFit/>
+          </a:bodyPr>
+          <a:lstStyle/>
+          <a:p>
+            <a:pPr>
+              <a:spcAft>
+                <a:spcPts val="600"/>
+              </a:spcAft>
+            </a:pPr>
+            <a:r>
+              <a:rPr lang="de-DE" sz="1600" dirty="0" smtClean="0">
+                <a:solidFill>
+                  <a:srgbClr val="005596"/>
+                </a:solidFill>
+              </a:rPr>
+              <a:t>Tarifzone wird aus der Postleitzahl ermittelt.</a:t>
+            </a:r>
+          </a:p>
+          <a:p>
+            <a:pPr>
+              <a:spcAft>
+                <a:spcPts val="600"/>
+              </a:spcAft>
+            </a:pPr>
+            <a:r>
+              <a:rPr lang="de-DE" sz="1600" dirty="0" smtClean="0">
+                <a:solidFill>
+                  <a:srgbClr val="005596"/>
+                </a:solidFill>
+              </a:rPr>
+              <a:t>Vorschlag für die Versicherungssumme wird aus der Wohnfläche ermittelt.</a:t>
+            </a:r>
+          </a:p>
+        </p:txBody>
+      </p:sp>
+      <p:sp>
+        <p:nvSpPr>
+          <p:cNvPr id="14" name="Textfeld 13"/>
+          <p:cNvSpPr txBox="1"/>
+          <p:nvPr/>
+        </p:nvSpPr>
+        <p:spPr>
+          <a:xfrm>
+            <a:off x="847226" y="2313628"/>
+            <a:ext cx="1260128" cy="565146"/>
+          </a:xfrm>
+          <a:prstGeom prst="rect">
+            <a:avLst/>
+          </a:prstGeom>
+          <a:noFill/>
+        </p:spPr>
+        <p:txBody>
+          <a:bodyPr wrap="square" lIns="36000" tIns="36000" rIns="36000" bIns="36000" rtlCol="0">
+            <a:spAutoFit/>
+          </a:bodyPr>
+          <a:lstStyle/>
+          <a:p>
+            <a:pPr>
+              <a:spcAft>
+                <a:spcPts val="600"/>
+              </a:spcAft>
+            </a:pPr>
+            <a:r>
+              <a:rPr lang="de-DE" sz="1600" dirty="0" smtClean="0">
+                <a:solidFill>
+                  <a:srgbClr val="005596"/>
+                </a:solidFill>
+              </a:rPr>
+              <a:t>Abgeleitete Attribute</a:t>
+            </a:r>
+          </a:p>
+        </p:txBody>
+      </p:sp>
+      <p:cxnSp>
+        <p:nvCxnSpPr>
+          <p:cNvPr id="16" name="Gerade Verbindung 15"/>
+          <p:cNvCxnSpPr/>
+          <p:nvPr/>
+        </p:nvCxnSpPr>
+        <p:spPr bwMode="auto">
+          <a:xfrm>
+            <a:off x="2159744" y="2456892"/>
+            <a:ext cx="1003299" cy="0"/>
+          </a:xfrm>
+          <a:prstGeom prst="line">
+            <a:avLst/>
+          </a:prstGeom>
+          <a:solidFill>
+            <a:schemeClr val="accent1"/>
+          </a:solidFill>
+          <a:ln w="9525" cap="flat" cmpd="sng" algn="ctr">
+            <a:solidFill>
+              <a:schemeClr val="tx1"/>
+            </a:solidFill>
+            <a:prstDash val="solid"/>
+            <a:round/>
+            <a:headEnd type="none" w="med" len="med"/>
+            <a:tailEnd type="none" w="med" len="med"/>
+          </a:ln>
+          <a:effectLst/>
+        </p:spPr>
+      </p:cxnSp>
+      <p:cxnSp>
+        <p:nvCxnSpPr>
+          <p:cNvPr id="17" name="Gerade Verbindung 16"/>
+          <p:cNvCxnSpPr/>
+          <p:nvPr/>
+        </p:nvCxnSpPr>
+        <p:spPr bwMode="auto">
+          <a:xfrm>
+            <a:off x="2159743" y="2817623"/>
+            <a:ext cx="1003299" cy="0"/>
+          </a:xfrm>
+          <a:prstGeom prst="line">
+            <a:avLst/>
+          </a:prstGeom>
+          <a:solidFill>
+            <a:schemeClr val="accent1"/>
+          </a:solidFill>
+          <a:ln w="9525" cap="flat" cmpd="sng" algn="ctr">
+            <a:solidFill>
+              <a:schemeClr val="tx1"/>
+            </a:solidFill>
+            <a:prstDash val="solid"/>
+            <a:round/>
+            <a:headEnd type="none" w="med" len="med"/>
+            <a:tailEnd type="none" w="med" len="med"/>
+          </a:ln>
+          <a:effectLst/>
+        </p:spPr>
+      </p:cxnSp>
+      <p:sp>
+        <p:nvSpPr>
+          <p:cNvPr id="3" name="Foliennummernplatzhalter 2"/>
+          <p:cNvSpPr>
+            <a:spLocks noGrp="1"/>
+          </p:cNvSpPr>
+          <p:nvPr>
+            <p:ph type="sldNum" sz="quarter" idx="4"/>
+          </p:nvPr>
+        </p:nvSpPr>
+        <p:spPr/>
+        <p:txBody>
+          <a:bodyPr/>
+          <a:lstStyle/>
+          <a:p>
+            <a:r>
+              <a:rPr lang="de-DE" smtClean="0"/>
+              <a:t>II-</a:t>
+            </a:r>
+            <a:fld id="{21FBF85A-D7A6-488B-8C2B-F7E0D6843921}" type="slidenum">
+              <a:rPr lang="de-DE" smtClean="0"/>
+              <a:pPr/>
+              <a:t>6</a:t>
+            </a:fld>
+            <a:endParaRPr lang="de-DE" dirty="0"/>
+          </a:p>
+        </p:txBody>
+      </p:sp>
+    </p:spTree>
+    <p:extLst>
+      <p:ext uri="{BB962C8B-B14F-4D97-AF65-F5344CB8AC3E}">
+        <p14:creationId xmlns:p14="http://schemas.microsoft.com/office/powerpoint/2010/main" val="4260529547"/>
       </p:ext>
     </p:extLst>
   </p:cSld>
@@ -10251,9 +14649,129 @@
 </p:tagLst>
 </file>
 
+<file path=ppt/tags/tag10.xml><?xml version="1.0" encoding="utf-8"?>
+<p:tagLst xmlns:a="http://schemas.openxmlformats.org/drawingml/2006/main" xmlns:r="http://schemas.openxmlformats.org/officeDocument/2006/relationships" xmlns:p="http://schemas.openxmlformats.org/presentationml/2006/main">
+  <p:tag name="THINKCELLSHAPEDONOTDELETE" val="p5EjNVMsJNEiMsLf2PpS3Xw"/>
+</p:tagLst>
+</file>
+
+<file path=ppt/tags/tag11.xml><?xml version="1.0" encoding="utf-8"?>
+<p:tagLst xmlns:a="http://schemas.openxmlformats.org/drawingml/2006/main" xmlns:r="http://schemas.openxmlformats.org/officeDocument/2006/relationships" xmlns:p="http://schemas.openxmlformats.org/presentationml/2006/main">
+  <p:tag name="THINKCELLSHAPEDONOTDELETE" val="pApyc.n78QE6T.Njh25jfog"/>
+</p:tagLst>
+</file>
+
+<file path=ppt/tags/tag12.xml><?xml version="1.0" encoding="utf-8"?>
+<p:tagLst xmlns:a="http://schemas.openxmlformats.org/drawingml/2006/main" xmlns:r="http://schemas.openxmlformats.org/officeDocument/2006/relationships" xmlns:p="http://schemas.openxmlformats.org/presentationml/2006/main">
+  <p:tag name="THINKCELLSHAPEDONOTDELETE" val="p5EjNVMsJNEiMsLf2PpS3Xw"/>
+</p:tagLst>
+</file>
+
+<file path=ppt/tags/tag13.xml><?xml version="1.0" encoding="utf-8"?>
+<p:tagLst xmlns:a="http://schemas.openxmlformats.org/drawingml/2006/main" xmlns:r="http://schemas.openxmlformats.org/officeDocument/2006/relationships" xmlns:p="http://schemas.openxmlformats.org/presentationml/2006/main">
+  <p:tag name="THINKCELLSHAPEDONOTDELETE" val="pApyc.n78QE6T.Njh25jfog"/>
+</p:tagLst>
+</file>
+
+<file path=ppt/tags/tag14.xml><?xml version="1.0" encoding="utf-8"?>
+<p:tagLst xmlns:a="http://schemas.openxmlformats.org/drawingml/2006/main" xmlns:r="http://schemas.openxmlformats.org/officeDocument/2006/relationships" xmlns:p="http://schemas.openxmlformats.org/presentationml/2006/main">
+  <p:tag name="THINKCELLSHAPEDONOTDELETE" val="p5EjNVMsJNEiMsLf2PpS3Xw"/>
+</p:tagLst>
+</file>
+
+<file path=ppt/tags/tag15.xml><?xml version="1.0" encoding="utf-8"?>
+<p:tagLst xmlns:a="http://schemas.openxmlformats.org/drawingml/2006/main" xmlns:r="http://schemas.openxmlformats.org/officeDocument/2006/relationships" xmlns:p="http://schemas.openxmlformats.org/presentationml/2006/main">
+  <p:tag name="THINKCELLSHAPEDONOTDELETE" val="pApyc.n78QE6T.Njh25jfog"/>
+</p:tagLst>
+</file>
+
+<file path=ppt/tags/tag16.xml><?xml version="1.0" encoding="utf-8"?>
+<p:tagLst xmlns:a="http://schemas.openxmlformats.org/drawingml/2006/main" xmlns:r="http://schemas.openxmlformats.org/officeDocument/2006/relationships" xmlns:p="http://schemas.openxmlformats.org/presentationml/2006/main">
+  <p:tag name="THINKCELLSHAPEDONOTDELETE" val="p5EjNVMsJNEiMsLf2PpS3Xw"/>
+</p:tagLst>
+</file>
+
+<file path=ppt/tags/tag17.xml><?xml version="1.0" encoding="utf-8"?>
+<p:tagLst xmlns:a="http://schemas.openxmlformats.org/drawingml/2006/main" xmlns:r="http://schemas.openxmlformats.org/officeDocument/2006/relationships" xmlns:p="http://schemas.openxmlformats.org/presentationml/2006/main">
+  <p:tag name="THINKCELLSHAPEDONOTDELETE" val="t8zKyYfcen0GY7Wqjy8ypGQ"/>
+</p:tagLst>
+</file>
+
+<file path=ppt/tags/tag18.xml><?xml version="1.0" encoding="utf-8"?>
+<p:tagLst xmlns:a="http://schemas.openxmlformats.org/drawingml/2006/main" xmlns:r="http://schemas.openxmlformats.org/officeDocument/2006/relationships" xmlns:p="http://schemas.openxmlformats.org/presentationml/2006/main">
+  <p:tag name="THINKCELLSHAPEDONOTDELETE" val="t8zKyYfcen0GY7Wqjy8ypGQ"/>
+</p:tagLst>
+</file>
+
+<file path=ppt/tags/tag19.xml><?xml version="1.0" encoding="utf-8"?>
+<p:tagLst xmlns:a="http://schemas.openxmlformats.org/drawingml/2006/main" xmlns:r="http://schemas.openxmlformats.org/officeDocument/2006/relationships" xmlns:p="http://schemas.openxmlformats.org/presentationml/2006/main">
+  <p:tag name="THINKCELLSHAPEDONOTDELETE" val="pApyc.n78QE6T.Njh25jfog"/>
+</p:tagLst>
+</file>
+
 <file path=ppt/tags/tag2.xml><?xml version="1.0" encoding="utf-8"?>
 <p:tagLst xmlns:a="http://schemas.openxmlformats.org/drawingml/2006/main" xmlns:r="http://schemas.openxmlformats.org/officeDocument/2006/relationships" xmlns:p="http://schemas.openxmlformats.org/presentationml/2006/main">
   <p:tag name="THINKCELLSHAPEDONOTDELETE" val="pBPqVuCTp6Ea5gQcd33s.bg"/>
+</p:tagLst>
+</file>
+
+<file path=ppt/tags/tag20.xml><?xml version="1.0" encoding="utf-8"?>
+<p:tagLst xmlns:a="http://schemas.openxmlformats.org/drawingml/2006/main" xmlns:r="http://schemas.openxmlformats.org/officeDocument/2006/relationships" xmlns:p="http://schemas.openxmlformats.org/presentationml/2006/main">
+  <p:tag name="THINKCELLSHAPEDONOTDELETE" val="p5EjNVMsJNEiMsLf2PpS3Xw"/>
+</p:tagLst>
+</file>
+
+<file path=ppt/tags/tag21.xml><?xml version="1.0" encoding="utf-8"?>
+<p:tagLst xmlns:a="http://schemas.openxmlformats.org/drawingml/2006/main" xmlns:r="http://schemas.openxmlformats.org/officeDocument/2006/relationships" xmlns:p="http://schemas.openxmlformats.org/presentationml/2006/main">
+  <p:tag name="THINKCELLSHAPEDONOTDELETE" val="p5EjNVMsJNEiMsLf2PpS3Xw"/>
+</p:tagLst>
+</file>
+
+<file path=ppt/tags/tag22.xml><?xml version="1.0" encoding="utf-8"?>
+<p:tagLst xmlns:a="http://schemas.openxmlformats.org/drawingml/2006/main" xmlns:r="http://schemas.openxmlformats.org/officeDocument/2006/relationships" xmlns:p="http://schemas.openxmlformats.org/presentationml/2006/main">
+  <p:tag name="THINKCELLSHAPEDONOTDELETE" val="pApyc.n78QE6T.Njh25jfog"/>
+</p:tagLst>
+</file>
+
+<file path=ppt/tags/tag23.xml><?xml version="1.0" encoding="utf-8"?>
+<p:tagLst xmlns:a="http://schemas.openxmlformats.org/drawingml/2006/main" xmlns:r="http://schemas.openxmlformats.org/officeDocument/2006/relationships" xmlns:p="http://schemas.openxmlformats.org/presentationml/2006/main">
+  <p:tag name="THINKCELLSHAPEDONOTDELETE" val="pApyc.n78QE6T.Njh25jfog"/>
+</p:tagLst>
+</file>
+
+<file path=ppt/tags/tag24.xml><?xml version="1.0" encoding="utf-8"?>
+<p:tagLst xmlns:a="http://schemas.openxmlformats.org/drawingml/2006/main" xmlns:r="http://schemas.openxmlformats.org/officeDocument/2006/relationships" xmlns:p="http://schemas.openxmlformats.org/presentationml/2006/main">
+  <p:tag name="THINKCELLSHAPEDONOTDELETE" val="p5EjNVMsJNEiMsLf2PpS3Xw"/>
+</p:tagLst>
+</file>
+
+<file path=ppt/tags/tag25.xml><?xml version="1.0" encoding="utf-8"?>
+<p:tagLst xmlns:a="http://schemas.openxmlformats.org/drawingml/2006/main" xmlns:r="http://schemas.openxmlformats.org/officeDocument/2006/relationships" xmlns:p="http://schemas.openxmlformats.org/presentationml/2006/main">
+  <p:tag name="THINKCELLSHAPEDONOTDELETE" val="t8zKyYfcen0GY7Wqjy8ypGQ"/>
+</p:tagLst>
+</file>
+
+<file path=ppt/tags/tag26.xml><?xml version="1.0" encoding="utf-8"?>
+<p:tagLst xmlns:a="http://schemas.openxmlformats.org/drawingml/2006/main" xmlns:r="http://schemas.openxmlformats.org/officeDocument/2006/relationships" xmlns:p="http://schemas.openxmlformats.org/presentationml/2006/main">
+  <p:tag name="THINKCELLSHAPEDONOTDELETE" val="t8zKyYfcen0GY7Wqjy8ypGQ"/>
+</p:tagLst>
+</file>
+
+<file path=ppt/tags/tag27.xml><?xml version="1.0" encoding="utf-8"?>
+<p:tagLst xmlns:a="http://schemas.openxmlformats.org/drawingml/2006/main" xmlns:r="http://schemas.openxmlformats.org/officeDocument/2006/relationships" xmlns:p="http://schemas.openxmlformats.org/presentationml/2006/main">
+  <p:tag name="THINKCELLSHAPEDONOTDELETE" val="pApyc.n78QE6T.Njh25jfog"/>
+</p:tagLst>
+</file>
+
+<file path=ppt/tags/tag28.xml><?xml version="1.0" encoding="utf-8"?>
+<p:tagLst xmlns:a="http://schemas.openxmlformats.org/drawingml/2006/main" xmlns:r="http://schemas.openxmlformats.org/officeDocument/2006/relationships" xmlns:p="http://schemas.openxmlformats.org/presentationml/2006/main">
+  <p:tag name="THINKCELLSHAPEDONOTDELETE" val="p5EjNVMsJNEiMsLf2PpS3Xw"/>
+</p:tagLst>
+</file>
+
+<file path=ppt/tags/tag29.xml><?xml version="1.0" encoding="utf-8"?>
+<p:tagLst xmlns:a="http://schemas.openxmlformats.org/drawingml/2006/main" xmlns:r="http://schemas.openxmlformats.org/officeDocument/2006/relationships" xmlns:p="http://schemas.openxmlformats.org/presentationml/2006/main">
+  <p:tag name="THINKCELLSHAPEDONOTDELETE" val="p5EjNVMsJNEiMsLf2PpS3Xw"/>
 </p:tagLst>
 </file>
 
@@ -10263,9 +14781,57 @@
 </p:tagLst>
 </file>
 
+<file path=ppt/tags/tag30.xml><?xml version="1.0" encoding="utf-8"?>
+<p:tagLst xmlns:a="http://schemas.openxmlformats.org/drawingml/2006/main" xmlns:r="http://schemas.openxmlformats.org/officeDocument/2006/relationships" xmlns:p="http://schemas.openxmlformats.org/presentationml/2006/main">
+  <p:tag name="THINKCELLSHAPEDONOTDELETE" val="pApyc.n78QE6T.Njh25jfog"/>
+</p:tagLst>
+</file>
+
+<file path=ppt/tags/tag31.xml><?xml version="1.0" encoding="utf-8"?>
+<p:tagLst xmlns:a="http://schemas.openxmlformats.org/drawingml/2006/main" xmlns:r="http://schemas.openxmlformats.org/officeDocument/2006/relationships" xmlns:p="http://schemas.openxmlformats.org/presentationml/2006/main">
+  <p:tag name="THINKCELLSHAPEDONOTDELETE" val="pApyc.n78QE6T.Njh25jfog"/>
+</p:tagLst>
+</file>
+
+<file path=ppt/tags/tag32.xml><?xml version="1.0" encoding="utf-8"?>
+<p:tagLst xmlns:a="http://schemas.openxmlformats.org/drawingml/2006/main" xmlns:r="http://schemas.openxmlformats.org/officeDocument/2006/relationships" xmlns:p="http://schemas.openxmlformats.org/presentationml/2006/main">
+  <p:tag name="THINKCELLSHAPEDONOTDELETE" val="p5EjNVMsJNEiMsLf2PpS3Xw"/>
+</p:tagLst>
+</file>
+
 <file path=ppt/tags/tag4.xml><?xml version="1.0" encoding="utf-8"?>
 <p:tagLst xmlns:a="http://schemas.openxmlformats.org/drawingml/2006/main" xmlns:r="http://schemas.openxmlformats.org/officeDocument/2006/relationships" xmlns:p="http://schemas.openxmlformats.org/presentationml/2006/main">
   <p:tag name="THINKCELLSHAPEDONOTDELETE" val="pBPqVuCTp6Ea5gQcd33s.bg"/>
+</p:tagLst>
+</file>
+
+<file path=ppt/tags/tag5.xml><?xml version="1.0" encoding="utf-8"?>
+<p:tagLst xmlns:a="http://schemas.openxmlformats.org/drawingml/2006/main" xmlns:r="http://schemas.openxmlformats.org/officeDocument/2006/relationships" xmlns:p="http://schemas.openxmlformats.org/presentationml/2006/main">
+  <p:tag name="THINKCELLSHAPEDONOTDELETE" val="pApyc.n78QE6T.Njh25jfog"/>
+</p:tagLst>
+</file>
+
+<file path=ppt/tags/tag6.xml><?xml version="1.0" encoding="utf-8"?>
+<p:tagLst xmlns:a="http://schemas.openxmlformats.org/drawingml/2006/main" xmlns:r="http://schemas.openxmlformats.org/officeDocument/2006/relationships" xmlns:p="http://schemas.openxmlformats.org/presentationml/2006/main">
+  <p:tag name="THINKCELLSHAPEDONOTDELETE" val="p5EjNVMsJNEiMsLf2PpS3Xw"/>
+</p:tagLst>
+</file>
+
+<file path=ppt/tags/tag7.xml><?xml version="1.0" encoding="utf-8"?>
+<p:tagLst xmlns:a="http://schemas.openxmlformats.org/drawingml/2006/main" xmlns:r="http://schemas.openxmlformats.org/officeDocument/2006/relationships" xmlns:p="http://schemas.openxmlformats.org/presentationml/2006/main">
+  <p:tag name="THINKCELLSHAPEDONOTDELETE" val="pApyc.n78QE6T.Njh25jfog"/>
+</p:tagLst>
+</file>
+
+<file path=ppt/tags/tag8.xml><?xml version="1.0" encoding="utf-8"?>
+<p:tagLst xmlns:a="http://schemas.openxmlformats.org/drawingml/2006/main" xmlns:r="http://schemas.openxmlformats.org/officeDocument/2006/relationships" xmlns:p="http://schemas.openxmlformats.org/presentationml/2006/main">
+  <p:tag name="THINKCELLSHAPEDONOTDELETE" val="p5EjNVMsJNEiMsLf2PpS3Xw"/>
+</p:tagLst>
+</file>
+
+<file path=ppt/tags/tag9.xml><?xml version="1.0" encoding="utf-8"?>
+<p:tagLst xmlns:a="http://schemas.openxmlformats.org/drawingml/2006/main" xmlns:r="http://schemas.openxmlformats.org/officeDocument/2006/relationships" xmlns:p="http://schemas.openxmlformats.org/presentationml/2006/main">
+  <p:tag name="THINKCELLSHAPEDONOTDELETE" val="pApyc.n78QE6T.Njh25jfog"/>
 </p:tagLst>
 </file>
 

--- a/org.faktorips.doc/schulung/anwendungsentwicklung2/FaktorIPS-Schulung 2 - UML Refresh.pptx
+++ b/org.faktorips.doc/schulung/anwendungsentwicklung2/FaktorIPS-Schulung 2 - UML Refresh.pptx
@@ -948,7 +948,7 @@
           <a:p>
             <a:fld id="{5B55EC9F-EAAC-40EF-A1B5-F169B01641AF}" type="datetime1">
               <a:rPr lang="de-DE" smtClean="0"/>
-              <a:t>17.05.2013</a:t>
+              <a:t>15.04.2015</a:t>
             </a:fld>
             <a:endParaRPr lang="de-DE" dirty="0"/>
           </a:p>
@@ -2281,7 +2281,7 @@
           <a:p>
             <a:fld id="{8AAA7A67-18F5-4609-A246-E110891C3FD7}" type="datetime1">
               <a:rPr lang="de-DE" smtClean="0"/>
-              <a:t>17.05.2013</a:t>
+              <a:t>15.04.2015</a:t>
             </a:fld>
             <a:endParaRPr lang="de-DE" dirty="0"/>
           </a:p>
@@ -2478,7 +2478,7 @@
           <a:p>
             <a:fld id="{24B71CED-91B4-4FAD-9333-F86605A3667C}" type="datetime1">
               <a:rPr lang="de-DE" smtClean="0"/>
-              <a:t>17.05.2013</a:t>
+              <a:t>15.04.2015</a:t>
             </a:fld>
             <a:endParaRPr lang="de-DE" dirty="0"/>
           </a:p>
@@ -3420,7 +3420,7 @@
           <a:p>
             <a:fld id="{67AA3C18-C3CC-42A6-AF3E-A19ECD4CAB02}" type="datetime1">
               <a:rPr lang="de-DE" smtClean="0"/>
-              <a:t>17.05.2013</a:t>
+              <a:t>15.04.2015</a:t>
             </a:fld>
             <a:endParaRPr lang="de-DE" dirty="0"/>
           </a:p>
@@ -3597,7 +3597,7 @@
           <a:p>
             <a:fld id="{327D4152-D75E-414A-80AC-A1DE07E3F2BA}" type="datetime1">
               <a:rPr lang="de-DE" smtClean="0"/>
-              <a:t>17.05.2013</a:t>
+              <a:t>15.04.2015</a:t>
             </a:fld>
             <a:endParaRPr lang="de-DE" dirty="0"/>
           </a:p>
@@ -3802,7 +3802,7 @@
           <a:p>
             <a:fld id="{8788AA5D-F95C-43DE-A7B4-D7857C4A1DAC}" type="datetime1">
               <a:rPr lang="de-DE" smtClean="0"/>
-              <a:t>17.05.2013</a:t>
+              <a:t>15.04.2015</a:t>
             </a:fld>
             <a:endParaRPr lang="de-DE" dirty="0"/>
           </a:p>
@@ -3974,7 +3974,7 @@
           <a:p>
             <a:fld id="{D409D483-5A6C-404E-BF67-0F38A5264A02}" type="datetime1">
               <a:rPr lang="de-DE" smtClean="0"/>
-              <a:t>17.05.2013</a:t>
+              <a:t>15.04.2015</a:t>
             </a:fld>
             <a:endParaRPr lang="de-DE" dirty="0"/>
           </a:p>
@@ -4195,7 +4195,7 @@
           <a:p>
             <a:fld id="{1278A1B2-4307-43A3-9322-34CDDDE87A27}" type="datetime1">
               <a:rPr lang="de-DE" smtClean="0"/>
-              <a:t>17.05.2013</a:t>
+              <a:t>15.04.2015</a:t>
             </a:fld>
             <a:endParaRPr lang="de-DE" dirty="0"/>
           </a:p>
@@ -4393,7 +4393,7 @@
           <a:p>
             <a:fld id="{A4528959-9B37-41A0-A4B2-B2CFAF7EF4C3}" type="datetime1">
               <a:rPr lang="de-DE" smtClean="0"/>
-              <a:t>17.05.2013</a:t>
+              <a:t>15.04.2015</a:t>
             </a:fld>
             <a:endParaRPr lang="de-DE" dirty="0"/>
           </a:p>
@@ -5660,7 +5660,7 @@
           <a:p>
             <a:fld id="{B86D2B30-5EF5-4C9B-A13F-51DA274F57D3}" type="datetime1">
               <a:rPr lang="de-DE" smtClean="0"/>
-              <a:t>17.05.2013</a:t>
+              <a:t>15.04.2015</a:t>
             </a:fld>
             <a:endParaRPr lang="de-DE" dirty="0"/>
           </a:p>
@@ -6648,7 +6648,7 @@
           <a:p>
             <a:fld id="{2D782B4F-F4DE-4E8A-950B-3ECF751A11B0}" type="datetime1">
               <a:rPr lang="de-DE" smtClean="0"/>
-              <a:t>17.05.2013</a:t>
+              <a:t>15.04.2015</a:t>
             </a:fld>
             <a:endParaRPr lang="de-DE" dirty="0"/>
           </a:p>
@@ -7219,7 +7219,7 @@
           <a:p>
             <a:fld id="{E45EA214-B2DB-401D-BE28-1C18E2649E00}" type="datetime1">
               <a:rPr lang="de-DE" smtClean="0"/>
-              <a:t>17.05.2013</a:t>
+              <a:t>15.04.2015</a:t>
             </a:fld>
             <a:endParaRPr lang="de-DE" dirty="0"/>
           </a:p>
@@ -8710,7 +8710,7 @@
           <a:p>
             <a:fld id="{91D44F40-6D36-4928-8369-8C0181FC5795}" type="datetime1">
               <a:rPr lang="de-DE" smtClean="0"/>
-              <a:t>17.05.2013</a:t>
+              <a:t>15.04.2015</a:t>
             </a:fld>
             <a:endParaRPr lang="de-DE" dirty="0"/>
           </a:p>
@@ -9346,7 +9346,7 @@
                   <a:srgbClr val="FFFFFF"/>
                 </a:solidFill>
               </a:rPr>
-              <a:t>17.05.2013</a:t>
+              <a:t>15.04.2015</a:t>
             </a:fld>
             <a:endParaRPr lang="de-DE" dirty="0">
               <a:solidFill>
@@ -9785,11 +9785,7 @@
                       </a:pPr>
                       <a:r>
                         <a:rPr lang="de-DE" sz="1600" dirty="0" smtClean="0"/>
-                        <a:t>IV. </a:t>
-                      </a:r>
-                      <a:r>
-                        <a:rPr lang="de-DE" sz="1600" dirty="0" smtClean="0"/>
-                        <a:t>Customizing &amp; Tools</a:t>
+                        <a:t>IV. Customizing &amp; Tools</a:t>
                       </a:r>
                     </a:p>
                   </a:txBody>
@@ -9942,7 +9938,7 @@
                   <a:srgbClr val="FFFFFF"/>
                 </a:solidFill>
               </a:rPr>
-              <a:t>17.05.2013</a:t>
+              <a:t>15.04.2015</a:t>
             </a:fld>
             <a:endParaRPr lang="de-DE" dirty="0">
               <a:solidFill>
@@ -10099,7 +10095,7 @@
                 </a:spcAft>
               </a:pPr>
               <a:r>
-                <a:rPr lang="de-DE" sz="1200" dirty="0" smtClean="0">
+                <a:rPr lang="de-DE" sz="1200" u="sng" dirty="0" smtClean="0">
                   <a:solidFill>
                     <a:srgbClr val="FFFFFF"/>
                   </a:solidFill>
@@ -10369,7 +10365,7 @@
                 </a:spcAft>
               </a:pPr>
               <a:r>
-                <a:rPr lang="de-DE" sz="1200" dirty="0" smtClean="0">
+                <a:rPr lang="de-DE" sz="1200" u="sng" dirty="0" smtClean="0">
                   <a:solidFill>
                     <a:srgbClr val="FFFFFF"/>
                   </a:solidFill>
@@ -11058,6 +11054,13 @@
   <p:transition spd="slow">
     <p:fade/>
   </p:transition>
+  <p:timing>
+    <p:tnLst>
+      <p:par>
+        <p:cTn id="1" dur="indefinite" restart="never" nodeType="tmRoot"/>
+      </p:par>
+    </p:tnLst>
+  </p:timing>
 </p:sld>
 </file>
 
@@ -11099,7 +11102,7 @@
                   <a:srgbClr val="FFFFFF"/>
                 </a:solidFill>
               </a:rPr>
-              <a:t>17.05.2013</a:t>
+              <a:t>15.04.2015</a:t>
             </a:fld>
             <a:endParaRPr lang="de-DE" dirty="0">
               <a:solidFill>
@@ -11807,6 +11810,13 @@
   <p:transition spd="slow">
     <p:fade/>
   </p:transition>
+  <p:timing>
+    <p:tnLst>
+      <p:par>
+        <p:cTn id="1" dur="indefinite" restart="never" nodeType="tmRoot"/>
+      </p:par>
+    </p:tnLst>
+  </p:timing>
 </p:sld>
 </file>
 
@@ -11848,7 +11858,7 @@
                   <a:srgbClr val="FFFFFF"/>
                 </a:solidFill>
               </a:rPr>
-              <a:t>17.05.2013</a:t>
+              <a:t>15.04.2015</a:t>
             </a:fld>
             <a:endParaRPr lang="de-DE" dirty="0">
               <a:solidFill>
@@ -12906,6 +12916,13 @@
   <p:transition spd="slow">
     <p:fade/>
   </p:transition>
+  <p:timing>
+    <p:tnLst>
+      <p:par>
+        <p:cTn id="1" dur="indefinite" restart="never" nodeType="tmRoot"/>
+      </p:par>
+    </p:tnLst>
+  </p:timing>
 </p:sld>
 </file>
 
@@ -13006,7 +13023,7 @@
                   <a:srgbClr val="FFFFFF"/>
                 </a:solidFill>
               </a:rPr>
-              <a:t>17.05.2013</a:t>
+              <a:t>15.04.2015</a:t>
             </a:fld>
             <a:endParaRPr lang="de-DE" dirty="0">
               <a:solidFill>
@@ -14013,7 +14030,7 @@
                   <a:srgbClr val="FFFFFF"/>
                 </a:solidFill>
               </a:rPr>
-              <a:t>17.05.2013</a:t>
+              <a:t>15.04.2015</a:t>
             </a:fld>
             <a:endParaRPr lang="de-DE" dirty="0">
               <a:solidFill>
@@ -14043,20 +14060,8 @@
               <a:t>Abgeleitete Attribute (</a:t>
             </a:r>
             <a:r>
-              <a:rPr lang="de-DE" dirty="0" err="1" smtClean="0"/>
-              <a:t>Derived</a:t>
-            </a:r>
-            <a:r>
-              <a:rPr lang="de-DE" dirty="0" smtClean="0"/>
-              <a:t> </a:t>
-            </a:r>
-            <a:r>
-              <a:rPr lang="de-DE" dirty="0" err="1" smtClean="0"/>
-              <a:t>Unions</a:t>
-            </a:r>
-            <a:r>
-              <a:rPr lang="de-DE" dirty="0" smtClean="0"/>
-              <a:t>)</a:t>
+              <a:rPr lang="de-DE" smtClean="0"/>
+              <a:t>Derived)</a:t>
             </a:r>
             <a:endParaRPr lang="de-DE" dirty="0"/>
           </a:p>
